--- a/ppt/インストールの確認_online.pptx
+++ b/ppt/インストールの確認_online.pptx
@@ -5,16 +5,17 @@
     <p:sldMasterId id="2147483648" r:id="rId1"/>
   </p:sldMasterIdLst>
   <p:notesMasterIdLst>
-    <p:notesMasterId r:id="rId6"/>
+    <p:notesMasterId r:id="rId7"/>
   </p:notesMasterIdLst>
   <p:handoutMasterIdLst>
-    <p:handoutMasterId r:id="rId7"/>
+    <p:handoutMasterId r:id="rId8"/>
   </p:handoutMasterIdLst>
   <p:sldIdLst>
     <p:sldId id="625" r:id="rId2"/>
     <p:sldId id="749" r:id="rId3"/>
     <p:sldId id="750" r:id="rId4"/>
     <p:sldId id="780" r:id="rId5"/>
+    <p:sldId id="778" r:id="rId6"/>
   </p:sldIdLst>
   <p:sldSz cx="9144000" cy="6858000" type="screen4x3"/>
   <p:notesSz cx="6797675" cy="9926638"/>
@@ -2682,6 +2683,537 @@
 </p:notes>
 </file>
 
+<file path=ppt/notesSlides/notesSlide5.xml><?xml version="1.0" encoding="utf-8"?>
+<p:notes xmlns:a="http://schemas.openxmlformats.org/drawingml/2006/main" xmlns:r="http://schemas.openxmlformats.org/officeDocument/2006/relationships" xmlns:p="http://schemas.openxmlformats.org/presentationml/2006/main">
+  <p:cSld>
+    <p:spTree>
+      <p:nvGrpSpPr>
+        <p:cNvPr id="1" name=""/>
+        <p:cNvGrpSpPr/>
+        <p:nvPr/>
+      </p:nvGrpSpPr>
+      <p:grpSpPr>
+        <a:xfrm>
+          <a:off x="0" y="0"/>
+          <a:ext cx="0" cy="0"/>
+          <a:chOff x="0" y="0"/>
+          <a:chExt cx="0" cy="0"/>
+        </a:xfrm>
+      </p:grpSpPr>
+      <p:sp>
+        <p:nvSpPr>
+          <p:cNvPr id="24578" name="Rectangle 7">
+            <a:extLst>
+              <a:ext uri="{FF2B5EF4-FFF2-40B4-BE49-F238E27FC236}">
+                <a16:creationId xmlns:a16="http://schemas.microsoft.com/office/drawing/2014/main" id="{36B35B16-3B3F-4D82-9C67-59E307095210}"/>
+              </a:ext>
+            </a:extLst>
+          </p:cNvPr>
+          <p:cNvSpPr>
+            <a:spLocks noGrp="1" noChangeArrowheads="1"/>
+          </p:cNvSpPr>
+          <p:nvPr>
+            <p:ph type="sldNum" sz="quarter" idx="5"/>
+          </p:nvPr>
+        </p:nvSpPr>
+        <p:spPr>
+          <a:noFill/>
+          <a:ln/>
+          <a:extLst>
+            <a:ext uri="{909E8E84-426E-40DD-AFC4-6F175D3DCCD1}">
+              <a14:hiddenFill xmlns:a14="http://schemas.microsoft.com/office/drawing/2010/main">
+                <a:solidFill>
+                  <a:srgbClr val="FFFFFF"/>
+                </a:solidFill>
+              </a14:hiddenFill>
+            </a:ext>
+            <a:ext uri="{91240B29-F687-4F45-9708-019B960494DF}">
+              <a14:hiddenLine xmlns:a14="http://schemas.microsoft.com/office/drawing/2010/main" w="9525">
+                <a:solidFill>
+                  <a:srgbClr val="000000"/>
+                </a:solidFill>
+                <a:miter lim="800000"/>
+                <a:headEnd/>
+                <a:tailEnd/>
+              </a14:hiddenLine>
+            </a:ext>
+          </a:extLst>
+        </p:spPr>
+        <p:txBody>
+          <a:bodyPr/>
+          <a:lstStyle>
+            <a:lvl1pPr defTabSz="955675">
+              <a:spcBef>
+                <a:spcPct val="30000"/>
+              </a:spcBef>
+              <a:defRPr kumimoji="1" sz="1200">
+                <a:solidFill>
+                  <a:schemeClr val="tx1"/>
+                </a:solidFill>
+                <a:latin typeface="Arial" panose="020B0604020202020204" pitchFamily="34" charset="0"/>
+                <a:ea typeface="ＭＳ Ｐ明朝" panose="02020600040205080304" pitchFamily="18" charset="-128"/>
+              </a:defRPr>
+            </a:lvl1pPr>
+            <a:lvl2pPr marL="715963" indent="-274638" defTabSz="955675">
+              <a:spcBef>
+                <a:spcPct val="30000"/>
+              </a:spcBef>
+              <a:defRPr kumimoji="1" sz="1200">
+                <a:solidFill>
+                  <a:schemeClr val="tx1"/>
+                </a:solidFill>
+                <a:latin typeface="Arial" panose="020B0604020202020204" pitchFamily="34" charset="0"/>
+                <a:ea typeface="ＭＳ Ｐ明朝" panose="02020600040205080304" pitchFamily="18" charset="-128"/>
+              </a:defRPr>
+            </a:lvl2pPr>
+            <a:lvl3pPr marL="1101725" indent="-219075" defTabSz="955675">
+              <a:spcBef>
+                <a:spcPct val="30000"/>
+              </a:spcBef>
+              <a:defRPr kumimoji="1" sz="1200">
+                <a:solidFill>
+                  <a:schemeClr val="tx1"/>
+                </a:solidFill>
+                <a:latin typeface="Arial" panose="020B0604020202020204" pitchFamily="34" charset="0"/>
+                <a:ea typeface="ＭＳ Ｐ明朝" panose="02020600040205080304" pitchFamily="18" charset="-128"/>
+              </a:defRPr>
+            </a:lvl3pPr>
+            <a:lvl4pPr marL="1543050" indent="-219075" defTabSz="955675">
+              <a:spcBef>
+                <a:spcPct val="30000"/>
+              </a:spcBef>
+              <a:defRPr kumimoji="1" sz="1200">
+                <a:solidFill>
+                  <a:schemeClr val="tx1"/>
+                </a:solidFill>
+                <a:latin typeface="Arial" panose="020B0604020202020204" pitchFamily="34" charset="0"/>
+                <a:ea typeface="ＭＳ Ｐ明朝" panose="02020600040205080304" pitchFamily="18" charset="-128"/>
+              </a:defRPr>
+            </a:lvl4pPr>
+            <a:lvl5pPr marL="1984375" indent="-219075" defTabSz="955675">
+              <a:spcBef>
+                <a:spcPct val="30000"/>
+              </a:spcBef>
+              <a:defRPr kumimoji="1" sz="1200">
+                <a:solidFill>
+                  <a:schemeClr val="tx1"/>
+                </a:solidFill>
+                <a:latin typeface="Arial" panose="020B0604020202020204" pitchFamily="34" charset="0"/>
+                <a:ea typeface="ＭＳ Ｐ明朝" panose="02020600040205080304" pitchFamily="18" charset="-128"/>
+              </a:defRPr>
+            </a:lvl5pPr>
+            <a:lvl6pPr marL="2441575" indent="-219075" defTabSz="955675" eaLnBrk="0" fontAlgn="base" hangingPunct="0">
+              <a:spcBef>
+                <a:spcPct val="30000"/>
+              </a:spcBef>
+              <a:spcAft>
+                <a:spcPct val="0"/>
+              </a:spcAft>
+              <a:defRPr kumimoji="1" sz="1200">
+                <a:solidFill>
+                  <a:schemeClr val="tx1"/>
+                </a:solidFill>
+                <a:latin typeface="Arial" panose="020B0604020202020204" pitchFamily="34" charset="0"/>
+                <a:ea typeface="ＭＳ Ｐ明朝" panose="02020600040205080304" pitchFamily="18" charset="-128"/>
+              </a:defRPr>
+            </a:lvl6pPr>
+            <a:lvl7pPr marL="2898775" indent="-219075" defTabSz="955675" eaLnBrk="0" fontAlgn="base" hangingPunct="0">
+              <a:spcBef>
+                <a:spcPct val="30000"/>
+              </a:spcBef>
+              <a:spcAft>
+                <a:spcPct val="0"/>
+              </a:spcAft>
+              <a:defRPr kumimoji="1" sz="1200">
+                <a:solidFill>
+                  <a:schemeClr val="tx1"/>
+                </a:solidFill>
+                <a:latin typeface="Arial" panose="020B0604020202020204" pitchFamily="34" charset="0"/>
+                <a:ea typeface="ＭＳ Ｐ明朝" panose="02020600040205080304" pitchFamily="18" charset="-128"/>
+              </a:defRPr>
+            </a:lvl7pPr>
+            <a:lvl8pPr marL="3355975" indent="-219075" defTabSz="955675" eaLnBrk="0" fontAlgn="base" hangingPunct="0">
+              <a:spcBef>
+                <a:spcPct val="30000"/>
+              </a:spcBef>
+              <a:spcAft>
+                <a:spcPct val="0"/>
+              </a:spcAft>
+              <a:defRPr kumimoji="1" sz="1200">
+                <a:solidFill>
+                  <a:schemeClr val="tx1"/>
+                </a:solidFill>
+                <a:latin typeface="Arial" panose="020B0604020202020204" pitchFamily="34" charset="0"/>
+                <a:ea typeface="ＭＳ Ｐ明朝" panose="02020600040205080304" pitchFamily="18" charset="-128"/>
+              </a:defRPr>
+            </a:lvl8pPr>
+            <a:lvl9pPr marL="3813175" indent="-219075" defTabSz="955675" eaLnBrk="0" fontAlgn="base" hangingPunct="0">
+              <a:spcBef>
+                <a:spcPct val="30000"/>
+              </a:spcBef>
+              <a:spcAft>
+                <a:spcPct val="0"/>
+              </a:spcAft>
+              <a:defRPr kumimoji="1" sz="1200">
+                <a:solidFill>
+                  <a:schemeClr val="tx1"/>
+                </a:solidFill>
+                <a:latin typeface="Arial" panose="020B0604020202020204" pitchFamily="34" charset="0"/>
+                <a:ea typeface="ＭＳ Ｐ明朝" panose="02020600040205080304" pitchFamily="18" charset="-128"/>
+              </a:defRPr>
+            </a:lvl9pPr>
+          </a:lstStyle>
+          <a:p>
+            <a:pPr>
+              <a:spcBef>
+                <a:spcPct val="0"/>
+              </a:spcBef>
+            </a:pPr>
+            <a:fld id="{493B23DE-E202-468F-852B-102E4E190634}" type="slidenum">
+              <a:rPr lang="en-US" altLang="ja-JP" sz="1300" smtClean="0">
+                <a:ea typeface="ＭＳ Ｐゴシック" panose="020B0600070205080204" pitchFamily="50" charset="-128"/>
+              </a:rPr>
+              <a:pPr>
+                <a:spcBef>
+                  <a:spcPct val="0"/>
+                </a:spcBef>
+              </a:pPr>
+              <a:t>5</a:t>
+            </a:fld>
+            <a:endParaRPr lang="en-US" altLang="ja-JP" sz="1300">
+              <a:ea typeface="ＭＳ Ｐゴシック" panose="020B0600070205080204" pitchFamily="50" charset="-128"/>
+            </a:endParaRPr>
+          </a:p>
+        </p:txBody>
+      </p:sp>
+      <p:sp>
+        <p:nvSpPr>
+          <p:cNvPr id="24579" name="Rectangle 7">
+            <a:extLst>
+              <a:ext uri="{FF2B5EF4-FFF2-40B4-BE49-F238E27FC236}">
+                <a16:creationId xmlns:a16="http://schemas.microsoft.com/office/drawing/2014/main" id="{A245D57B-0356-4869-AFE9-B0EE1A2B1512}"/>
+              </a:ext>
+            </a:extLst>
+          </p:cNvPr>
+          <p:cNvSpPr txBox="1">
+            <a:spLocks noGrp="1" noChangeArrowheads="1"/>
+          </p:cNvSpPr>
+          <p:nvPr/>
+        </p:nvSpPr>
+        <p:spPr bwMode="auto">
+          <a:xfrm>
+            <a:off x="3849688" y="9429750"/>
+            <a:ext cx="2946400" cy="495300"/>
+          </a:xfrm>
+          <a:prstGeom prst="rect">
+            <a:avLst/>
+          </a:prstGeom>
+          <a:noFill/>
+          <a:ln>
+            <a:noFill/>
+          </a:ln>
+          <a:extLst>
+            <a:ext uri="{909E8E84-426E-40DD-AFC4-6F175D3DCCD1}">
+              <a14:hiddenFill xmlns:a14="http://schemas.microsoft.com/office/drawing/2010/main">
+                <a:solidFill>
+                  <a:srgbClr val="FFFFFF"/>
+                </a:solidFill>
+              </a14:hiddenFill>
+            </a:ext>
+            <a:ext uri="{91240B29-F687-4F45-9708-019B960494DF}">
+              <a14:hiddenLine xmlns:a14="http://schemas.microsoft.com/office/drawing/2010/main" w="9525">
+                <a:solidFill>
+                  <a:srgbClr val="000000"/>
+                </a:solidFill>
+                <a:miter lim="800000"/>
+                <a:headEnd/>
+                <a:tailEnd/>
+              </a14:hiddenLine>
+            </a:ext>
+          </a:extLst>
+        </p:spPr>
+        <p:txBody>
+          <a:bodyPr lIns="95530" tIns="47765" rIns="95530" bIns="47765" anchor="b"/>
+          <a:lstStyle>
+            <a:lvl1pPr defTabSz="990600">
+              <a:spcBef>
+                <a:spcPct val="30000"/>
+              </a:spcBef>
+              <a:defRPr kumimoji="1" sz="1200">
+                <a:solidFill>
+                  <a:schemeClr val="tx1"/>
+                </a:solidFill>
+                <a:latin typeface="Arial" panose="020B0604020202020204" pitchFamily="34" charset="0"/>
+                <a:ea typeface="ＭＳ Ｐ明朝" panose="02020600040205080304" pitchFamily="18" charset="-128"/>
+              </a:defRPr>
+            </a:lvl1pPr>
+            <a:lvl2pPr marL="742950" indent="-285750" defTabSz="990600">
+              <a:spcBef>
+                <a:spcPct val="30000"/>
+              </a:spcBef>
+              <a:defRPr kumimoji="1" sz="1200">
+                <a:solidFill>
+                  <a:schemeClr val="tx1"/>
+                </a:solidFill>
+                <a:latin typeface="Arial" panose="020B0604020202020204" pitchFamily="34" charset="0"/>
+                <a:ea typeface="ＭＳ Ｐ明朝" panose="02020600040205080304" pitchFamily="18" charset="-128"/>
+              </a:defRPr>
+            </a:lvl2pPr>
+            <a:lvl3pPr marL="1143000" indent="-228600" defTabSz="990600">
+              <a:spcBef>
+                <a:spcPct val="30000"/>
+              </a:spcBef>
+              <a:defRPr kumimoji="1" sz="1200">
+                <a:solidFill>
+                  <a:schemeClr val="tx1"/>
+                </a:solidFill>
+                <a:latin typeface="Arial" panose="020B0604020202020204" pitchFamily="34" charset="0"/>
+                <a:ea typeface="ＭＳ Ｐ明朝" panose="02020600040205080304" pitchFamily="18" charset="-128"/>
+              </a:defRPr>
+            </a:lvl3pPr>
+            <a:lvl4pPr marL="1600200" indent="-228600" defTabSz="990600">
+              <a:spcBef>
+                <a:spcPct val="30000"/>
+              </a:spcBef>
+              <a:defRPr kumimoji="1" sz="1200">
+                <a:solidFill>
+                  <a:schemeClr val="tx1"/>
+                </a:solidFill>
+                <a:latin typeface="Arial" panose="020B0604020202020204" pitchFamily="34" charset="0"/>
+                <a:ea typeface="ＭＳ Ｐ明朝" panose="02020600040205080304" pitchFamily="18" charset="-128"/>
+              </a:defRPr>
+            </a:lvl4pPr>
+            <a:lvl5pPr marL="2057400" indent="-228600" defTabSz="990600">
+              <a:spcBef>
+                <a:spcPct val="30000"/>
+              </a:spcBef>
+              <a:defRPr kumimoji="1" sz="1200">
+                <a:solidFill>
+                  <a:schemeClr val="tx1"/>
+                </a:solidFill>
+                <a:latin typeface="Arial" panose="020B0604020202020204" pitchFamily="34" charset="0"/>
+                <a:ea typeface="ＭＳ Ｐ明朝" panose="02020600040205080304" pitchFamily="18" charset="-128"/>
+              </a:defRPr>
+            </a:lvl5pPr>
+            <a:lvl6pPr marL="2514600" indent="-228600" defTabSz="990600" eaLnBrk="0" fontAlgn="base" hangingPunct="0">
+              <a:spcBef>
+                <a:spcPct val="30000"/>
+              </a:spcBef>
+              <a:spcAft>
+                <a:spcPct val="0"/>
+              </a:spcAft>
+              <a:defRPr kumimoji="1" sz="1200">
+                <a:solidFill>
+                  <a:schemeClr val="tx1"/>
+                </a:solidFill>
+                <a:latin typeface="Arial" panose="020B0604020202020204" pitchFamily="34" charset="0"/>
+                <a:ea typeface="ＭＳ Ｐ明朝" panose="02020600040205080304" pitchFamily="18" charset="-128"/>
+              </a:defRPr>
+            </a:lvl6pPr>
+            <a:lvl7pPr marL="2971800" indent="-228600" defTabSz="990600" eaLnBrk="0" fontAlgn="base" hangingPunct="0">
+              <a:spcBef>
+                <a:spcPct val="30000"/>
+              </a:spcBef>
+              <a:spcAft>
+                <a:spcPct val="0"/>
+              </a:spcAft>
+              <a:defRPr kumimoji="1" sz="1200">
+                <a:solidFill>
+                  <a:schemeClr val="tx1"/>
+                </a:solidFill>
+                <a:latin typeface="Arial" panose="020B0604020202020204" pitchFamily="34" charset="0"/>
+                <a:ea typeface="ＭＳ Ｐ明朝" panose="02020600040205080304" pitchFamily="18" charset="-128"/>
+              </a:defRPr>
+            </a:lvl7pPr>
+            <a:lvl8pPr marL="3429000" indent="-228600" defTabSz="990600" eaLnBrk="0" fontAlgn="base" hangingPunct="0">
+              <a:spcBef>
+                <a:spcPct val="30000"/>
+              </a:spcBef>
+              <a:spcAft>
+                <a:spcPct val="0"/>
+              </a:spcAft>
+              <a:defRPr kumimoji="1" sz="1200">
+                <a:solidFill>
+                  <a:schemeClr val="tx1"/>
+                </a:solidFill>
+                <a:latin typeface="Arial" panose="020B0604020202020204" pitchFamily="34" charset="0"/>
+                <a:ea typeface="ＭＳ Ｐ明朝" panose="02020600040205080304" pitchFamily="18" charset="-128"/>
+              </a:defRPr>
+            </a:lvl8pPr>
+            <a:lvl9pPr marL="3886200" indent="-228600" defTabSz="990600" eaLnBrk="0" fontAlgn="base" hangingPunct="0">
+              <a:spcBef>
+                <a:spcPct val="30000"/>
+              </a:spcBef>
+              <a:spcAft>
+                <a:spcPct val="0"/>
+              </a:spcAft>
+              <a:defRPr kumimoji="1" sz="1200">
+                <a:solidFill>
+                  <a:schemeClr val="tx1"/>
+                </a:solidFill>
+                <a:latin typeface="Arial" panose="020B0604020202020204" pitchFamily="34" charset="0"/>
+                <a:ea typeface="ＭＳ Ｐ明朝" panose="02020600040205080304" pitchFamily="18" charset="-128"/>
+              </a:defRPr>
+            </a:lvl9pPr>
+          </a:lstStyle>
+          <a:p>
+            <a:pPr algn="r" eaLnBrk="1" hangingPunct="1">
+              <a:spcBef>
+                <a:spcPct val="0"/>
+              </a:spcBef>
+            </a:pPr>
+            <a:fld id="{3F80C788-E013-48AF-82B2-093181658F59}" type="slidenum">
+              <a:rPr lang="en-US" altLang="ja-JP" sz="1300">
+                <a:ea typeface="ＭＳ Ｐゴシック" panose="020B0600070205080204" pitchFamily="50" charset="-128"/>
+              </a:rPr>
+              <a:pPr algn="r" eaLnBrk="1" hangingPunct="1">
+                <a:spcBef>
+                  <a:spcPct val="0"/>
+                </a:spcBef>
+              </a:pPr>
+              <a:t>5</a:t>
+            </a:fld>
+            <a:endParaRPr lang="en-US" altLang="ja-JP" sz="1300">
+              <a:ea typeface="ＭＳ Ｐゴシック" panose="020B0600070205080204" pitchFamily="50" charset="-128"/>
+            </a:endParaRPr>
+          </a:p>
+        </p:txBody>
+      </p:sp>
+      <p:sp>
+        <p:nvSpPr>
+          <p:cNvPr id="24580" name="Rectangle 2">
+            <a:extLst>
+              <a:ext uri="{FF2B5EF4-FFF2-40B4-BE49-F238E27FC236}">
+                <a16:creationId xmlns:a16="http://schemas.microsoft.com/office/drawing/2014/main" id="{F4AD495D-0CA5-4B9C-854E-37EC30B6441C}"/>
+              </a:ext>
+            </a:extLst>
+          </p:cNvPr>
+          <p:cNvSpPr>
+            <a:spLocks noGrp="1" noRot="1" noChangeAspect="1" noChangeArrowheads="1" noTextEdit="1"/>
+          </p:cNvSpPr>
+          <p:nvPr>
+            <p:ph type="sldImg"/>
+          </p:nvPr>
+        </p:nvSpPr>
+        <p:spPr>
+          <a:xfrm>
+            <a:off x="915988" y="744538"/>
+            <a:ext cx="4965700" cy="3724275"/>
+          </a:xfrm>
+          <a:ln/>
+        </p:spPr>
+      </p:sp>
+      <p:sp>
+        <p:nvSpPr>
+          <p:cNvPr id="24581" name="Rectangle 3">
+            <a:extLst>
+              <a:ext uri="{FF2B5EF4-FFF2-40B4-BE49-F238E27FC236}">
+                <a16:creationId xmlns:a16="http://schemas.microsoft.com/office/drawing/2014/main" id="{8E5C3E8D-4AD4-4A19-A9D7-A3C086438927}"/>
+              </a:ext>
+            </a:extLst>
+          </p:cNvPr>
+          <p:cNvSpPr>
+            <a:spLocks noGrp="1" noChangeArrowheads="1"/>
+          </p:cNvSpPr>
+          <p:nvPr>
+            <p:ph type="body" idx="1"/>
+          </p:nvPr>
+        </p:nvSpPr>
+        <p:spPr>
+          <a:noFill/>
+          <a:ln/>
+          <a:extLst>
+            <a:ext uri="{909E8E84-426E-40DD-AFC4-6F175D3DCCD1}">
+              <a14:hiddenFill xmlns:a14="http://schemas.microsoft.com/office/drawing/2010/main">
+                <a:solidFill>
+                  <a:srgbClr val="FFFFFF"/>
+                </a:solidFill>
+              </a14:hiddenFill>
+            </a:ext>
+            <a:ext uri="{91240B29-F687-4F45-9708-019B960494DF}">
+              <a14:hiddenLine xmlns:a14="http://schemas.microsoft.com/office/drawing/2010/main" w="9525">
+                <a:solidFill>
+                  <a:srgbClr val="000000"/>
+                </a:solidFill>
+                <a:miter lim="800000"/>
+                <a:headEnd/>
+                <a:tailEnd/>
+              </a14:hiddenLine>
+            </a:ext>
+          </a:extLst>
+        </p:spPr>
+        <p:txBody>
+          <a:bodyPr/>
+          <a:lstStyle/>
+          <a:p>
+            <a:pPr eaLnBrk="1" hangingPunct="1"/>
+            <a:r>
+              <a:rPr lang="en-US" altLang="ja-JP">
+                <a:latin typeface="Arial" panose="020B0604020202020204" pitchFamily="34" charset="0"/>
+              </a:rPr>
+              <a:t>At first, I’d like to mention about RT.</a:t>
+            </a:r>
+          </a:p>
+          <a:p>
+            <a:pPr eaLnBrk="1" hangingPunct="1"/>
+            <a:r>
+              <a:rPr lang="en-US" altLang="ja-JP">
+                <a:latin typeface="Arial" panose="020B0604020202020204" pitchFamily="34" charset="0"/>
+              </a:rPr>
+              <a:t>What is RT?</a:t>
+            </a:r>
+          </a:p>
+          <a:p>
+            <a:pPr eaLnBrk="1" hangingPunct="1"/>
+            <a:r>
+              <a:rPr lang="en-US" altLang="ja-JP">
+                <a:latin typeface="Arial" panose="020B0604020202020204" pitchFamily="34" charset="0"/>
+              </a:rPr>
+              <a:t>RT means Robot Technology.</a:t>
+            </a:r>
+          </a:p>
+          <a:p>
+            <a:pPr eaLnBrk="1" hangingPunct="1"/>
+            <a:r>
+              <a:rPr lang="en-US" altLang="ja-JP">
+                <a:latin typeface="Arial" panose="020B0604020202020204" pitchFamily="34" charset="0"/>
+              </a:rPr>
+              <a:t>This is not only standalone robots like this, but also robotic elements, sensors, actuators and so on.</a:t>
+            </a:r>
+          </a:p>
+          <a:p>
+            <a:pPr eaLnBrk="1" hangingPunct="1"/>
+            <a:r>
+              <a:rPr lang="en-US" altLang="ja-JP">
+                <a:latin typeface="Arial" panose="020B0604020202020204" pitchFamily="34" charset="0"/>
+              </a:rPr>
+              <a:t>We have studied on RT-Middleware.</a:t>
+            </a:r>
+          </a:p>
+          <a:p>
+            <a:pPr eaLnBrk="1" hangingPunct="1"/>
+            <a:r>
+              <a:rPr lang="en-US" altLang="ja-JP">
+                <a:latin typeface="Arial" panose="020B0604020202020204" pitchFamily="34" charset="0"/>
+              </a:rPr>
+              <a:t>RT-Middleware is software platform to integrate these RT-elements. </a:t>
+            </a:r>
+          </a:p>
+        </p:txBody>
+      </p:sp>
+    </p:spTree>
+    <p:extLst>
+      <p:ext uri="{BB962C8B-B14F-4D97-AF65-F5344CB8AC3E}">
+        <p14:creationId xmlns:p14="http://schemas.microsoft.com/office/powerpoint/2010/main" val="280997986"/>
+      </p:ext>
+    </p:extLst>
+  </p:cSld>
+  <p:clrMapOvr>
+    <a:masterClrMapping/>
+  </p:clrMapOvr>
+</p:notes>
+</file>
+
 <file path=ppt/slideLayouts/slideLayout1.xml><?xml version="1.0" encoding="utf-8"?>
 <p:sldLayout xmlns:a="http://schemas.openxmlformats.org/drawingml/2006/main" xmlns:r="http://schemas.openxmlformats.org/officeDocument/2006/relationships" xmlns:p="http://schemas.openxmlformats.org/presentationml/2006/main" type="title" preserve="1">
   <p:cSld name="タイトル スライド">
@@ -5871,7 +6403,7 @@
           <a:graphicData uri="http://schemas.openxmlformats.org/presentationml/2006/ole">
             <mc:AlternateContent xmlns:mc="http://schemas.openxmlformats.org/markup-compatibility/2006">
               <mc:Choice xmlns:v="urn:schemas-microsoft-com:vml" Requires="v">
-                <p:oleObj spid="_x0000_s1386" name="Corel DESIGNER" r:id="rId18" imgW="2743200" imgH="1536480" progId="Corel DESIGNER.Graphic.10">
+                <p:oleObj spid="_x0000_s1391" name="Corel DESIGNER" r:id="rId18" imgW="2743200" imgH="1536480" progId="Corel DESIGNER.Graphic.10">
                   <p:embed/>
                 </p:oleObj>
               </mc:Choice>
@@ -7022,8 +7554,8 @@
         </p:nvSpPr>
         <p:spPr>
           <a:xfrm>
-            <a:off x="457200" y="1223963"/>
-            <a:ext cx="7915275" cy="4410075"/>
+            <a:off x="341530" y="1223963"/>
+            <a:ext cx="8595955" cy="4410075"/>
           </a:xfrm>
         </p:spPr>
         <p:txBody>
@@ -7065,6 +7597,51 @@
               </a:rPr>
               <a:t>OpenRTM-aist-1.2.1-RELEASE_x86_64.msi</a:t>
             </a:r>
+          </a:p>
+          <a:p>
+            <a:pPr lvl="2" eaLnBrk="1" hangingPunct="1">
+              <a:lnSpc>
+                <a:spcPct val="80000"/>
+              </a:lnSpc>
+              <a:defRPr/>
+            </a:pPr>
+            <a:r>
+              <a:rPr lang="en-US" altLang="ja-JP" sz="1400" dirty="0">
+                <a:solidFill>
+                  <a:srgbClr val="5F5F5F"/>
+                </a:solidFill>
+              </a:rPr>
+              <a:t>Python 3.8</a:t>
+            </a:r>
+            <a:r>
+              <a:rPr lang="ja-JP" altLang="en-US" sz="1400" dirty="0">
+                <a:solidFill>
+                  <a:srgbClr val="5F5F5F"/>
+                </a:solidFill>
+              </a:rPr>
+              <a:t>を使用する場合は</a:t>
+            </a:r>
+            <a:r>
+              <a:rPr lang="en-US" altLang="ja-JP" sz="1400" dirty="0">
+                <a:solidFill>
+                  <a:srgbClr val="5F5F5F"/>
+                </a:solidFill>
+              </a:rPr>
+              <a:t>OpenRTM-aist-1.2.2-Beta200501_x86_64.1.msi</a:t>
+            </a:r>
+            <a:r>
+              <a:rPr lang="ja-JP" altLang="en-US" sz="1400" dirty="0">
+                <a:solidFill>
+                  <a:srgbClr val="5F5F5F"/>
+                </a:solidFill>
+              </a:rPr>
+              <a:t>をインストール</a:t>
+            </a:r>
+            <a:endParaRPr lang="en-US" altLang="ja-JP" sz="1400" dirty="0">
+              <a:solidFill>
+                <a:srgbClr val="5F5F5F"/>
+              </a:solidFill>
+            </a:endParaRPr>
           </a:p>
           <a:p>
             <a:pPr lvl="1" eaLnBrk="1" hangingPunct="1">
@@ -9166,6 +9743,1048 @@
     <p:extLst>
       <p:ext uri="{BB962C8B-B14F-4D97-AF65-F5344CB8AC3E}">
         <p14:creationId xmlns:p14="http://schemas.microsoft.com/office/powerpoint/2010/main" val="2300394074"/>
+      </p:ext>
+    </p:extLst>
+  </p:cSld>
+  <p:clrMapOvr>
+    <a:masterClrMapping/>
+  </p:clrMapOvr>
+</p:sld>
+</file>
+
+<file path=ppt/slides/slide5.xml><?xml version="1.0" encoding="utf-8"?>
+<p:sld xmlns:a="http://schemas.openxmlformats.org/drawingml/2006/main" xmlns:r="http://schemas.openxmlformats.org/officeDocument/2006/relationships" xmlns:p="http://schemas.openxmlformats.org/presentationml/2006/main">
+  <p:cSld>
+    <p:spTree>
+      <p:nvGrpSpPr>
+        <p:cNvPr id="1" name=""/>
+        <p:cNvGrpSpPr/>
+        <p:nvPr/>
+      </p:nvGrpSpPr>
+      <p:grpSpPr>
+        <a:xfrm>
+          <a:off x="0" y="0"/>
+          <a:ext cx="0" cy="0"/>
+          <a:chOff x="0" y="0"/>
+          <a:chExt cx="0" cy="0"/>
+        </a:xfrm>
+      </p:grpSpPr>
+      <p:sp>
+        <p:nvSpPr>
+          <p:cNvPr id="23554" name="スライド番号プレースホルダ 1">
+            <a:extLst>
+              <a:ext uri="{FF2B5EF4-FFF2-40B4-BE49-F238E27FC236}">
+                <a16:creationId xmlns:a16="http://schemas.microsoft.com/office/drawing/2014/main" id="{A8135C90-8A69-464E-8D99-F988E2C9716F}"/>
+              </a:ext>
+            </a:extLst>
+          </p:cNvPr>
+          <p:cNvSpPr>
+            <a:spLocks noGrp="1"/>
+          </p:cNvSpPr>
+          <p:nvPr>
+            <p:ph type="sldNum" sz="quarter" idx="10"/>
+          </p:nvPr>
+        </p:nvSpPr>
+        <p:spPr>
+          <a:noFill/>
+          <a:ln/>
+          <a:extLst>
+            <a:ext uri="{909E8E84-426E-40DD-AFC4-6F175D3DCCD1}">
+              <a14:hiddenFill xmlns:a14="http://schemas.microsoft.com/office/drawing/2010/main">
+                <a:solidFill>
+                  <a:srgbClr val="FFFFFF"/>
+                </a:solidFill>
+              </a14:hiddenFill>
+            </a:ext>
+            <a:ext uri="{91240B29-F687-4F45-9708-019B960494DF}">
+              <a14:hiddenLine xmlns:a14="http://schemas.microsoft.com/office/drawing/2010/main" w="9525">
+                <a:solidFill>
+                  <a:srgbClr val="000000"/>
+                </a:solidFill>
+                <a:miter lim="800000"/>
+                <a:headEnd/>
+                <a:tailEnd/>
+              </a14:hiddenLine>
+            </a:ext>
+          </a:extLst>
+        </p:spPr>
+        <p:txBody>
+          <a:bodyPr/>
+          <a:lstStyle>
+            <a:lvl1pPr>
+              <a:spcBef>
+                <a:spcPct val="20000"/>
+              </a:spcBef>
+              <a:buChar char="•"/>
+              <a:defRPr kumimoji="1" sz="3200">
+                <a:solidFill>
+                  <a:srgbClr val="4D4D4D"/>
+                </a:solidFill>
+                <a:latin typeface="Arial" panose="020B0604020202020204" pitchFamily="34" charset="0"/>
+                <a:ea typeface="ＭＳ Ｐゴシック" panose="020B0600070205080204" pitchFamily="50" charset="-128"/>
+              </a:defRPr>
+            </a:lvl1pPr>
+            <a:lvl2pPr marL="742950" indent="-285750">
+              <a:spcBef>
+                <a:spcPct val="20000"/>
+              </a:spcBef>
+              <a:buChar char="–"/>
+              <a:defRPr kumimoji="1" sz="2800">
+                <a:solidFill>
+                  <a:srgbClr val="4D4D4D"/>
+                </a:solidFill>
+                <a:latin typeface="Arial" panose="020B0604020202020204" pitchFamily="34" charset="0"/>
+                <a:ea typeface="ＭＳ Ｐゴシック" panose="020B0600070205080204" pitchFamily="50" charset="-128"/>
+              </a:defRPr>
+            </a:lvl2pPr>
+            <a:lvl3pPr marL="1143000" indent="-228600">
+              <a:spcBef>
+                <a:spcPct val="20000"/>
+              </a:spcBef>
+              <a:buChar char="•"/>
+              <a:defRPr kumimoji="1" sz="2400">
+                <a:solidFill>
+                  <a:srgbClr val="4D4D4D"/>
+                </a:solidFill>
+                <a:latin typeface="Arial" panose="020B0604020202020204" pitchFamily="34" charset="0"/>
+                <a:ea typeface="ＭＳ Ｐゴシック" panose="020B0600070205080204" pitchFamily="50" charset="-128"/>
+              </a:defRPr>
+            </a:lvl3pPr>
+            <a:lvl4pPr marL="1600200" indent="-228600">
+              <a:spcBef>
+                <a:spcPct val="20000"/>
+              </a:spcBef>
+              <a:buChar char="–"/>
+              <a:defRPr kumimoji="1" sz="2000">
+                <a:solidFill>
+                  <a:srgbClr val="4D4D4D"/>
+                </a:solidFill>
+                <a:latin typeface="Arial" panose="020B0604020202020204" pitchFamily="34" charset="0"/>
+                <a:ea typeface="ＭＳ Ｐゴシック" panose="020B0600070205080204" pitchFamily="50" charset="-128"/>
+              </a:defRPr>
+            </a:lvl4pPr>
+            <a:lvl5pPr marL="2057400" indent="-228600">
+              <a:spcBef>
+                <a:spcPct val="20000"/>
+              </a:spcBef>
+              <a:buChar char="»"/>
+              <a:defRPr kumimoji="1" sz="2000">
+                <a:solidFill>
+                  <a:srgbClr val="4D4D4D"/>
+                </a:solidFill>
+                <a:latin typeface="Arial" panose="020B0604020202020204" pitchFamily="34" charset="0"/>
+                <a:ea typeface="ＭＳ Ｐゴシック" panose="020B0600070205080204" pitchFamily="50" charset="-128"/>
+              </a:defRPr>
+            </a:lvl5pPr>
+            <a:lvl6pPr marL="2514600" indent="-228600" eaLnBrk="0" fontAlgn="base" hangingPunct="0">
+              <a:spcBef>
+                <a:spcPct val="20000"/>
+              </a:spcBef>
+              <a:spcAft>
+                <a:spcPct val="0"/>
+              </a:spcAft>
+              <a:buChar char="»"/>
+              <a:defRPr kumimoji="1" sz="2000">
+                <a:solidFill>
+                  <a:srgbClr val="4D4D4D"/>
+                </a:solidFill>
+                <a:latin typeface="Arial" panose="020B0604020202020204" pitchFamily="34" charset="0"/>
+                <a:ea typeface="ＭＳ Ｐゴシック" panose="020B0600070205080204" pitchFamily="50" charset="-128"/>
+              </a:defRPr>
+            </a:lvl6pPr>
+            <a:lvl7pPr marL="2971800" indent="-228600" eaLnBrk="0" fontAlgn="base" hangingPunct="0">
+              <a:spcBef>
+                <a:spcPct val="20000"/>
+              </a:spcBef>
+              <a:spcAft>
+                <a:spcPct val="0"/>
+              </a:spcAft>
+              <a:buChar char="»"/>
+              <a:defRPr kumimoji="1" sz="2000">
+                <a:solidFill>
+                  <a:srgbClr val="4D4D4D"/>
+                </a:solidFill>
+                <a:latin typeface="Arial" panose="020B0604020202020204" pitchFamily="34" charset="0"/>
+                <a:ea typeface="ＭＳ Ｐゴシック" panose="020B0600070205080204" pitchFamily="50" charset="-128"/>
+              </a:defRPr>
+            </a:lvl7pPr>
+            <a:lvl8pPr marL="3429000" indent="-228600" eaLnBrk="0" fontAlgn="base" hangingPunct="0">
+              <a:spcBef>
+                <a:spcPct val="20000"/>
+              </a:spcBef>
+              <a:spcAft>
+                <a:spcPct val="0"/>
+              </a:spcAft>
+              <a:buChar char="»"/>
+              <a:defRPr kumimoji="1" sz="2000">
+                <a:solidFill>
+                  <a:srgbClr val="4D4D4D"/>
+                </a:solidFill>
+                <a:latin typeface="Arial" panose="020B0604020202020204" pitchFamily="34" charset="0"/>
+                <a:ea typeface="ＭＳ Ｐゴシック" panose="020B0600070205080204" pitchFamily="50" charset="-128"/>
+              </a:defRPr>
+            </a:lvl8pPr>
+            <a:lvl9pPr marL="3886200" indent="-228600" eaLnBrk="0" fontAlgn="base" hangingPunct="0">
+              <a:spcBef>
+                <a:spcPct val="20000"/>
+              </a:spcBef>
+              <a:spcAft>
+                <a:spcPct val="0"/>
+              </a:spcAft>
+              <a:buChar char="»"/>
+              <a:defRPr kumimoji="1" sz="2000">
+                <a:solidFill>
+                  <a:srgbClr val="4D4D4D"/>
+                </a:solidFill>
+                <a:latin typeface="Arial" panose="020B0604020202020204" pitchFamily="34" charset="0"/>
+                <a:ea typeface="ＭＳ Ｐゴシック" panose="020B0600070205080204" pitchFamily="50" charset="-128"/>
+              </a:defRPr>
+            </a:lvl9pPr>
+          </a:lstStyle>
+          <a:p>
+            <a:pPr>
+              <a:spcBef>
+                <a:spcPct val="0"/>
+              </a:spcBef>
+              <a:buFontTx/>
+              <a:buNone/>
+            </a:pPr>
+            <a:fld id="{C7EF3A91-BECD-4A16-8C32-32ED5B8C0391}" type="slidenum">
+              <a:rPr lang="en-US" altLang="ja-JP" sz="1400" smtClean="0"/>
+              <a:pPr>
+                <a:spcBef>
+                  <a:spcPct val="0"/>
+                </a:spcBef>
+                <a:buFontTx/>
+                <a:buNone/>
+              </a:pPr>
+              <a:t>5</a:t>
+            </a:fld>
+            <a:endParaRPr lang="en-US" altLang="ja-JP" sz="1400"/>
+          </a:p>
+        </p:txBody>
+      </p:sp>
+      <p:sp>
+        <p:nvSpPr>
+          <p:cNvPr id="23555" name="スライド番号プレースホルダ 3">
+            <a:extLst>
+              <a:ext uri="{FF2B5EF4-FFF2-40B4-BE49-F238E27FC236}">
+                <a16:creationId xmlns:a16="http://schemas.microsoft.com/office/drawing/2014/main" id="{8DFCEF0E-7688-4484-9F94-BD286C76C50A}"/>
+              </a:ext>
+            </a:extLst>
+          </p:cNvPr>
+          <p:cNvSpPr txBox="1">
+            <a:spLocks noGrp="1"/>
+          </p:cNvSpPr>
+          <p:nvPr/>
+        </p:nvSpPr>
+        <p:spPr bwMode="auto">
+          <a:xfrm>
+            <a:off x="7010400" y="6575425"/>
+            <a:ext cx="2133600" cy="503238"/>
+          </a:xfrm>
+          <a:prstGeom prst="rect">
+            <a:avLst/>
+          </a:prstGeom>
+          <a:noFill/>
+          <a:ln>
+            <a:noFill/>
+          </a:ln>
+          <a:extLst>
+            <a:ext uri="{909E8E84-426E-40DD-AFC4-6F175D3DCCD1}">
+              <a14:hiddenFill xmlns:a14="http://schemas.microsoft.com/office/drawing/2010/main">
+                <a:solidFill>
+                  <a:srgbClr val="FFFFFF"/>
+                </a:solidFill>
+              </a14:hiddenFill>
+            </a:ext>
+            <a:ext uri="{91240B29-F687-4F45-9708-019B960494DF}">
+              <a14:hiddenLine xmlns:a14="http://schemas.microsoft.com/office/drawing/2010/main" w="9525">
+                <a:solidFill>
+                  <a:srgbClr val="000000"/>
+                </a:solidFill>
+                <a:miter lim="800000"/>
+                <a:headEnd/>
+                <a:tailEnd/>
+              </a14:hiddenLine>
+            </a:ext>
+          </a:extLst>
+        </p:spPr>
+        <p:txBody>
+          <a:bodyPr/>
+          <a:lstStyle>
+            <a:lvl1pPr>
+              <a:spcBef>
+                <a:spcPct val="20000"/>
+              </a:spcBef>
+              <a:buChar char="•"/>
+              <a:defRPr kumimoji="1" sz="3200">
+                <a:solidFill>
+                  <a:srgbClr val="4D4D4D"/>
+                </a:solidFill>
+                <a:latin typeface="Arial" panose="020B0604020202020204" pitchFamily="34" charset="0"/>
+                <a:ea typeface="ＭＳ Ｐゴシック" panose="020B0600070205080204" pitchFamily="50" charset="-128"/>
+              </a:defRPr>
+            </a:lvl1pPr>
+            <a:lvl2pPr marL="742950" indent="-285750">
+              <a:spcBef>
+                <a:spcPct val="20000"/>
+              </a:spcBef>
+              <a:buChar char="–"/>
+              <a:defRPr kumimoji="1" sz="2800">
+                <a:solidFill>
+                  <a:srgbClr val="4D4D4D"/>
+                </a:solidFill>
+                <a:latin typeface="Arial" panose="020B0604020202020204" pitchFamily="34" charset="0"/>
+                <a:ea typeface="ＭＳ Ｐゴシック" panose="020B0600070205080204" pitchFamily="50" charset="-128"/>
+              </a:defRPr>
+            </a:lvl2pPr>
+            <a:lvl3pPr marL="1143000" indent="-228600">
+              <a:spcBef>
+                <a:spcPct val="20000"/>
+              </a:spcBef>
+              <a:buChar char="•"/>
+              <a:defRPr kumimoji="1" sz="2400">
+                <a:solidFill>
+                  <a:srgbClr val="4D4D4D"/>
+                </a:solidFill>
+                <a:latin typeface="Arial" panose="020B0604020202020204" pitchFamily="34" charset="0"/>
+                <a:ea typeface="ＭＳ Ｐゴシック" panose="020B0600070205080204" pitchFamily="50" charset="-128"/>
+              </a:defRPr>
+            </a:lvl3pPr>
+            <a:lvl4pPr marL="1600200" indent="-228600">
+              <a:spcBef>
+                <a:spcPct val="20000"/>
+              </a:spcBef>
+              <a:buChar char="–"/>
+              <a:defRPr kumimoji="1" sz="2000">
+                <a:solidFill>
+                  <a:srgbClr val="4D4D4D"/>
+                </a:solidFill>
+                <a:latin typeface="Arial" panose="020B0604020202020204" pitchFamily="34" charset="0"/>
+                <a:ea typeface="ＭＳ Ｐゴシック" panose="020B0600070205080204" pitchFamily="50" charset="-128"/>
+              </a:defRPr>
+            </a:lvl4pPr>
+            <a:lvl5pPr marL="2057400" indent="-228600">
+              <a:spcBef>
+                <a:spcPct val="20000"/>
+              </a:spcBef>
+              <a:buChar char="»"/>
+              <a:defRPr kumimoji="1" sz="2000">
+                <a:solidFill>
+                  <a:srgbClr val="4D4D4D"/>
+                </a:solidFill>
+                <a:latin typeface="Arial" panose="020B0604020202020204" pitchFamily="34" charset="0"/>
+                <a:ea typeface="ＭＳ Ｐゴシック" panose="020B0600070205080204" pitchFamily="50" charset="-128"/>
+              </a:defRPr>
+            </a:lvl5pPr>
+            <a:lvl6pPr marL="2514600" indent="-228600" eaLnBrk="0" fontAlgn="base" hangingPunct="0">
+              <a:spcBef>
+                <a:spcPct val="20000"/>
+              </a:spcBef>
+              <a:spcAft>
+                <a:spcPct val="0"/>
+              </a:spcAft>
+              <a:buChar char="»"/>
+              <a:defRPr kumimoji="1" sz="2000">
+                <a:solidFill>
+                  <a:srgbClr val="4D4D4D"/>
+                </a:solidFill>
+                <a:latin typeface="Arial" panose="020B0604020202020204" pitchFamily="34" charset="0"/>
+                <a:ea typeface="ＭＳ Ｐゴシック" panose="020B0600070205080204" pitchFamily="50" charset="-128"/>
+              </a:defRPr>
+            </a:lvl6pPr>
+            <a:lvl7pPr marL="2971800" indent="-228600" eaLnBrk="0" fontAlgn="base" hangingPunct="0">
+              <a:spcBef>
+                <a:spcPct val="20000"/>
+              </a:spcBef>
+              <a:spcAft>
+                <a:spcPct val="0"/>
+              </a:spcAft>
+              <a:buChar char="»"/>
+              <a:defRPr kumimoji="1" sz="2000">
+                <a:solidFill>
+                  <a:srgbClr val="4D4D4D"/>
+                </a:solidFill>
+                <a:latin typeface="Arial" panose="020B0604020202020204" pitchFamily="34" charset="0"/>
+                <a:ea typeface="ＭＳ Ｐゴシック" panose="020B0600070205080204" pitchFamily="50" charset="-128"/>
+              </a:defRPr>
+            </a:lvl7pPr>
+            <a:lvl8pPr marL="3429000" indent="-228600" eaLnBrk="0" fontAlgn="base" hangingPunct="0">
+              <a:spcBef>
+                <a:spcPct val="20000"/>
+              </a:spcBef>
+              <a:spcAft>
+                <a:spcPct val="0"/>
+              </a:spcAft>
+              <a:buChar char="»"/>
+              <a:defRPr kumimoji="1" sz="2000">
+                <a:solidFill>
+                  <a:srgbClr val="4D4D4D"/>
+                </a:solidFill>
+                <a:latin typeface="Arial" panose="020B0604020202020204" pitchFamily="34" charset="0"/>
+                <a:ea typeface="ＭＳ Ｐゴシック" panose="020B0600070205080204" pitchFamily="50" charset="-128"/>
+              </a:defRPr>
+            </a:lvl8pPr>
+            <a:lvl9pPr marL="3886200" indent="-228600" eaLnBrk="0" fontAlgn="base" hangingPunct="0">
+              <a:spcBef>
+                <a:spcPct val="20000"/>
+              </a:spcBef>
+              <a:spcAft>
+                <a:spcPct val="0"/>
+              </a:spcAft>
+              <a:buChar char="»"/>
+              <a:defRPr kumimoji="1" sz="2000">
+                <a:solidFill>
+                  <a:srgbClr val="4D4D4D"/>
+                </a:solidFill>
+                <a:latin typeface="Arial" panose="020B0604020202020204" pitchFamily="34" charset="0"/>
+                <a:ea typeface="ＭＳ Ｐゴシック" panose="020B0600070205080204" pitchFamily="50" charset="-128"/>
+              </a:defRPr>
+            </a:lvl9pPr>
+          </a:lstStyle>
+          <a:p>
+            <a:pPr algn="r" eaLnBrk="1" hangingPunct="1">
+              <a:spcBef>
+                <a:spcPct val="0"/>
+              </a:spcBef>
+              <a:buFontTx/>
+              <a:buNone/>
+            </a:pPr>
+            <a:fld id="{856407EC-5C52-4A71-8B21-6B5C840D2EEE}" type="slidenum">
+              <a:rPr lang="en-US" altLang="ja-JP" sz="1400"/>
+              <a:pPr algn="r" eaLnBrk="1" hangingPunct="1">
+                <a:spcBef>
+                  <a:spcPct val="0"/>
+                </a:spcBef>
+                <a:buFontTx/>
+                <a:buNone/>
+              </a:pPr>
+              <a:t>5</a:t>
+            </a:fld>
+            <a:endParaRPr lang="en-US" altLang="ja-JP" sz="1400"/>
+          </a:p>
+        </p:txBody>
+      </p:sp>
+      <p:sp>
+        <p:nvSpPr>
+          <p:cNvPr id="23557" name="Rectangle 11">
+            <a:extLst>
+              <a:ext uri="{FF2B5EF4-FFF2-40B4-BE49-F238E27FC236}">
+                <a16:creationId xmlns:a16="http://schemas.microsoft.com/office/drawing/2014/main" id="{8C36A925-BB7A-442F-9851-4A9F90BAFE23}"/>
+              </a:ext>
+            </a:extLst>
+          </p:cNvPr>
+          <p:cNvSpPr>
+            <a:spLocks noGrp="1" noChangeArrowheads="1"/>
+          </p:cNvSpPr>
+          <p:nvPr>
+            <p:ph type="title" idx="4294967295"/>
+          </p:nvPr>
+        </p:nvSpPr>
+        <p:spPr>
+          <a:xfrm>
+            <a:off x="179388" y="403225"/>
+            <a:ext cx="8805862" cy="865188"/>
+          </a:xfrm>
+        </p:spPr>
+        <p:txBody>
+          <a:bodyPr/>
+          <a:lstStyle/>
+          <a:p>
+            <a:pPr eaLnBrk="1" hangingPunct="1"/>
+            <a:r>
+              <a:rPr lang="ja-JP" altLang="en-US" dirty="0">
+                <a:solidFill>
+                  <a:srgbClr val="5F5F5F"/>
+                </a:solidFill>
+              </a:rPr>
+              <a:t>質問の手順</a:t>
+            </a:r>
+            <a:endParaRPr lang="en-US" altLang="ja-JP" dirty="0">
+              <a:solidFill>
+                <a:srgbClr val="5F5F5F"/>
+              </a:solidFill>
+            </a:endParaRPr>
+          </a:p>
+        </p:txBody>
+      </p:sp>
+      <p:sp>
+        <p:nvSpPr>
+          <p:cNvPr id="9" name="Rectangle 2">
+            <a:extLst>
+              <a:ext uri="{FF2B5EF4-FFF2-40B4-BE49-F238E27FC236}">
+                <a16:creationId xmlns:a16="http://schemas.microsoft.com/office/drawing/2014/main" id="{EE425DED-4A7A-4D8C-8BF5-95125A50252D}"/>
+              </a:ext>
+            </a:extLst>
+          </p:cNvPr>
+          <p:cNvSpPr txBox="1">
+            <a:spLocks noChangeArrowheads="1"/>
+          </p:cNvSpPr>
+          <p:nvPr/>
+        </p:nvSpPr>
+        <p:spPr bwMode="auto">
+          <a:xfrm>
+            <a:off x="457200" y="1223963"/>
+            <a:ext cx="7915275" cy="539852"/>
+          </a:xfrm>
+          <a:prstGeom prst="rect">
+            <a:avLst/>
+          </a:prstGeom>
+          <a:noFill/>
+          <a:ln>
+            <a:noFill/>
+          </a:ln>
+          <a:extLst>
+            <a:ext uri="{909E8E84-426E-40DD-AFC4-6F175D3DCCD1}">
+              <a14:hiddenFill xmlns:a14="http://schemas.microsoft.com/office/drawing/2010/main">
+                <a:solidFill>
+                  <a:srgbClr val="FFFFFF"/>
+                </a:solidFill>
+              </a14:hiddenFill>
+            </a:ext>
+            <a:ext uri="{91240B29-F687-4F45-9708-019B960494DF}">
+              <a14:hiddenLine xmlns:a14="http://schemas.microsoft.com/office/drawing/2010/main" w="9525">
+                <a:solidFill>
+                  <a:srgbClr val="000000"/>
+                </a:solidFill>
+                <a:miter lim="800000"/>
+                <a:headEnd/>
+                <a:tailEnd/>
+              </a14:hiddenLine>
+            </a:ext>
+          </a:extLst>
+        </p:spPr>
+        <p:txBody>
+          <a:bodyPr vert="horz" wrap="square" lIns="91440" tIns="45720" rIns="91440" bIns="45720" numCol="1" anchor="t" anchorCtr="0" compatLnSpc="1">
+            <a:prstTxWarp prst="textNoShape">
+              <a:avLst/>
+            </a:prstTxWarp>
+          </a:bodyPr>
+          <a:lstStyle>
+            <a:lvl1pPr marL="342900" indent="-342900" algn="l" rtl="0" eaLnBrk="0" fontAlgn="base" hangingPunct="0">
+              <a:spcBef>
+                <a:spcPct val="20000"/>
+              </a:spcBef>
+              <a:spcAft>
+                <a:spcPct val="0"/>
+              </a:spcAft>
+              <a:buChar char="•"/>
+              <a:defRPr kumimoji="1" sz="3200">
+                <a:solidFill>
+                  <a:srgbClr val="4D4D4D"/>
+                </a:solidFill>
+                <a:latin typeface="+mn-lt"/>
+                <a:ea typeface="+mn-ea"/>
+                <a:cs typeface="+mn-cs"/>
+              </a:defRPr>
+            </a:lvl1pPr>
+            <a:lvl2pPr marL="742950" indent="-285750" algn="l" rtl="0" eaLnBrk="0" fontAlgn="base" hangingPunct="0">
+              <a:spcBef>
+                <a:spcPct val="20000"/>
+              </a:spcBef>
+              <a:spcAft>
+                <a:spcPct val="0"/>
+              </a:spcAft>
+              <a:buChar char="–"/>
+              <a:defRPr kumimoji="1" sz="2800">
+                <a:solidFill>
+                  <a:srgbClr val="4D4D4D"/>
+                </a:solidFill>
+                <a:latin typeface="+mn-lt"/>
+                <a:ea typeface="+mn-ea"/>
+              </a:defRPr>
+            </a:lvl2pPr>
+            <a:lvl3pPr marL="1143000" indent="-228600" algn="l" rtl="0" eaLnBrk="0" fontAlgn="base" hangingPunct="0">
+              <a:spcBef>
+                <a:spcPct val="20000"/>
+              </a:spcBef>
+              <a:spcAft>
+                <a:spcPct val="0"/>
+              </a:spcAft>
+              <a:buChar char="•"/>
+              <a:defRPr kumimoji="1" sz="2400">
+                <a:solidFill>
+                  <a:srgbClr val="4D4D4D"/>
+                </a:solidFill>
+                <a:latin typeface="+mn-lt"/>
+                <a:ea typeface="+mn-ea"/>
+              </a:defRPr>
+            </a:lvl3pPr>
+            <a:lvl4pPr marL="1600200" indent="-228600" algn="l" rtl="0" eaLnBrk="0" fontAlgn="base" hangingPunct="0">
+              <a:spcBef>
+                <a:spcPct val="20000"/>
+              </a:spcBef>
+              <a:spcAft>
+                <a:spcPct val="0"/>
+              </a:spcAft>
+              <a:buChar char="–"/>
+              <a:defRPr kumimoji="1" sz="2000">
+                <a:solidFill>
+                  <a:srgbClr val="4D4D4D"/>
+                </a:solidFill>
+                <a:latin typeface="+mn-lt"/>
+                <a:ea typeface="+mn-ea"/>
+              </a:defRPr>
+            </a:lvl4pPr>
+            <a:lvl5pPr marL="2057400" indent="-228600" algn="l" rtl="0" eaLnBrk="0" fontAlgn="base" hangingPunct="0">
+              <a:spcBef>
+                <a:spcPct val="20000"/>
+              </a:spcBef>
+              <a:spcAft>
+                <a:spcPct val="0"/>
+              </a:spcAft>
+              <a:buChar char="»"/>
+              <a:defRPr kumimoji="1" sz="2000">
+                <a:solidFill>
+                  <a:srgbClr val="4D4D4D"/>
+                </a:solidFill>
+                <a:latin typeface="+mn-lt"/>
+                <a:ea typeface="+mn-ea"/>
+              </a:defRPr>
+            </a:lvl5pPr>
+            <a:lvl6pPr marL="2514600" indent="-228600" algn="l" rtl="0" fontAlgn="base">
+              <a:spcBef>
+                <a:spcPct val="20000"/>
+              </a:spcBef>
+              <a:spcAft>
+                <a:spcPct val="0"/>
+              </a:spcAft>
+              <a:buChar char="»"/>
+              <a:defRPr kumimoji="1" sz="2000">
+                <a:solidFill>
+                  <a:srgbClr val="4D4D4D"/>
+                </a:solidFill>
+                <a:latin typeface="+mn-lt"/>
+                <a:ea typeface="+mn-ea"/>
+              </a:defRPr>
+            </a:lvl6pPr>
+            <a:lvl7pPr marL="2971800" indent="-228600" algn="l" rtl="0" fontAlgn="base">
+              <a:spcBef>
+                <a:spcPct val="20000"/>
+              </a:spcBef>
+              <a:spcAft>
+                <a:spcPct val="0"/>
+              </a:spcAft>
+              <a:buChar char="»"/>
+              <a:defRPr kumimoji="1" sz="2000">
+                <a:solidFill>
+                  <a:srgbClr val="4D4D4D"/>
+                </a:solidFill>
+                <a:latin typeface="+mn-lt"/>
+                <a:ea typeface="+mn-ea"/>
+              </a:defRPr>
+            </a:lvl7pPr>
+            <a:lvl8pPr marL="3429000" indent="-228600" algn="l" rtl="0" fontAlgn="base">
+              <a:spcBef>
+                <a:spcPct val="20000"/>
+              </a:spcBef>
+              <a:spcAft>
+                <a:spcPct val="0"/>
+              </a:spcAft>
+              <a:buChar char="»"/>
+              <a:defRPr kumimoji="1" sz="2000">
+                <a:solidFill>
+                  <a:srgbClr val="4D4D4D"/>
+                </a:solidFill>
+                <a:latin typeface="+mn-lt"/>
+                <a:ea typeface="+mn-ea"/>
+              </a:defRPr>
+            </a:lvl8pPr>
+            <a:lvl9pPr marL="3886200" indent="-228600" algn="l" rtl="0" fontAlgn="base">
+              <a:spcBef>
+                <a:spcPct val="20000"/>
+              </a:spcBef>
+              <a:spcAft>
+                <a:spcPct val="0"/>
+              </a:spcAft>
+              <a:buChar char="»"/>
+              <a:defRPr kumimoji="1" sz="2000">
+                <a:solidFill>
+                  <a:srgbClr val="4D4D4D"/>
+                </a:solidFill>
+                <a:latin typeface="+mn-lt"/>
+                <a:ea typeface="+mn-ea"/>
+              </a:defRPr>
+            </a:lvl9pPr>
+          </a:lstStyle>
+          <a:p>
+            <a:pPr eaLnBrk="1" hangingPunct="1">
+              <a:lnSpc>
+                <a:spcPct val="80000"/>
+              </a:lnSpc>
+            </a:pPr>
+            <a:r>
+              <a:rPr lang="ja-JP" altLang="en-US" sz="2400" kern="0" dirty="0">
+                <a:solidFill>
+                  <a:srgbClr val="5F5F5F"/>
+                </a:solidFill>
+              </a:rPr>
+              <a:t>トラブルが発生したら</a:t>
+            </a:r>
+            <a:r>
+              <a:rPr lang="en-US" altLang="ja-JP" sz="2400" kern="0" dirty="0">
+                <a:solidFill>
+                  <a:srgbClr val="5F5F5F"/>
+                </a:solidFill>
+              </a:rPr>
+              <a:t>Zoom</a:t>
+            </a:r>
+            <a:r>
+              <a:rPr lang="ja-JP" altLang="en-US" sz="2400" kern="0" dirty="0">
+                <a:solidFill>
+                  <a:srgbClr val="5F5F5F"/>
+                </a:solidFill>
+              </a:rPr>
+              <a:t>のチャットで質問する</a:t>
+            </a:r>
+            <a:endParaRPr lang="en-US" altLang="ja-JP" sz="900" kern="0" dirty="0">
+              <a:solidFill>
+                <a:srgbClr val="5F5F5F"/>
+              </a:solidFill>
+            </a:endParaRPr>
+          </a:p>
+        </p:txBody>
+      </p:sp>
+      <p:pic>
+        <p:nvPicPr>
+          <p:cNvPr id="3074" name="Picture 2" descr="image">
+            <a:extLst>
+              <a:ext uri="{FF2B5EF4-FFF2-40B4-BE49-F238E27FC236}">
+                <a16:creationId xmlns:a16="http://schemas.microsoft.com/office/drawing/2014/main" id="{CFE5286C-A035-4997-944C-AA2E29EE1252}"/>
+              </a:ext>
+            </a:extLst>
+          </p:cNvPr>
+          <p:cNvPicPr>
+            <a:picLocks noChangeAspect="1" noChangeArrowheads="1"/>
+          </p:cNvPicPr>
+          <p:nvPr/>
+        </p:nvPicPr>
+        <p:blipFill>
+          <a:blip r:embed="rId3">
+            <a:extLst>
+              <a:ext uri="{28A0092B-C50C-407E-A947-70E740481C1C}">
+                <a14:useLocalDpi xmlns:a14="http://schemas.microsoft.com/office/drawing/2010/main" val="0"/>
+              </a:ext>
+            </a:extLst>
+          </a:blip>
+          <a:srcRect/>
+          <a:stretch>
+            <a:fillRect/>
+          </a:stretch>
+        </p:blipFill>
+        <p:spPr bwMode="auto">
+          <a:xfrm>
+            <a:off x="292190" y="1673805"/>
+            <a:ext cx="8082390" cy="2290011"/>
+          </a:xfrm>
+          <a:prstGeom prst="rect">
+            <a:avLst/>
+          </a:prstGeom>
+          <a:noFill/>
+          <a:extLst>
+            <a:ext uri="{909E8E84-426E-40DD-AFC4-6F175D3DCCD1}">
+              <a14:hiddenFill xmlns:a14="http://schemas.microsoft.com/office/drawing/2010/main">
+                <a:solidFill>
+                  <a:srgbClr val="FFFFFF"/>
+                </a:solidFill>
+              </a14:hiddenFill>
+            </a:ext>
+          </a:extLst>
+        </p:spPr>
+      </p:pic>
+      <p:sp>
+        <p:nvSpPr>
+          <p:cNvPr id="13" name="吹き出し: 四角形 12">
+            <a:extLst>
+              <a:ext uri="{FF2B5EF4-FFF2-40B4-BE49-F238E27FC236}">
+                <a16:creationId xmlns:a16="http://schemas.microsoft.com/office/drawing/2014/main" id="{3DAFAE7D-4E83-40A7-A696-C69D4B10676A}"/>
+              </a:ext>
+            </a:extLst>
+          </p:cNvPr>
+          <p:cNvSpPr/>
+          <p:nvPr/>
+        </p:nvSpPr>
+        <p:spPr>
+          <a:xfrm>
+            <a:off x="2321750" y="2584553"/>
+            <a:ext cx="4095455" cy="431860"/>
+          </a:xfrm>
+          <a:prstGeom prst="wedgeRectCallout">
+            <a:avLst>
+              <a:gd name="adj1" fmla="val -23490"/>
+              <a:gd name="adj2" fmla="val 149829"/>
+            </a:avLst>
+          </a:prstGeom>
+          <a:solidFill>
+            <a:srgbClr val="A1FDFB"/>
+          </a:solidFill>
+        </p:spPr>
+        <p:style>
+          <a:lnRef idx="2">
+            <a:schemeClr val="accent1">
+              <a:shade val="50000"/>
+            </a:schemeClr>
+          </a:lnRef>
+          <a:fillRef idx="1">
+            <a:schemeClr val="accent1"/>
+          </a:fillRef>
+          <a:effectRef idx="0">
+            <a:schemeClr val="accent1"/>
+          </a:effectRef>
+          <a:fontRef idx="minor">
+            <a:schemeClr val="lt1"/>
+          </a:fontRef>
+        </p:style>
+        <p:txBody>
+          <a:bodyPr rtlCol="0" anchor="ctr"/>
+          <a:lstStyle/>
+          <a:p>
+            <a:pPr algn="ctr"/>
+            <a:r>
+              <a:rPr lang="en-US" altLang="ja-JP" sz="1800" dirty="0">
+                <a:solidFill>
+                  <a:schemeClr val="tx1"/>
+                </a:solidFill>
+              </a:rPr>
+              <a:t>Zoom</a:t>
+            </a:r>
+            <a:r>
+              <a:rPr lang="ja-JP" altLang="en-US" sz="1800" dirty="0">
+                <a:solidFill>
+                  <a:schemeClr val="tx1"/>
+                </a:solidFill>
+              </a:rPr>
+              <a:t>グループチャット</a:t>
+            </a:r>
+            <a:r>
+              <a:rPr kumimoji="1" lang="ja-JP" altLang="en-US" sz="1800" dirty="0">
+                <a:solidFill>
+                  <a:schemeClr val="tx1"/>
+                </a:solidFill>
+              </a:rPr>
+              <a:t>の画面を表示する</a:t>
+            </a:r>
+          </a:p>
+        </p:txBody>
+      </p:sp>
+      <p:sp>
+        <p:nvSpPr>
+          <p:cNvPr id="16" name="Rectangle 2">
+            <a:extLst>
+              <a:ext uri="{FF2B5EF4-FFF2-40B4-BE49-F238E27FC236}">
+                <a16:creationId xmlns:a16="http://schemas.microsoft.com/office/drawing/2014/main" id="{77368E68-6848-441B-88C1-683F37A3863C}"/>
+              </a:ext>
+            </a:extLst>
+          </p:cNvPr>
+          <p:cNvSpPr txBox="1">
+            <a:spLocks noChangeArrowheads="1"/>
+          </p:cNvSpPr>
+          <p:nvPr/>
+        </p:nvSpPr>
+        <p:spPr bwMode="auto">
+          <a:xfrm>
+            <a:off x="457199" y="4244702"/>
+            <a:ext cx="7915275" cy="539852"/>
+          </a:xfrm>
+          <a:prstGeom prst="rect">
+            <a:avLst/>
+          </a:prstGeom>
+          <a:noFill/>
+          <a:ln>
+            <a:noFill/>
+          </a:ln>
+          <a:extLst>
+            <a:ext uri="{909E8E84-426E-40DD-AFC4-6F175D3DCCD1}">
+              <a14:hiddenFill xmlns:a14="http://schemas.microsoft.com/office/drawing/2010/main">
+                <a:solidFill>
+                  <a:srgbClr val="FFFFFF"/>
+                </a:solidFill>
+              </a14:hiddenFill>
+            </a:ext>
+            <a:ext uri="{91240B29-F687-4F45-9708-019B960494DF}">
+              <a14:hiddenLine xmlns:a14="http://schemas.microsoft.com/office/drawing/2010/main" w="9525">
+                <a:solidFill>
+                  <a:srgbClr val="000000"/>
+                </a:solidFill>
+                <a:miter lim="800000"/>
+                <a:headEnd/>
+                <a:tailEnd/>
+              </a14:hiddenLine>
+            </a:ext>
+          </a:extLst>
+        </p:spPr>
+        <p:txBody>
+          <a:bodyPr vert="horz" wrap="square" lIns="91440" tIns="45720" rIns="91440" bIns="45720" numCol="1" anchor="t" anchorCtr="0" compatLnSpc="1">
+            <a:prstTxWarp prst="textNoShape">
+              <a:avLst/>
+            </a:prstTxWarp>
+          </a:bodyPr>
+          <a:lstStyle>
+            <a:lvl1pPr marL="342900" indent="-342900" algn="l" rtl="0" eaLnBrk="0" fontAlgn="base" hangingPunct="0">
+              <a:spcBef>
+                <a:spcPct val="20000"/>
+              </a:spcBef>
+              <a:spcAft>
+                <a:spcPct val="0"/>
+              </a:spcAft>
+              <a:buChar char="•"/>
+              <a:defRPr kumimoji="1" sz="3200">
+                <a:solidFill>
+                  <a:srgbClr val="4D4D4D"/>
+                </a:solidFill>
+                <a:latin typeface="+mn-lt"/>
+                <a:ea typeface="+mn-ea"/>
+                <a:cs typeface="+mn-cs"/>
+              </a:defRPr>
+            </a:lvl1pPr>
+            <a:lvl2pPr marL="742950" indent="-285750" algn="l" rtl="0" eaLnBrk="0" fontAlgn="base" hangingPunct="0">
+              <a:spcBef>
+                <a:spcPct val="20000"/>
+              </a:spcBef>
+              <a:spcAft>
+                <a:spcPct val="0"/>
+              </a:spcAft>
+              <a:buChar char="–"/>
+              <a:defRPr kumimoji="1" sz="2800">
+                <a:solidFill>
+                  <a:srgbClr val="4D4D4D"/>
+                </a:solidFill>
+                <a:latin typeface="+mn-lt"/>
+                <a:ea typeface="+mn-ea"/>
+              </a:defRPr>
+            </a:lvl2pPr>
+            <a:lvl3pPr marL="1143000" indent="-228600" algn="l" rtl="0" eaLnBrk="0" fontAlgn="base" hangingPunct="0">
+              <a:spcBef>
+                <a:spcPct val="20000"/>
+              </a:spcBef>
+              <a:spcAft>
+                <a:spcPct val="0"/>
+              </a:spcAft>
+              <a:buChar char="•"/>
+              <a:defRPr kumimoji="1" sz="2400">
+                <a:solidFill>
+                  <a:srgbClr val="4D4D4D"/>
+                </a:solidFill>
+                <a:latin typeface="+mn-lt"/>
+                <a:ea typeface="+mn-ea"/>
+              </a:defRPr>
+            </a:lvl3pPr>
+            <a:lvl4pPr marL="1600200" indent="-228600" algn="l" rtl="0" eaLnBrk="0" fontAlgn="base" hangingPunct="0">
+              <a:spcBef>
+                <a:spcPct val="20000"/>
+              </a:spcBef>
+              <a:spcAft>
+                <a:spcPct val="0"/>
+              </a:spcAft>
+              <a:buChar char="–"/>
+              <a:defRPr kumimoji="1" sz="2000">
+                <a:solidFill>
+                  <a:srgbClr val="4D4D4D"/>
+                </a:solidFill>
+                <a:latin typeface="+mn-lt"/>
+                <a:ea typeface="+mn-ea"/>
+              </a:defRPr>
+            </a:lvl4pPr>
+            <a:lvl5pPr marL="2057400" indent="-228600" algn="l" rtl="0" eaLnBrk="0" fontAlgn="base" hangingPunct="0">
+              <a:spcBef>
+                <a:spcPct val="20000"/>
+              </a:spcBef>
+              <a:spcAft>
+                <a:spcPct val="0"/>
+              </a:spcAft>
+              <a:buChar char="»"/>
+              <a:defRPr kumimoji="1" sz="2000">
+                <a:solidFill>
+                  <a:srgbClr val="4D4D4D"/>
+                </a:solidFill>
+                <a:latin typeface="+mn-lt"/>
+                <a:ea typeface="+mn-ea"/>
+              </a:defRPr>
+            </a:lvl5pPr>
+            <a:lvl6pPr marL="2514600" indent="-228600" algn="l" rtl="0" fontAlgn="base">
+              <a:spcBef>
+                <a:spcPct val="20000"/>
+              </a:spcBef>
+              <a:spcAft>
+                <a:spcPct val="0"/>
+              </a:spcAft>
+              <a:buChar char="»"/>
+              <a:defRPr kumimoji="1" sz="2000">
+                <a:solidFill>
+                  <a:srgbClr val="4D4D4D"/>
+                </a:solidFill>
+                <a:latin typeface="+mn-lt"/>
+                <a:ea typeface="+mn-ea"/>
+              </a:defRPr>
+            </a:lvl6pPr>
+            <a:lvl7pPr marL="2971800" indent="-228600" algn="l" rtl="0" fontAlgn="base">
+              <a:spcBef>
+                <a:spcPct val="20000"/>
+              </a:spcBef>
+              <a:spcAft>
+                <a:spcPct val="0"/>
+              </a:spcAft>
+              <a:buChar char="»"/>
+              <a:defRPr kumimoji="1" sz="2000">
+                <a:solidFill>
+                  <a:srgbClr val="4D4D4D"/>
+                </a:solidFill>
+                <a:latin typeface="+mn-lt"/>
+                <a:ea typeface="+mn-ea"/>
+              </a:defRPr>
+            </a:lvl7pPr>
+            <a:lvl8pPr marL="3429000" indent="-228600" algn="l" rtl="0" fontAlgn="base">
+              <a:spcBef>
+                <a:spcPct val="20000"/>
+              </a:spcBef>
+              <a:spcAft>
+                <a:spcPct val="0"/>
+              </a:spcAft>
+              <a:buChar char="»"/>
+              <a:defRPr kumimoji="1" sz="2000">
+                <a:solidFill>
+                  <a:srgbClr val="4D4D4D"/>
+                </a:solidFill>
+                <a:latin typeface="+mn-lt"/>
+                <a:ea typeface="+mn-ea"/>
+              </a:defRPr>
+            </a:lvl8pPr>
+            <a:lvl9pPr marL="3886200" indent="-228600" algn="l" rtl="0" fontAlgn="base">
+              <a:spcBef>
+                <a:spcPct val="20000"/>
+              </a:spcBef>
+              <a:spcAft>
+                <a:spcPct val="0"/>
+              </a:spcAft>
+              <a:buChar char="»"/>
+              <a:defRPr kumimoji="1" sz="2000">
+                <a:solidFill>
+                  <a:srgbClr val="4D4D4D"/>
+                </a:solidFill>
+                <a:latin typeface="+mn-lt"/>
+                <a:ea typeface="+mn-ea"/>
+              </a:defRPr>
+            </a:lvl9pPr>
+          </a:lstStyle>
+          <a:p>
+            <a:pPr eaLnBrk="1" hangingPunct="1">
+              <a:lnSpc>
+                <a:spcPct val="80000"/>
+              </a:lnSpc>
+            </a:pPr>
+            <a:endParaRPr lang="en-US" altLang="ja-JP" sz="900" kern="0" dirty="0">
+              <a:solidFill>
+                <a:srgbClr val="5F5F5F"/>
+              </a:solidFill>
+            </a:endParaRPr>
+          </a:p>
+        </p:txBody>
+      </p:sp>
+    </p:spTree>
+    <p:extLst>
+      <p:ext uri="{BB962C8B-B14F-4D97-AF65-F5344CB8AC3E}">
+        <p14:creationId xmlns:p14="http://schemas.microsoft.com/office/powerpoint/2010/main" val="584761364"/>
       </p:ext>
     </p:extLst>
   </p:cSld>

--- a/ppt/インストールの確認_online.pptx
+++ b/ppt/インストールの確認_online.pptx
@@ -5,17 +5,18 @@
     <p:sldMasterId id="2147483648" r:id="rId1"/>
   </p:sldMasterIdLst>
   <p:notesMasterIdLst>
-    <p:notesMasterId r:id="rId7"/>
+    <p:notesMasterId r:id="rId8"/>
   </p:notesMasterIdLst>
   <p:handoutMasterIdLst>
-    <p:handoutMasterId r:id="rId8"/>
+    <p:handoutMasterId r:id="rId9"/>
   </p:handoutMasterIdLst>
   <p:sldIdLst>
     <p:sldId id="625" r:id="rId2"/>
     <p:sldId id="749" r:id="rId3"/>
     <p:sldId id="750" r:id="rId4"/>
-    <p:sldId id="780" r:id="rId5"/>
-    <p:sldId id="778" r:id="rId6"/>
+    <p:sldId id="741" r:id="rId5"/>
+    <p:sldId id="780" r:id="rId6"/>
+    <p:sldId id="778" r:id="rId7"/>
   </p:sldIdLst>
   <p:sldSz cx="9144000" cy="6858000" type="screen4x3"/>
   <p:notesSz cx="6797675" cy="9926638"/>
@@ -2219,6 +2220,484 @@
       </p:grpSpPr>
       <p:sp>
         <p:nvSpPr>
+          <p:cNvPr id="7170" name="Rectangle 7">
+            <a:extLst>
+              <a:ext uri="{FF2B5EF4-FFF2-40B4-BE49-F238E27FC236}">
+                <a16:creationId xmlns:a16="http://schemas.microsoft.com/office/drawing/2014/main" id="{2276F6A2-E50B-49C5-A46E-175CDFED8167}"/>
+              </a:ext>
+            </a:extLst>
+          </p:cNvPr>
+          <p:cNvSpPr>
+            <a:spLocks noGrp="1" noChangeArrowheads="1"/>
+          </p:cNvSpPr>
+          <p:nvPr>
+            <p:ph type="sldNum" sz="quarter" idx="5"/>
+          </p:nvPr>
+        </p:nvSpPr>
+        <p:spPr>
+          <a:noFill/>
+          <a:ln/>
+          <a:extLst>
+            <a:ext uri="{909E8E84-426E-40DD-AFC4-6F175D3DCCD1}">
+              <a14:hiddenFill xmlns:a14="http://schemas.microsoft.com/office/drawing/2010/main">
+                <a:solidFill>
+                  <a:srgbClr val="FFFFFF"/>
+                </a:solidFill>
+              </a14:hiddenFill>
+            </a:ext>
+            <a:ext uri="{91240B29-F687-4F45-9708-019B960494DF}">
+              <a14:hiddenLine xmlns:a14="http://schemas.microsoft.com/office/drawing/2010/main" w="9525">
+                <a:solidFill>
+                  <a:srgbClr val="000000"/>
+                </a:solidFill>
+                <a:miter lim="800000"/>
+                <a:headEnd/>
+                <a:tailEnd/>
+              </a14:hiddenLine>
+            </a:ext>
+          </a:extLst>
+        </p:spPr>
+        <p:txBody>
+          <a:bodyPr/>
+          <a:lstStyle>
+            <a:lvl1pPr defTabSz="955675">
+              <a:spcBef>
+                <a:spcPct val="30000"/>
+              </a:spcBef>
+              <a:defRPr kumimoji="1" sz="1200">
+                <a:solidFill>
+                  <a:schemeClr val="tx1"/>
+                </a:solidFill>
+                <a:latin typeface="Arial" panose="020B0604020202020204" pitchFamily="34" charset="0"/>
+                <a:ea typeface="ＭＳ Ｐ明朝" panose="02020600040205080304" pitchFamily="18" charset="-128"/>
+              </a:defRPr>
+            </a:lvl1pPr>
+            <a:lvl2pPr marL="715963" indent="-274638" defTabSz="955675">
+              <a:spcBef>
+                <a:spcPct val="30000"/>
+              </a:spcBef>
+              <a:defRPr kumimoji="1" sz="1200">
+                <a:solidFill>
+                  <a:schemeClr val="tx1"/>
+                </a:solidFill>
+                <a:latin typeface="Arial" panose="020B0604020202020204" pitchFamily="34" charset="0"/>
+                <a:ea typeface="ＭＳ Ｐ明朝" panose="02020600040205080304" pitchFamily="18" charset="-128"/>
+              </a:defRPr>
+            </a:lvl2pPr>
+            <a:lvl3pPr marL="1101725" indent="-219075" defTabSz="955675">
+              <a:spcBef>
+                <a:spcPct val="30000"/>
+              </a:spcBef>
+              <a:defRPr kumimoji="1" sz="1200">
+                <a:solidFill>
+                  <a:schemeClr val="tx1"/>
+                </a:solidFill>
+                <a:latin typeface="Arial" panose="020B0604020202020204" pitchFamily="34" charset="0"/>
+                <a:ea typeface="ＭＳ Ｐ明朝" panose="02020600040205080304" pitchFamily="18" charset="-128"/>
+              </a:defRPr>
+            </a:lvl3pPr>
+            <a:lvl4pPr marL="1543050" indent="-219075" defTabSz="955675">
+              <a:spcBef>
+                <a:spcPct val="30000"/>
+              </a:spcBef>
+              <a:defRPr kumimoji="1" sz="1200">
+                <a:solidFill>
+                  <a:schemeClr val="tx1"/>
+                </a:solidFill>
+                <a:latin typeface="Arial" panose="020B0604020202020204" pitchFamily="34" charset="0"/>
+                <a:ea typeface="ＭＳ Ｐ明朝" panose="02020600040205080304" pitchFamily="18" charset="-128"/>
+              </a:defRPr>
+            </a:lvl4pPr>
+            <a:lvl5pPr marL="1984375" indent="-219075" defTabSz="955675">
+              <a:spcBef>
+                <a:spcPct val="30000"/>
+              </a:spcBef>
+              <a:defRPr kumimoji="1" sz="1200">
+                <a:solidFill>
+                  <a:schemeClr val="tx1"/>
+                </a:solidFill>
+                <a:latin typeface="Arial" panose="020B0604020202020204" pitchFamily="34" charset="0"/>
+                <a:ea typeface="ＭＳ Ｐ明朝" panose="02020600040205080304" pitchFamily="18" charset="-128"/>
+              </a:defRPr>
+            </a:lvl5pPr>
+            <a:lvl6pPr marL="2441575" indent="-219075" defTabSz="955675" eaLnBrk="0" fontAlgn="base" hangingPunct="0">
+              <a:spcBef>
+                <a:spcPct val="30000"/>
+              </a:spcBef>
+              <a:spcAft>
+                <a:spcPct val="0"/>
+              </a:spcAft>
+              <a:defRPr kumimoji="1" sz="1200">
+                <a:solidFill>
+                  <a:schemeClr val="tx1"/>
+                </a:solidFill>
+                <a:latin typeface="Arial" panose="020B0604020202020204" pitchFamily="34" charset="0"/>
+                <a:ea typeface="ＭＳ Ｐ明朝" panose="02020600040205080304" pitchFamily="18" charset="-128"/>
+              </a:defRPr>
+            </a:lvl6pPr>
+            <a:lvl7pPr marL="2898775" indent="-219075" defTabSz="955675" eaLnBrk="0" fontAlgn="base" hangingPunct="0">
+              <a:spcBef>
+                <a:spcPct val="30000"/>
+              </a:spcBef>
+              <a:spcAft>
+                <a:spcPct val="0"/>
+              </a:spcAft>
+              <a:defRPr kumimoji="1" sz="1200">
+                <a:solidFill>
+                  <a:schemeClr val="tx1"/>
+                </a:solidFill>
+                <a:latin typeface="Arial" panose="020B0604020202020204" pitchFamily="34" charset="0"/>
+                <a:ea typeface="ＭＳ Ｐ明朝" panose="02020600040205080304" pitchFamily="18" charset="-128"/>
+              </a:defRPr>
+            </a:lvl7pPr>
+            <a:lvl8pPr marL="3355975" indent="-219075" defTabSz="955675" eaLnBrk="0" fontAlgn="base" hangingPunct="0">
+              <a:spcBef>
+                <a:spcPct val="30000"/>
+              </a:spcBef>
+              <a:spcAft>
+                <a:spcPct val="0"/>
+              </a:spcAft>
+              <a:defRPr kumimoji="1" sz="1200">
+                <a:solidFill>
+                  <a:schemeClr val="tx1"/>
+                </a:solidFill>
+                <a:latin typeface="Arial" panose="020B0604020202020204" pitchFamily="34" charset="0"/>
+                <a:ea typeface="ＭＳ Ｐ明朝" panose="02020600040205080304" pitchFamily="18" charset="-128"/>
+              </a:defRPr>
+            </a:lvl8pPr>
+            <a:lvl9pPr marL="3813175" indent="-219075" defTabSz="955675" eaLnBrk="0" fontAlgn="base" hangingPunct="0">
+              <a:spcBef>
+                <a:spcPct val="30000"/>
+              </a:spcBef>
+              <a:spcAft>
+                <a:spcPct val="0"/>
+              </a:spcAft>
+              <a:defRPr kumimoji="1" sz="1200">
+                <a:solidFill>
+                  <a:schemeClr val="tx1"/>
+                </a:solidFill>
+                <a:latin typeface="Arial" panose="020B0604020202020204" pitchFamily="34" charset="0"/>
+                <a:ea typeface="ＭＳ Ｐ明朝" panose="02020600040205080304" pitchFamily="18" charset="-128"/>
+              </a:defRPr>
+            </a:lvl9pPr>
+          </a:lstStyle>
+          <a:p>
+            <a:pPr>
+              <a:spcBef>
+                <a:spcPct val="0"/>
+              </a:spcBef>
+            </a:pPr>
+            <a:fld id="{73F7024E-4888-42CB-9748-58F628222E12}" type="slidenum">
+              <a:rPr lang="en-US" altLang="ja-JP" sz="1300" smtClean="0">
+                <a:ea typeface="ＭＳ Ｐゴシック" panose="020B0600070205080204" pitchFamily="50" charset="-128"/>
+              </a:rPr>
+              <a:pPr>
+                <a:spcBef>
+                  <a:spcPct val="0"/>
+                </a:spcBef>
+              </a:pPr>
+              <a:t>4</a:t>
+            </a:fld>
+            <a:endParaRPr lang="en-US" altLang="ja-JP" sz="1300">
+              <a:ea typeface="ＭＳ Ｐゴシック" panose="020B0600070205080204" pitchFamily="50" charset="-128"/>
+            </a:endParaRPr>
+          </a:p>
+        </p:txBody>
+      </p:sp>
+      <p:sp>
+        <p:nvSpPr>
+          <p:cNvPr id="7171" name="Rectangle 7">
+            <a:extLst>
+              <a:ext uri="{FF2B5EF4-FFF2-40B4-BE49-F238E27FC236}">
+                <a16:creationId xmlns:a16="http://schemas.microsoft.com/office/drawing/2014/main" id="{9C4EB968-0EB1-4A9B-8D77-5146E89A18F4}"/>
+              </a:ext>
+            </a:extLst>
+          </p:cNvPr>
+          <p:cNvSpPr txBox="1">
+            <a:spLocks noGrp="1" noChangeArrowheads="1"/>
+          </p:cNvSpPr>
+          <p:nvPr/>
+        </p:nvSpPr>
+        <p:spPr bwMode="auto">
+          <a:xfrm>
+            <a:off x="3849688" y="9429750"/>
+            <a:ext cx="2946400" cy="495300"/>
+          </a:xfrm>
+          <a:prstGeom prst="rect">
+            <a:avLst/>
+          </a:prstGeom>
+          <a:noFill/>
+          <a:ln>
+            <a:noFill/>
+          </a:ln>
+          <a:extLst>
+            <a:ext uri="{909E8E84-426E-40DD-AFC4-6F175D3DCCD1}">
+              <a14:hiddenFill xmlns:a14="http://schemas.microsoft.com/office/drawing/2010/main">
+                <a:solidFill>
+                  <a:srgbClr val="FFFFFF"/>
+                </a:solidFill>
+              </a14:hiddenFill>
+            </a:ext>
+            <a:ext uri="{91240B29-F687-4F45-9708-019B960494DF}">
+              <a14:hiddenLine xmlns:a14="http://schemas.microsoft.com/office/drawing/2010/main" w="9525">
+                <a:solidFill>
+                  <a:srgbClr val="000000"/>
+                </a:solidFill>
+                <a:miter lim="800000"/>
+                <a:headEnd/>
+                <a:tailEnd/>
+              </a14:hiddenLine>
+            </a:ext>
+          </a:extLst>
+        </p:spPr>
+        <p:txBody>
+          <a:bodyPr lIns="95530" tIns="47765" rIns="95530" bIns="47765" anchor="b"/>
+          <a:lstStyle>
+            <a:lvl1pPr defTabSz="990600">
+              <a:spcBef>
+                <a:spcPct val="30000"/>
+              </a:spcBef>
+              <a:defRPr kumimoji="1" sz="1200">
+                <a:solidFill>
+                  <a:schemeClr val="tx1"/>
+                </a:solidFill>
+                <a:latin typeface="Arial" panose="020B0604020202020204" pitchFamily="34" charset="0"/>
+                <a:ea typeface="ＭＳ Ｐ明朝" panose="02020600040205080304" pitchFamily="18" charset="-128"/>
+              </a:defRPr>
+            </a:lvl1pPr>
+            <a:lvl2pPr marL="742950" indent="-285750" defTabSz="990600">
+              <a:spcBef>
+                <a:spcPct val="30000"/>
+              </a:spcBef>
+              <a:defRPr kumimoji="1" sz="1200">
+                <a:solidFill>
+                  <a:schemeClr val="tx1"/>
+                </a:solidFill>
+                <a:latin typeface="Arial" panose="020B0604020202020204" pitchFamily="34" charset="0"/>
+                <a:ea typeface="ＭＳ Ｐ明朝" panose="02020600040205080304" pitchFamily="18" charset="-128"/>
+              </a:defRPr>
+            </a:lvl2pPr>
+            <a:lvl3pPr marL="1143000" indent="-228600" defTabSz="990600">
+              <a:spcBef>
+                <a:spcPct val="30000"/>
+              </a:spcBef>
+              <a:defRPr kumimoji="1" sz="1200">
+                <a:solidFill>
+                  <a:schemeClr val="tx1"/>
+                </a:solidFill>
+                <a:latin typeface="Arial" panose="020B0604020202020204" pitchFamily="34" charset="0"/>
+                <a:ea typeface="ＭＳ Ｐ明朝" panose="02020600040205080304" pitchFamily="18" charset="-128"/>
+              </a:defRPr>
+            </a:lvl3pPr>
+            <a:lvl4pPr marL="1600200" indent="-228600" defTabSz="990600">
+              <a:spcBef>
+                <a:spcPct val="30000"/>
+              </a:spcBef>
+              <a:defRPr kumimoji="1" sz="1200">
+                <a:solidFill>
+                  <a:schemeClr val="tx1"/>
+                </a:solidFill>
+                <a:latin typeface="Arial" panose="020B0604020202020204" pitchFamily="34" charset="0"/>
+                <a:ea typeface="ＭＳ Ｐ明朝" panose="02020600040205080304" pitchFamily="18" charset="-128"/>
+              </a:defRPr>
+            </a:lvl4pPr>
+            <a:lvl5pPr marL="2057400" indent="-228600" defTabSz="990600">
+              <a:spcBef>
+                <a:spcPct val="30000"/>
+              </a:spcBef>
+              <a:defRPr kumimoji="1" sz="1200">
+                <a:solidFill>
+                  <a:schemeClr val="tx1"/>
+                </a:solidFill>
+                <a:latin typeface="Arial" panose="020B0604020202020204" pitchFamily="34" charset="0"/>
+                <a:ea typeface="ＭＳ Ｐ明朝" panose="02020600040205080304" pitchFamily="18" charset="-128"/>
+              </a:defRPr>
+            </a:lvl5pPr>
+            <a:lvl6pPr marL="2514600" indent="-228600" defTabSz="990600" eaLnBrk="0" fontAlgn="base" hangingPunct="0">
+              <a:spcBef>
+                <a:spcPct val="30000"/>
+              </a:spcBef>
+              <a:spcAft>
+                <a:spcPct val="0"/>
+              </a:spcAft>
+              <a:defRPr kumimoji="1" sz="1200">
+                <a:solidFill>
+                  <a:schemeClr val="tx1"/>
+                </a:solidFill>
+                <a:latin typeface="Arial" panose="020B0604020202020204" pitchFamily="34" charset="0"/>
+                <a:ea typeface="ＭＳ Ｐ明朝" panose="02020600040205080304" pitchFamily="18" charset="-128"/>
+              </a:defRPr>
+            </a:lvl6pPr>
+            <a:lvl7pPr marL="2971800" indent="-228600" defTabSz="990600" eaLnBrk="0" fontAlgn="base" hangingPunct="0">
+              <a:spcBef>
+                <a:spcPct val="30000"/>
+              </a:spcBef>
+              <a:spcAft>
+                <a:spcPct val="0"/>
+              </a:spcAft>
+              <a:defRPr kumimoji="1" sz="1200">
+                <a:solidFill>
+                  <a:schemeClr val="tx1"/>
+                </a:solidFill>
+                <a:latin typeface="Arial" panose="020B0604020202020204" pitchFamily="34" charset="0"/>
+                <a:ea typeface="ＭＳ Ｐ明朝" panose="02020600040205080304" pitchFamily="18" charset="-128"/>
+              </a:defRPr>
+            </a:lvl7pPr>
+            <a:lvl8pPr marL="3429000" indent="-228600" defTabSz="990600" eaLnBrk="0" fontAlgn="base" hangingPunct="0">
+              <a:spcBef>
+                <a:spcPct val="30000"/>
+              </a:spcBef>
+              <a:spcAft>
+                <a:spcPct val="0"/>
+              </a:spcAft>
+              <a:defRPr kumimoji="1" sz="1200">
+                <a:solidFill>
+                  <a:schemeClr val="tx1"/>
+                </a:solidFill>
+                <a:latin typeface="Arial" panose="020B0604020202020204" pitchFamily="34" charset="0"/>
+                <a:ea typeface="ＭＳ Ｐ明朝" panose="02020600040205080304" pitchFamily="18" charset="-128"/>
+              </a:defRPr>
+            </a:lvl8pPr>
+            <a:lvl9pPr marL="3886200" indent="-228600" defTabSz="990600" eaLnBrk="0" fontAlgn="base" hangingPunct="0">
+              <a:spcBef>
+                <a:spcPct val="30000"/>
+              </a:spcBef>
+              <a:spcAft>
+                <a:spcPct val="0"/>
+              </a:spcAft>
+              <a:defRPr kumimoji="1" sz="1200">
+                <a:solidFill>
+                  <a:schemeClr val="tx1"/>
+                </a:solidFill>
+                <a:latin typeface="Arial" panose="020B0604020202020204" pitchFamily="34" charset="0"/>
+                <a:ea typeface="ＭＳ Ｐ明朝" panose="02020600040205080304" pitchFamily="18" charset="-128"/>
+              </a:defRPr>
+            </a:lvl9pPr>
+          </a:lstStyle>
+          <a:p>
+            <a:pPr algn="r" eaLnBrk="1" hangingPunct="1">
+              <a:spcBef>
+                <a:spcPct val="0"/>
+              </a:spcBef>
+            </a:pPr>
+            <a:fld id="{8AB717BC-7693-4D8F-8B4A-FC613D71764D}" type="slidenum">
+              <a:rPr lang="en-US" altLang="ja-JP" sz="1300">
+                <a:ea typeface="ＭＳ Ｐゴシック" panose="020B0600070205080204" pitchFamily="50" charset="-128"/>
+              </a:rPr>
+              <a:pPr algn="r" eaLnBrk="1" hangingPunct="1">
+                <a:spcBef>
+                  <a:spcPct val="0"/>
+                </a:spcBef>
+              </a:pPr>
+              <a:t>4</a:t>
+            </a:fld>
+            <a:endParaRPr lang="en-US" altLang="ja-JP" sz="1300">
+              <a:ea typeface="ＭＳ Ｐゴシック" panose="020B0600070205080204" pitchFamily="50" charset="-128"/>
+            </a:endParaRPr>
+          </a:p>
+        </p:txBody>
+      </p:sp>
+      <p:sp>
+        <p:nvSpPr>
+          <p:cNvPr id="7172" name="Rectangle 2">
+            <a:extLst>
+              <a:ext uri="{FF2B5EF4-FFF2-40B4-BE49-F238E27FC236}">
+                <a16:creationId xmlns:a16="http://schemas.microsoft.com/office/drawing/2014/main" id="{3C37217F-320E-4EBB-9DF7-A9921FD522B0}"/>
+              </a:ext>
+            </a:extLst>
+          </p:cNvPr>
+          <p:cNvSpPr>
+            <a:spLocks noGrp="1" noRot="1" noChangeAspect="1" noChangeArrowheads="1" noTextEdit="1"/>
+          </p:cNvSpPr>
+          <p:nvPr>
+            <p:ph type="sldImg"/>
+          </p:nvPr>
+        </p:nvSpPr>
+        <p:spPr>
+          <a:xfrm>
+            <a:off x="915988" y="744538"/>
+            <a:ext cx="4965700" cy="3724275"/>
+          </a:xfrm>
+          <a:ln/>
+        </p:spPr>
+      </p:sp>
+      <p:sp>
+        <p:nvSpPr>
+          <p:cNvPr id="7173" name="Rectangle 3">
+            <a:extLst>
+              <a:ext uri="{FF2B5EF4-FFF2-40B4-BE49-F238E27FC236}">
+                <a16:creationId xmlns:a16="http://schemas.microsoft.com/office/drawing/2014/main" id="{88C64BAE-6838-4415-A505-7B3583DB6F5A}"/>
+              </a:ext>
+            </a:extLst>
+          </p:cNvPr>
+          <p:cNvSpPr>
+            <a:spLocks noGrp="1" noChangeArrowheads="1"/>
+          </p:cNvSpPr>
+          <p:nvPr>
+            <p:ph type="body" idx="1"/>
+          </p:nvPr>
+        </p:nvSpPr>
+        <p:spPr>
+          <a:noFill/>
+          <a:ln/>
+          <a:extLst>
+            <a:ext uri="{909E8E84-426E-40DD-AFC4-6F175D3DCCD1}">
+              <a14:hiddenFill xmlns:a14="http://schemas.microsoft.com/office/drawing/2010/main">
+                <a:solidFill>
+                  <a:srgbClr val="FFFFFF"/>
+                </a:solidFill>
+              </a14:hiddenFill>
+            </a:ext>
+            <a:ext uri="{91240B29-F687-4F45-9708-019B960494DF}">
+              <a14:hiddenLine xmlns:a14="http://schemas.microsoft.com/office/drawing/2010/main" w="9525">
+                <a:solidFill>
+                  <a:srgbClr val="000000"/>
+                </a:solidFill>
+                <a:miter lim="800000"/>
+                <a:headEnd/>
+                <a:tailEnd/>
+              </a14:hiddenLine>
+            </a:ext>
+          </a:extLst>
+        </p:spPr>
+        <p:txBody>
+          <a:bodyPr/>
+          <a:lstStyle/>
+          <a:p>
+            <a:pPr eaLnBrk="1" hangingPunct="1"/>
+            <a:endParaRPr lang="en-US" altLang="ja-JP">
+              <a:latin typeface="Arial" panose="020B0604020202020204" pitchFamily="34" charset="0"/>
+            </a:endParaRPr>
+          </a:p>
+        </p:txBody>
+      </p:sp>
+    </p:spTree>
+  </p:cSld>
+  <p:clrMapOvr>
+    <a:masterClrMapping/>
+  </p:clrMapOvr>
+</p:notes>
+</file>
+
+<file path=ppt/notesSlides/notesSlide5.xml><?xml version="1.0" encoding="utf-8"?>
+<p:notes xmlns:a="http://schemas.openxmlformats.org/drawingml/2006/main" xmlns:r="http://schemas.openxmlformats.org/officeDocument/2006/relationships" xmlns:p="http://schemas.openxmlformats.org/presentationml/2006/main">
+  <p:cSld>
+    <p:spTree>
+      <p:nvGrpSpPr>
+        <p:cNvPr id="1" name=""/>
+        <p:cNvGrpSpPr/>
+        <p:nvPr/>
+      </p:nvGrpSpPr>
+      <p:grpSpPr>
+        <a:xfrm>
+          <a:off x="0" y="0"/>
+          <a:ext cx="0" cy="0"/>
+          <a:chOff x="0" y="0"/>
+          <a:chExt cx="0" cy="0"/>
+        </a:xfrm>
+      </p:grpSpPr>
+      <p:sp>
+        <p:nvSpPr>
           <p:cNvPr id="13314" name="Rectangle 7">
             <a:extLst>
               <a:ext uri="{FF2B5EF4-FFF2-40B4-BE49-F238E27FC236}">
@@ -2395,7 +2874,7 @@
                   <a:spcPct val="0"/>
                 </a:spcBef>
               </a:pPr>
-              <a:t>4</a:t>
+              <a:t>5</a:t>
             </a:fld>
             <a:endParaRPr lang="en-US" altLang="ja-JP" sz="1300">
               <a:ea typeface="ＭＳ Ｐゴシック" panose="020B0600070205080204" pitchFamily="50" charset="-128"/>
@@ -2588,7 +3067,7 @@
                   <a:spcPct val="0"/>
                 </a:spcBef>
               </a:pPr>
-              <a:t>4</a:t>
+              <a:t>5</a:t>
             </a:fld>
             <a:endParaRPr lang="en-US" altLang="ja-JP" sz="1300">
               <a:ea typeface="ＭＳ Ｐゴシック" panose="020B0600070205080204" pitchFamily="50" charset="-128"/>
@@ -2683,7 +3162,7 @@
 </p:notes>
 </file>
 
-<file path=ppt/notesSlides/notesSlide5.xml><?xml version="1.0" encoding="utf-8"?>
+<file path=ppt/notesSlides/notesSlide6.xml><?xml version="1.0" encoding="utf-8"?>
 <p:notes xmlns:a="http://schemas.openxmlformats.org/drawingml/2006/main" xmlns:r="http://schemas.openxmlformats.org/officeDocument/2006/relationships" xmlns:p="http://schemas.openxmlformats.org/presentationml/2006/main">
   <p:cSld>
     <p:spTree>
@@ -2878,7 +3357,7 @@
                   <a:spcPct val="0"/>
                 </a:spcBef>
               </a:pPr>
-              <a:t>5</a:t>
+              <a:t>6</a:t>
             </a:fld>
             <a:endParaRPr lang="en-US" altLang="ja-JP" sz="1300">
               <a:ea typeface="ＭＳ Ｐゴシック" panose="020B0600070205080204" pitchFamily="50" charset="-128"/>
@@ -3071,7 +3550,7 @@
                   <a:spcPct val="0"/>
                 </a:spcBef>
               </a:pPr>
-              <a:t>5</a:t>
+              <a:t>6</a:t>
             </a:fld>
             <a:endParaRPr lang="en-US" altLang="ja-JP" sz="1300">
               <a:ea typeface="ＭＳ Ｐゴシック" panose="020B0600070205080204" pitchFamily="50" charset="-128"/>
@@ -6403,7 +6882,7 @@
           <a:graphicData uri="http://schemas.openxmlformats.org/presentationml/2006/ole">
             <mc:AlternateContent xmlns:mc="http://schemas.openxmlformats.org/markup-compatibility/2006">
               <mc:Choice xmlns:v="urn:schemas-microsoft-com:vml" Requires="v">
-                <p:oleObj spid="_x0000_s1391" name="Corel DESIGNER" r:id="rId18" imgW="2743200" imgH="1536480" progId="Corel DESIGNER.Graphic.10">
+                <p:oleObj spid="_x0000_s1398" name="Corel DESIGNER" r:id="rId18" imgW="2743200" imgH="1536480" progId="Corel DESIGNER.Graphic.10">
                   <p:embed/>
                 </p:oleObj>
               </mc:Choice>
@@ -8955,6 +9434,1254 @@
       </p:grpSpPr>
       <p:sp>
         <p:nvSpPr>
+          <p:cNvPr id="6146" name="スライド番号プレースホルダ 1">
+            <a:extLst>
+              <a:ext uri="{FF2B5EF4-FFF2-40B4-BE49-F238E27FC236}">
+                <a16:creationId xmlns:a16="http://schemas.microsoft.com/office/drawing/2014/main" id="{2AB9BE1F-6B4A-473E-B566-5D169DC0218F}"/>
+              </a:ext>
+            </a:extLst>
+          </p:cNvPr>
+          <p:cNvSpPr>
+            <a:spLocks noGrp="1"/>
+          </p:cNvSpPr>
+          <p:nvPr>
+            <p:ph type="sldNum" sz="quarter" idx="10"/>
+          </p:nvPr>
+        </p:nvSpPr>
+        <p:spPr>
+          <a:noFill/>
+          <a:ln/>
+          <a:extLst>
+            <a:ext uri="{909E8E84-426E-40DD-AFC4-6F175D3DCCD1}">
+              <a14:hiddenFill xmlns:a14="http://schemas.microsoft.com/office/drawing/2010/main">
+                <a:solidFill>
+                  <a:srgbClr val="FFFFFF"/>
+                </a:solidFill>
+              </a14:hiddenFill>
+            </a:ext>
+            <a:ext uri="{91240B29-F687-4F45-9708-019B960494DF}">
+              <a14:hiddenLine xmlns:a14="http://schemas.microsoft.com/office/drawing/2010/main" w="9525">
+                <a:solidFill>
+                  <a:srgbClr val="000000"/>
+                </a:solidFill>
+                <a:miter lim="800000"/>
+                <a:headEnd/>
+                <a:tailEnd/>
+              </a14:hiddenLine>
+            </a:ext>
+          </a:extLst>
+        </p:spPr>
+        <p:txBody>
+          <a:bodyPr/>
+          <a:lstStyle>
+            <a:lvl1pPr>
+              <a:spcBef>
+                <a:spcPct val="20000"/>
+              </a:spcBef>
+              <a:buChar char="•"/>
+              <a:defRPr kumimoji="1" sz="3200">
+                <a:solidFill>
+                  <a:srgbClr val="4D4D4D"/>
+                </a:solidFill>
+                <a:latin typeface="Arial" panose="020B0604020202020204" pitchFamily="34" charset="0"/>
+                <a:ea typeface="ＭＳ Ｐゴシック" panose="020B0600070205080204" pitchFamily="50" charset="-128"/>
+              </a:defRPr>
+            </a:lvl1pPr>
+            <a:lvl2pPr marL="742950" indent="-285750">
+              <a:spcBef>
+                <a:spcPct val="20000"/>
+              </a:spcBef>
+              <a:buChar char="–"/>
+              <a:defRPr kumimoji="1" sz="2800">
+                <a:solidFill>
+                  <a:srgbClr val="4D4D4D"/>
+                </a:solidFill>
+                <a:latin typeface="Arial" panose="020B0604020202020204" pitchFamily="34" charset="0"/>
+                <a:ea typeface="ＭＳ Ｐゴシック" panose="020B0600070205080204" pitchFamily="50" charset="-128"/>
+              </a:defRPr>
+            </a:lvl2pPr>
+            <a:lvl3pPr marL="1143000" indent="-228600">
+              <a:spcBef>
+                <a:spcPct val="20000"/>
+              </a:spcBef>
+              <a:buChar char="•"/>
+              <a:defRPr kumimoji="1" sz="2400">
+                <a:solidFill>
+                  <a:srgbClr val="4D4D4D"/>
+                </a:solidFill>
+                <a:latin typeface="Arial" panose="020B0604020202020204" pitchFamily="34" charset="0"/>
+                <a:ea typeface="ＭＳ Ｐゴシック" panose="020B0600070205080204" pitchFamily="50" charset="-128"/>
+              </a:defRPr>
+            </a:lvl3pPr>
+            <a:lvl4pPr marL="1600200" indent="-228600">
+              <a:spcBef>
+                <a:spcPct val="20000"/>
+              </a:spcBef>
+              <a:buChar char="–"/>
+              <a:defRPr kumimoji="1" sz="2000">
+                <a:solidFill>
+                  <a:srgbClr val="4D4D4D"/>
+                </a:solidFill>
+                <a:latin typeface="Arial" panose="020B0604020202020204" pitchFamily="34" charset="0"/>
+                <a:ea typeface="ＭＳ Ｐゴシック" panose="020B0600070205080204" pitchFamily="50" charset="-128"/>
+              </a:defRPr>
+            </a:lvl4pPr>
+            <a:lvl5pPr marL="2057400" indent="-228600">
+              <a:spcBef>
+                <a:spcPct val="20000"/>
+              </a:spcBef>
+              <a:buChar char="»"/>
+              <a:defRPr kumimoji="1" sz="2000">
+                <a:solidFill>
+                  <a:srgbClr val="4D4D4D"/>
+                </a:solidFill>
+                <a:latin typeface="Arial" panose="020B0604020202020204" pitchFamily="34" charset="0"/>
+                <a:ea typeface="ＭＳ Ｐゴシック" panose="020B0600070205080204" pitchFamily="50" charset="-128"/>
+              </a:defRPr>
+            </a:lvl5pPr>
+            <a:lvl6pPr marL="2514600" indent="-228600" eaLnBrk="0" fontAlgn="base" hangingPunct="0">
+              <a:spcBef>
+                <a:spcPct val="20000"/>
+              </a:spcBef>
+              <a:spcAft>
+                <a:spcPct val="0"/>
+              </a:spcAft>
+              <a:buChar char="»"/>
+              <a:defRPr kumimoji="1" sz="2000">
+                <a:solidFill>
+                  <a:srgbClr val="4D4D4D"/>
+                </a:solidFill>
+                <a:latin typeface="Arial" panose="020B0604020202020204" pitchFamily="34" charset="0"/>
+                <a:ea typeface="ＭＳ Ｐゴシック" panose="020B0600070205080204" pitchFamily="50" charset="-128"/>
+              </a:defRPr>
+            </a:lvl6pPr>
+            <a:lvl7pPr marL="2971800" indent="-228600" eaLnBrk="0" fontAlgn="base" hangingPunct="0">
+              <a:spcBef>
+                <a:spcPct val="20000"/>
+              </a:spcBef>
+              <a:spcAft>
+                <a:spcPct val="0"/>
+              </a:spcAft>
+              <a:buChar char="»"/>
+              <a:defRPr kumimoji="1" sz="2000">
+                <a:solidFill>
+                  <a:srgbClr val="4D4D4D"/>
+                </a:solidFill>
+                <a:latin typeface="Arial" panose="020B0604020202020204" pitchFamily="34" charset="0"/>
+                <a:ea typeface="ＭＳ Ｐゴシック" panose="020B0600070205080204" pitchFamily="50" charset="-128"/>
+              </a:defRPr>
+            </a:lvl7pPr>
+            <a:lvl8pPr marL="3429000" indent="-228600" eaLnBrk="0" fontAlgn="base" hangingPunct="0">
+              <a:spcBef>
+                <a:spcPct val="20000"/>
+              </a:spcBef>
+              <a:spcAft>
+                <a:spcPct val="0"/>
+              </a:spcAft>
+              <a:buChar char="»"/>
+              <a:defRPr kumimoji="1" sz="2000">
+                <a:solidFill>
+                  <a:srgbClr val="4D4D4D"/>
+                </a:solidFill>
+                <a:latin typeface="Arial" panose="020B0604020202020204" pitchFamily="34" charset="0"/>
+                <a:ea typeface="ＭＳ Ｐゴシック" panose="020B0600070205080204" pitchFamily="50" charset="-128"/>
+              </a:defRPr>
+            </a:lvl8pPr>
+            <a:lvl9pPr marL="3886200" indent="-228600" eaLnBrk="0" fontAlgn="base" hangingPunct="0">
+              <a:spcBef>
+                <a:spcPct val="20000"/>
+              </a:spcBef>
+              <a:spcAft>
+                <a:spcPct val="0"/>
+              </a:spcAft>
+              <a:buChar char="»"/>
+              <a:defRPr kumimoji="1" sz="2000">
+                <a:solidFill>
+                  <a:srgbClr val="4D4D4D"/>
+                </a:solidFill>
+                <a:latin typeface="Arial" panose="020B0604020202020204" pitchFamily="34" charset="0"/>
+                <a:ea typeface="ＭＳ Ｐゴシック" panose="020B0600070205080204" pitchFamily="50" charset="-128"/>
+              </a:defRPr>
+            </a:lvl9pPr>
+          </a:lstStyle>
+          <a:p>
+            <a:pPr>
+              <a:spcBef>
+                <a:spcPct val="0"/>
+              </a:spcBef>
+              <a:buFontTx/>
+              <a:buNone/>
+            </a:pPr>
+            <a:fld id="{57C1F300-389C-41C2-8B9F-6D9BF8150049}" type="slidenum">
+              <a:rPr lang="en-US" altLang="ja-JP" sz="1400" smtClean="0"/>
+              <a:pPr>
+                <a:spcBef>
+                  <a:spcPct val="0"/>
+                </a:spcBef>
+                <a:buFontTx/>
+                <a:buNone/>
+              </a:pPr>
+              <a:t>4</a:t>
+            </a:fld>
+            <a:endParaRPr lang="en-US" altLang="ja-JP" sz="1400"/>
+          </a:p>
+        </p:txBody>
+      </p:sp>
+      <p:sp>
+        <p:nvSpPr>
+          <p:cNvPr id="6147" name="スライド番号プレースホルダ 3">
+            <a:extLst>
+              <a:ext uri="{FF2B5EF4-FFF2-40B4-BE49-F238E27FC236}">
+                <a16:creationId xmlns:a16="http://schemas.microsoft.com/office/drawing/2014/main" id="{C72AB012-0506-4F18-839E-2B9657A9FCA0}"/>
+              </a:ext>
+            </a:extLst>
+          </p:cNvPr>
+          <p:cNvSpPr txBox="1">
+            <a:spLocks noGrp="1"/>
+          </p:cNvSpPr>
+          <p:nvPr/>
+        </p:nvSpPr>
+        <p:spPr bwMode="auto">
+          <a:xfrm>
+            <a:off x="7010400" y="6575425"/>
+            <a:ext cx="2133600" cy="503238"/>
+          </a:xfrm>
+          <a:prstGeom prst="rect">
+            <a:avLst/>
+          </a:prstGeom>
+          <a:noFill/>
+          <a:ln>
+            <a:noFill/>
+          </a:ln>
+          <a:extLst>
+            <a:ext uri="{909E8E84-426E-40DD-AFC4-6F175D3DCCD1}">
+              <a14:hiddenFill xmlns:a14="http://schemas.microsoft.com/office/drawing/2010/main">
+                <a:solidFill>
+                  <a:srgbClr val="FFFFFF"/>
+                </a:solidFill>
+              </a14:hiddenFill>
+            </a:ext>
+            <a:ext uri="{91240B29-F687-4F45-9708-019B960494DF}">
+              <a14:hiddenLine xmlns:a14="http://schemas.microsoft.com/office/drawing/2010/main" w="9525">
+                <a:solidFill>
+                  <a:srgbClr val="000000"/>
+                </a:solidFill>
+                <a:miter lim="800000"/>
+                <a:headEnd/>
+                <a:tailEnd/>
+              </a14:hiddenLine>
+            </a:ext>
+          </a:extLst>
+        </p:spPr>
+        <p:txBody>
+          <a:bodyPr/>
+          <a:lstStyle>
+            <a:lvl1pPr>
+              <a:spcBef>
+                <a:spcPct val="20000"/>
+              </a:spcBef>
+              <a:buChar char="•"/>
+              <a:defRPr kumimoji="1" sz="3200">
+                <a:solidFill>
+                  <a:srgbClr val="4D4D4D"/>
+                </a:solidFill>
+                <a:latin typeface="Arial" panose="020B0604020202020204" pitchFamily="34" charset="0"/>
+                <a:ea typeface="ＭＳ Ｐゴシック" panose="020B0600070205080204" pitchFamily="50" charset="-128"/>
+              </a:defRPr>
+            </a:lvl1pPr>
+            <a:lvl2pPr marL="742950" indent="-285750">
+              <a:spcBef>
+                <a:spcPct val="20000"/>
+              </a:spcBef>
+              <a:buChar char="–"/>
+              <a:defRPr kumimoji="1" sz="2800">
+                <a:solidFill>
+                  <a:srgbClr val="4D4D4D"/>
+                </a:solidFill>
+                <a:latin typeface="Arial" panose="020B0604020202020204" pitchFamily="34" charset="0"/>
+                <a:ea typeface="ＭＳ Ｐゴシック" panose="020B0600070205080204" pitchFamily="50" charset="-128"/>
+              </a:defRPr>
+            </a:lvl2pPr>
+            <a:lvl3pPr marL="1143000" indent="-228600">
+              <a:spcBef>
+                <a:spcPct val="20000"/>
+              </a:spcBef>
+              <a:buChar char="•"/>
+              <a:defRPr kumimoji="1" sz="2400">
+                <a:solidFill>
+                  <a:srgbClr val="4D4D4D"/>
+                </a:solidFill>
+                <a:latin typeface="Arial" panose="020B0604020202020204" pitchFamily="34" charset="0"/>
+                <a:ea typeface="ＭＳ Ｐゴシック" panose="020B0600070205080204" pitchFamily="50" charset="-128"/>
+              </a:defRPr>
+            </a:lvl3pPr>
+            <a:lvl4pPr marL="1600200" indent="-228600">
+              <a:spcBef>
+                <a:spcPct val="20000"/>
+              </a:spcBef>
+              <a:buChar char="–"/>
+              <a:defRPr kumimoji="1" sz="2000">
+                <a:solidFill>
+                  <a:srgbClr val="4D4D4D"/>
+                </a:solidFill>
+                <a:latin typeface="Arial" panose="020B0604020202020204" pitchFamily="34" charset="0"/>
+                <a:ea typeface="ＭＳ Ｐゴシック" panose="020B0600070205080204" pitchFamily="50" charset="-128"/>
+              </a:defRPr>
+            </a:lvl4pPr>
+            <a:lvl5pPr marL="2057400" indent="-228600">
+              <a:spcBef>
+                <a:spcPct val="20000"/>
+              </a:spcBef>
+              <a:buChar char="»"/>
+              <a:defRPr kumimoji="1" sz="2000">
+                <a:solidFill>
+                  <a:srgbClr val="4D4D4D"/>
+                </a:solidFill>
+                <a:latin typeface="Arial" panose="020B0604020202020204" pitchFamily="34" charset="0"/>
+                <a:ea typeface="ＭＳ Ｐゴシック" panose="020B0600070205080204" pitchFamily="50" charset="-128"/>
+              </a:defRPr>
+            </a:lvl5pPr>
+            <a:lvl6pPr marL="2514600" indent="-228600" eaLnBrk="0" fontAlgn="base" hangingPunct="0">
+              <a:spcBef>
+                <a:spcPct val="20000"/>
+              </a:spcBef>
+              <a:spcAft>
+                <a:spcPct val="0"/>
+              </a:spcAft>
+              <a:buChar char="»"/>
+              <a:defRPr kumimoji="1" sz="2000">
+                <a:solidFill>
+                  <a:srgbClr val="4D4D4D"/>
+                </a:solidFill>
+                <a:latin typeface="Arial" panose="020B0604020202020204" pitchFamily="34" charset="0"/>
+                <a:ea typeface="ＭＳ Ｐゴシック" panose="020B0600070205080204" pitchFamily="50" charset="-128"/>
+              </a:defRPr>
+            </a:lvl6pPr>
+            <a:lvl7pPr marL="2971800" indent="-228600" eaLnBrk="0" fontAlgn="base" hangingPunct="0">
+              <a:spcBef>
+                <a:spcPct val="20000"/>
+              </a:spcBef>
+              <a:spcAft>
+                <a:spcPct val="0"/>
+              </a:spcAft>
+              <a:buChar char="»"/>
+              <a:defRPr kumimoji="1" sz="2000">
+                <a:solidFill>
+                  <a:srgbClr val="4D4D4D"/>
+                </a:solidFill>
+                <a:latin typeface="Arial" panose="020B0604020202020204" pitchFamily="34" charset="0"/>
+                <a:ea typeface="ＭＳ Ｐゴシック" panose="020B0600070205080204" pitchFamily="50" charset="-128"/>
+              </a:defRPr>
+            </a:lvl7pPr>
+            <a:lvl8pPr marL="3429000" indent="-228600" eaLnBrk="0" fontAlgn="base" hangingPunct="0">
+              <a:spcBef>
+                <a:spcPct val="20000"/>
+              </a:spcBef>
+              <a:spcAft>
+                <a:spcPct val="0"/>
+              </a:spcAft>
+              <a:buChar char="»"/>
+              <a:defRPr kumimoji="1" sz="2000">
+                <a:solidFill>
+                  <a:srgbClr val="4D4D4D"/>
+                </a:solidFill>
+                <a:latin typeface="Arial" panose="020B0604020202020204" pitchFamily="34" charset="0"/>
+                <a:ea typeface="ＭＳ Ｐゴシック" panose="020B0600070205080204" pitchFamily="50" charset="-128"/>
+              </a:defRPr>
+            </a:lvl8pPr>
+            <a:lvl9pPr marL="3886200" indent="-228600" eaLnBrk="0" fontAlgn="base" hangingPunct="0">
+              <a:spcBef>
+                <a:spcPct val="20000"/>
+              </a:spcBef>
+              <a:spcAft>
+                <a:spcPct val="0"/>
+              </a:spcAft>
+              <a:buChar char="»"/>
+              <a:defRPr kumimoji="1" sz="2000">
+                <a:solidFill>
+                  <a:srgbClr val="4D4D4D"/>
+                </a:solidFill>
+                <a:latin typeface="Arial" panose="020B0604020202020204" pitchFamily="34" charset="0"/>
+                <a:ea typeface="ＭＳ Ｐゴシック" panose="020B0600070205080204" pitchFamily="50" charset="-128"/>
+              </a:defRPr>
+            </a:lvl9pPr>
+          </a:lstStyle>
+          <a:p>
+            <a:pPr algn="r" eaLnBrk="1" hangingPunct="1">
+              <a:spcBef>
+                <a:spcPct val="0"/>
+              </a:spcBef>
+              <a:buFontTx/>
+              <a:buNone/>
+            </a:pPr>
+            <a:fld id="{C864AF5D-89B8-4CAE-A8BC-30158EF1270E}" type="slidenum">
+              <a:rPr lang="en-US" altLang="ja-JP" sz="1400"/>
+              <a:pPr algn="r" eaLnBrk="1" hangingPunct="1">
+                <a:spcBef>
+                  <a:spcPct val="0"/>
+                </a:spcBef>
+                <a:buFontTx/>
+                <a:buNone/>
+              </a:pPr>
+              <a:t>4</a:t>
+            </a:fld>
+            <a:endParaRPr lang="en-US" altLang="ja-JP" sz="1400"/>
+          </a:p>
+        </p:txBody>
+      </p:sp>
+      <p:sp>
+        <p:nvSpPr>
+          <p:cNvPr id="6148" name="Rectangle 2">
+            <a:extLst>
+              <a:ext uri="{FF2B5EF4-FFF2-40B4-BE49-F238E27FC236}">
+                <a16:creationId xmlns:a16="http://schemas.microsoft.com/office/drawing/2014/main" id="{EB33353A-85FD-441B-AB0D-C2926DCF4AEA}"/>
+              </a:ext>
+            </a:extLst>
+          </p:cNvPr>
+          <p:cNvSpPr>
+            <a:spLocks noGrp="1" noChangeArrowheads="1"/>
+          </p:cNvSpPr>
+          <p:nvPr>
+            <p:ph type="body" idx="4294967295"/>
+          </p:nvPr>
+        </p:nvSpPr>
+        <p:spPr>
+          <a:xfrm>
+            <a:off x="457200" y="1223963"/>
+            <a:ext cx="7915275" cy="584858"/>
+          </a:xfrm>
+        </p:spPr>
+        <p:txBody>
+          <a:bodyPr/>
+          <a:lstStyle/>
+          <a:p>
+            <a:pPr eaLnBrk="1" hangingPunct="1">
+              <a:lnSpc>
+                <a:spcPct val="80000"/>
+              </a:lnSpc>
+            </a:pPr>
+            <a:r>
+              <a:rPr lang="en-US" altLang="zh-TW" sz="2800" dirty="0">
+                <a:solidFill>
+                  <a:srgbClr val="FF0000"/>
+                </a:solidFill>
+              </a:rPr>
+              <a:t>RTM_Tutorial.zip</a:t>
+            </a:r>
+            <a:r>
+              <a:rPr lang="ja-JP" altLang="en-US" sz="2800" dirty="0">
+                <a:solidFill>
+                  <a:srgbClr val="5F5F5F"/>
+                </a:solidFill>
+              </a:rPr>
+              <a:t>をダウンロードして展開する</a:t>
+            </a:r>
+            <a:endParaRPr lang="en-US" altLang="zh-TW" sz="2800" dirty="0">
+              <a:solidFill>
+                <a:srgbClr val="5F5F5F"/>
+              </a:solidFill>
+            </a:endParaRPr>
+          </a:p>
+          <a:p>
+            <a:pPr lvl="1" eaLnBrk="1" hangingPunct="1">
+              <a:lnSpc>
+                <a:spcPct val="80000"/>
+              </a:lnSpc>
+            </a:pPr>
+            <a:r>
+              <a:rPr lang="en-US" altLang="zh-TW" sz="2000" dirty="0">
+                <a:solidFill>
+                  <a:srgbClr val="5F5F5F"/>
+                </a:solidFill>
+              </a:rPr>
+              <a:t>https://github.com/OpenRTM/RTM_Tutorial/releases/download/online_0.1/RTM_Tutorial.zip</a:t>
+            </a:r>
+          </a:p>
+        </p:txBody>
+      </p:sp>
+      <p:sp>
+        <p:nvSpPr>
+          <p:cNvPr id="6149" name="Rectangle 11">
+            <a:extLst>
+              <a:ext uri="{FF2B5EF4-FFF2-40B4-BE49-F238E27FC236}">
+                <a16:creationId xmlns:a16="http://schemas.microsoft.com/office/drawing/2014/main" id="{47298C0D-7908-4E9B-950D-F21B2674B4CF}"/>
+              </a:ext>
+            </a:extLst>
+          </p:cNvPr>
+          <p:cNvSpPr>
+            <a:spLocks noGrp="1" noChangeArrowheads="1"/>
+          </p:cNvSpPr>
+          <p:nvPr>
+            <p:ph type="title" idx="4294967295"/>
+          </p:nvPr>
+        </p:nvSpPr>
+        <p:spPr>
+          <a:xfrm>
+            <a:off x="179388" y="403225"/>
+            <a:ext cx="8805862" cy="865188"/>
+          </a:xfrm>
+        </p:spPr>
+        <p:txBody>
+          <a:bodyPr/>
+          <a:lstStyle/>
+          <a:p>
+            <a:pPr eaLnBrk="1" hangingPunct="1"/>
+            <a:r>
+              <a:rPr lang="ja-JP" altLang="en-US" dirty="0">
+                <a:solidFill>
+                  <a:srgbClr val="5F5F5F"/>
+                </a:solidFill>
+              </a:rPr>
+              <a:t>資料のダウンロード</a:t>
+            </a:r>
+            <a:endParaRPr lang="en-US" altLang="ja-JP" dirty="0">
+              <a:solidFill>
+                <a:srgbClr val="5F5F5F"/>
+              </a:solidFill>
+            </a:endParaRPr>
+          </a:p>
+        </p:txBody>
+      </p:sp>
+      <p:sp>
+        <p:nvSpPr>
+          <p:cNvPr id="6" name="Rectangle 2">
+            <a:extLst>
+              <a:ext uri="{FF2B5EF4-FFF2-40B4-BE49-F238E27FC236}">
+                <a16:creationId xmlns:a16="http://schemas.microsoft.com/office/drawing/2014/main" id="{8BA1CF1C-8B1A-47D4-8181-23D57EF755DA}"/>
+              </a:ext>
+            </a:extLst>
+          </p:cNvPr>
+          <p:cNvSpPr txBox="1">
+            <a:spLocks noChangeArrowheads="1"/>
+          </p:cNvSpPr>
+          <p:nvPr/>
+        </p:nvSpPr>
+        <p:spPr bwMode="auto">
+          <a:xfrm>
+            <a:off x="431540" y="2438891"/>
+            <a:ext cx="7915275" cy="3735414"/>
+          </a:xfrm>
+          <a:prstGeom prst="rect">
+            <a:avLst/>
+          </a:prstGeom>
+          <a:noFill/>
+          <a:ln>
+            <a:noFill/>
+          </a:ln>
+          <a:extLst>
+            <a:ext uri="{909E8E84-426E-40DD-AFC4-6F175D3DCCD1}">
+              <a14:hiddenFill xmlns:a14="http://schemas.microsoft.com/office/drawing/2010/main">
+                <a:solidFill>
+                  <a:srgbClr val="FFFFFF"/>
+                </a:solidFill>
+              </a14:hiddenFill>
+            </a:ext>
+            <a:ext uri="{91240B29-F687-4F45-9708-019B960494DF}">
+              <a14:hiddenLine xmlns:a14="http://schemas.microsoft.com/office/drawing/2010/main" w="9525">
+                <a:solidFill>
+                  <a:srgbClr val="000000"/>
+                </a:solidFill>
+                <a:miter lim="800000"/>
+                <a:headEnd/>
+                <a:tailEnd/>
+              </a14:hiddenLine>
+            </a:ext>
+          </a:extLst>
+        </p:spPr>
+        <p:txBody>
+          <a:bodyPr vert="horz" wrap="square" lIns="91440" tIns="45720" rIns="91440" bIns="45720" numCol="1" anchor="t" anchorCtr="0" compatLnSpc="1">
+            <a:prstTxWarp prst="textNoShape">
+              <a:avLst/>
+            </a:prstTxWarp>
+          </a:bodyPr>
+          <a:lstStyle>
+            <a:lvl1pPr marL="342900" indent="-342900" algn="l" rtl="0" eaLnBrk="0" fontAlgn="base" hangingPunct="0">
+              <a:spcBef>
+                <a:spcPct val="20000"/>
+              </a:spcBef>
+              <a:spcAft>
+                <a:spcPct val="0"/>
+              </a:spcAft>
+              <a:buChar char="•"/>
+              <a:defRPr kumimoji="1" sz="3200">
+                <a:solidFill>
+                  <a:srgbClr val="4D4D4D"/>
+                </a:solidFill>
+                <a:latin typeface="+mn-lt"/>
+                <a:ea typeface="+mn-ea"/>
+                <a:cs typeface="+mn-cs"/>
+              </a:defRPr>
+            </a:lvl1pPr>
+            <a:lvl2pPr marL="742950" indent="-285750" algn="l" rtl="0" eaLnBrk="0" fontAlgn="base" hangingPunct="0">
+              <a:spcBef>
+                <a:spcPct val="20000"/>
+              </a:spcBef>
+              <a:spcAft>
+                <a:spcPct val="0"/>
+              </a:spcAft>
+              <a:buChar char="–"/>
+              <a:defRPr kumimoji="1" sz="2800">
+                <a:solidFill>
+                  <a:srgbClr val="4D4D4D"/>
+                </a:solidFill>
+                <a:latin typeface="+mn-lt"/>
+                <a:ea typeface="+mn-ea"/>
+              </a:defRPr>
+            </a:lvl2pPr>
+            <a:lvl3pPr marL="1143000" indent="-228600" algn="l" rtl="0" eaLnBrk="0" fontAlgn="base" hangingPunct="0">
+              <a:spcBef>
+                <a:spcPct val="20000"/>
+              </a:spcBef>
+              <a:spcAft>
+                <a:spcPct val="0"/>
+              </a:spcAft>
+              <a:buChar char="•"/>
+              <a:defRPr kumimoji="1" sz="2400">
+                <a:solidFill>
+                  <a:srgbClr val="4D4D4D"/>
+                </a:solidFill>
+                <a:latin typeface="+mn-lt"/>
+                <a:ea typeface="+mn-ea"/>
+              </a:defRPr>
+            </a:lvl3pPr>
+            <a:lvl4pPr marL="1600200" indent="-228600" algn="l" rtl="0" eaLnBrk="0" fontAlgn="base" hangingPunct="0">
+              <a:spcBef>
+                <a:spcPct val="20000"/>
+              </a:spcBef>
+              <a:spcAft>
+                <a:spcPct val="0"/>
+              </a:spcAft>
+              <a:buChar char="–"/>
+              <a:defRPr kumimoji="1" sz="2000">
+                <a:solidFill>
+                  <a:srgbClr val="4D4D4D"/>
+                </a:solidFill>
+                <a:latin typeface="+mn-lt"/>
+                <a:ea typeface="+mn-ea"/>
+              </a:defRPr>
+            </a:lvl4pPr>
+            <a:lvl5pPr marL="2057400" indent="-228600" algn="l" rtl="0" eaLnBrk="0" fontAlgn="base" hangingPunct="0">
+              <a:spcBef>
+                <a:spcPct val="20000"/>
+              </a:spcBef>
+              <a:spcAft>
+                <a:spcPct val="0"/>
+              </a:spcAft>
+              <a:buChar char="»"/>
+              <a:defRPr kumimoji="1" sz="2000">
+                <a:solidFill>
+                  <a:srgbClr val="4D4D4D"/>
+                </a:solidFill>
+                <a:latin typeface="+mn-lt"/>
+                <a:ea typeface="+mn-ea"/>
+              </a:defRPr>
+            </a:lvl5pPr>
+            <a:lvl6pPr marL="2514600" indent="-228600" algn="l" rtl="0" fontAlgn="base">
+              <a:spcBef>
+                <a:spcPct val="20000"/>
+              </a:spcBef>
+              <a:spcAft>
+                <a:spcPct val="0"/>
+              </a:spcAft>
+              <a:buChar char="»"/>
+              <a:defRPr kumimoji="1" sz="2000">
+                <a:solidFill>
+                  <a:srgbClr val="4D4D4D"/>
+                </a:solidFill>
+                <a:latin typeface="+mn-lt"/>
+                <a:ea typeface="+mn-ea"/>
+              </a:defRPr>
+            </a:lvl6pPr>
+            <a:lvl7pPr marL="2971800" indent="-228600" algn="l" rtl="0" fontAlgn="base">
+              <a:spcBef>
+                <a:spcPct val="20000"/>
+              </a:spcBef>
+              <a:spcAft>
+                <a:spcPct val="0"/>
+              </a:spcAft>
+              <a:buChar char="»"/>
+              <a:defRPr kumimoji="1" sz="2000">
+                <a:solidFill>
+                  <a:srgbClr val="4D4D4D"/>
+                </a:solidFill>
+                <a:latin typeface="+mn-lt"/>
+                <a:ea typeface="+mn-ea"/>
+              </a:defRPr>
+            </a:lvl7pPr>
+            <a:lvl8pPr marL="3429000" indent="-228600" algn="l" rtl="0" fontAlgn="base">
+              <a:spcBef>
+                <a:spcPct val="20000"/>
+              </a:spcBef>
+              <a:spcAft>
+                <a:spcPct val="0"/>
+              </a:spcAft>
+              <a:buChar char="»"/>
+              <a:defRPr kumimoji="1" sz="2000">
+                <a:solidFill>
+                  <a:srgbClr val="4D4D4D"/>
+                </a:solidFill>
+                <a:latin typeface="+mn-lt"/>
+                <a:ea typeface="+mn-ea"/>
+              </a:defRPr>
+            </a:lvl8pPr>
+            <a:lvl9pPr marL="3886200" indent="-228600" algn="l" rtl="0" fontAlgn="base">
+              <a:spcBef>
+                <a:spcPct val="20000"/>
+              </a:spcBef>
+              <a:spcAft>
+                <a:spcPct val="0"/>
+              </a:spcAft>
+              <a:buChar char="»"/>
+              <a:defRPr kumimoji="1" sz="2000">
+                <a:solidFill>
+                  <a:srgbClr val="4D4D4D"/>
+                </a:solidFill>
+                <a:latin typeface="+mn-lt"/>
+                <a:ea typeface="+mn-ea"/>
+              </a:defRPr>
+            </a:lvl9pPr>
+          </a:lstStyle>
+          <a:p>
+            <a:pPr eaLnBrk="1" hangingPunct="1">
+              <a:lnSpc>
+                <a:spcPct val="80000"/>
+              </a:lnSpc>
+            </a:pPr>
+            <a:r>
+              <a:rPr lang="ja-JP" altLang="en-US" sz="2000" kern="0" dirty="0">
+                <a:solidFill>
+                  <a:srgbClr val="5F5F5F"/>
+                </a:solidFill>
+              </a:rPr>
+              <a:t>展開した</a:t>
+            </a:r>
+            <a:r>
+              <a:rPr lang="en-US" altLang="zh-TW" sz="2000" dirty="0">
+                <a:solidFill>
+                  <a:srgbClr val="5F5F5F"/>
+                </a:solidFill>
+              </a:rPr>
+              <a:t>RTM_Tutorial.zip</a:t>
+            </a:r>
+            <a:r>
+              <a:rPr lang="ja-JP" altLang="en-US" sz="2000" dirty="0">
+                <a:solidFill>
+                  <a:srgbClr val="5F5F5F"/>
+                </a:solidFill>
+              </a:rPr>
+              <a:t>の中身</a:t>
+            </a:r>
+            <a:endParaRPr lang="en-US" altLang="ja-JP" sz="2000" kern="0" dirty="0">
+              <a:solidFill>
+                <a:srgbClr val="5F5F5F"/>
+              </a:solidFill>
+            </a:endParaRPr>
+          </a:p>
+          <a:p>
+            <a:pPr lvl="1" eaLnBrk="1" hangingPunct="1">
+              <a:lnSpc>
+                <a:spcPct val="80000"/>
+              </a:lnSpc>
+            </a:pPr>
+            <a:r>
+              <a:rPr lang="en-US" altLang="ja-JP" sz="2000" kern="0" dirty="0">
+                <a:solidFill>
+                  <a:srgbClr val="5F5F5F"/>
+                </a:solidFill>
+              </a:rPr>
+              <a:t>ppt</a:t>
+            </a:r>
+          </a:p>
+          <a:p>
+            <a:pPr lvl="2" eaLnBrk="1" hangingPunct="1">
+              <a:lnSpc>
+                <a:spcPct val="80000"/>
+              </a:lnSpc>
+            </a:pPr>
+            <a:r>
+              <a:rPr lang="ja-JP" altLang="en-US" sz="1600" kern="0" dirty="0">
+                <a:solidFill>
+                  <a:srgbClr val="5F5F5F"/>
+                </a:solidFill>
+              </a:rPr>
+              <a:t>第</a:t>
+            </a:r>
+            <a:r>
+              <a:rPr lang="en-US" altLang="ja-JP" sz="1600" kern="0" dirty="0">
+                <a:solidFill>
+                  <a:srgbClr val="5F5F5F"/>
+                </a:solidFill>
+              </a:rPr>
+              <a:t>2</a:t>
+            </a:r>
+            <a:r>
+              <a:rPr lang="ja-JP" altLang="en-US" sz="1600" kern="0" dirty="0">
+                <a:solidFill>
+                  <a:srgbClr val="5F5F5F"/>
+                </a:solidFill>
+              </a:rPr>
+              <a:t>部スライド</a:t>
+            </a:r>
+            <a:endParaRPr lang="en-US" altLang="ja-JP" sz="1600" kern="0" dirty="0">
+              <a:solidFill>
+                <a:srgbClr val="5F5F5F"/>
+              </a:solidFill>
+            </a:endParaRPr>
+          </a:p>
+          <a:p>
+            <a:pPr lvl="2" eaLnBrk="1" hangingPunct="1">
+              <a:lnSpc>
+                <a:spcPct val="80000"/>
+              </a:lnSpc>
+            </a:pPr>
+            <a:r>
+              <a:rPr lang="en-US" altLang="zh-TW" sz="1600" kern="0" dirty="0">
+                <a:solidFill>
+                  <a:srgbClr val="5F5F5F"/>
+                </a:solidFill>
+              </a:rPr>
+              <a:t>RTM</a:t>
+            </a:r>
+            <a:r>
+              <a:rPr lang="ja-JP" altLang="en-US" sz="1600" kern="0" dirty="0">
+                <a:solidFill>
+                  <a:srgbClr val="5F5F5F"/>
+                </a:solidFill>
+              </a:rPr>
+              <a:t>講習会</a:t>
+            </a:r>
+            <a:r>
+              <a:rPr lang="en-US" altLang="ja-JP" sz="1600" kern="0" dirty="0">
+                <a:solidFill>
+                  <a:srgbClr val="5F5F5F"/>
+                </a:solidFill>
+              </a:rPr>
+              <a:t>_2</a:t>
+            </a:r>
+            <a:r>
+              <a:rPr lang="ja-JP" altLang="en-US" sz="1600" kern="0" dirty="0">
+                <a:solidFill>
+                  <a:srgbClr val="5F5F5F"/>
+                </a:solidFill>
+              </a:rPr>
+              <a:t>部</a:t>
+            </a:r>
+            <a:r>
+              <a:rPr lang="en-US" altLang="ja-JP" sz="1600" kern="0" dirty="0">
+                <a:solidFill>
+                  <a:srgbClr val="5F5F5F"/>
+                </a:solidFill>
+              </a:rPr>
+              <a:t>_</a:t>
+            </a:r>
+            <a:r>
+              <a:rPr lang="en-US" altLang="zh-TW" sz="1600" kern="0" dirty="0">
+                <a:solidFill>
+                  <a:srgbClr val="5F5F5F"/>
+                </a:solidFill>
+              </a:rPr>
+              <a:t>online.pdf</a:t>
+            </a:r>
+          </a:p>
+          <a:p>
+            <a:pPr lvl="1" eaLnBrk="1" hangingPunct="1">
+              <a:lnSpc>
+                <a:spcPct val="80000"/>
+              </a:lnSpc>
+            </a:pPr>
+            <a:r>
+              <a:rPr lang="en-US" altLang="zh-TW" sz="2000" kern="0" dirty="0">
+                <a:solidFill>
+                  <a:srgbClr val="5F5F5F"/>
+                </a:solidFill>
+              </a:rPr>
+              <a:t>WEB</a:t>
+            </a:r>
+            <a:r>
+              <a:rPr lang="ja-JP" altLang="en-US" sz="2000" kern="0" dirty="0">
+                <a:solidFill>
+                  <a:srgbClr val="5F5F5F"/>
+                </a:solidFill>
+              </a:rPr>
+              <a:t>ページ</a:t>
+            </a:r>
+            <a:r>
+              <a:rPr lang="en-US" altLang="ja-JP" sz="2000" kern="0" dirty="0">
+                <a:solidFill>
+                  <a:srgbClr val="5F5F5F"/>
+                </a:solidFill>
+              </a:rPr>
+              <a:t>(</a:t>
+            </a:r>
+            <a:r>
+              <a:rPr lang="ja-JP" altLang="en-US" sz="2000" kern="0" dirty="0">
+                <a:solidFill>
+                  <a:srgbClr val="5F5F5F"/>
+                </a:solidFill>
+              </a:rPr>
+              <a:t>手順を記載したページ</a:t>
+            </a:r>
+            <a:r>
+              <a:rPr lang="en-US" altLang="ja-JP" sz="2000" kern="0" dirty="0">
+                <a:solidFill>
+                  <a:srgbClr val="5F5F5F"/>
+                </a:solidFill>
+              </a:rPr>
+              <a:t>)</a:t>
+            </a:r>
+          </a:p>
+          <a:p>
+            <a:pPr lvl="2" eaLnBrk="1" hangingPunct="1">
+              <a:lnSpc>
+                <a:spcPct val="80000"/>
+              </a:lnSpc>
+            </a:pPr>
+            <a:r>
+              <a:rPr lang="ja-JP" altLang="en-US" sz="1600" kern="0" dirty="0">
+                <a:solidFill>
+                  <a:srgbClr val="5F5F5F"/>
+                </a:solidFill>
+              </a:rPr>
+              <a:t>第</a:t>
+            </a:r>
+            <a:r>
+              <a:rPr lang="en-US" altLang="ja-JP" sz="1600" kern="0" dirty="0">
+                <a:solidFill>
+                  <a:srgbClr val="5F5F5F"/>
+                </a:solidFill>
+              </a:rPr>
+              <a:t>2</a:t>
+            </a:r>
+            <a:r>
+              <a:rPr lang="ja-JP" altLang="en-US" sz="1600" kern="0" dirty="0">
+                <a:solidFill>
+                  <a:srgbClr val="5F5F5F"/>
+                </a:solidFill>
+              </a:rPr>
+              <a:t>部</a:t>
+            </a:r>
+            <a:r>
+              <a:rPr lang="en-US" altLang="ja-JP" sz="1600" kern="0" dirty="0">
+                <a:solidFill>
+                  <a:srgbClr val="5F5F5F"/>
+                </a:solidFill>
+              </a:rPr>
+              <a:t>(</a:t>
+            </a:r>
+            <a:r>
+              <a:rPr lang="en-US" altLang="zh-TW" sz="1600" kern="0" dirty="0">
+                <a:solidFill>
+                  <a:srgbClr val="5F5F5F"/>
+                </a:solidFill>
+              </a:rPr>
+              <a:t>Windows)</a:t>
+            </a:r>
+          </a:p>
+          <a:p>
+            <a:pPr lvl="2" eaLnBrk="1" hangingPunct="1">
+              <a:lnSpc>
+                <a:spcPct val="80000"/>
+              </a:lnSpc>
+            </a:pPr>
+            <a:r>
+              <a:rPr lang="ja-JP" altLang="en-US" sz="1600" kern="0" dirty="0">
+                <a:solidFill>
+                  <a:srgbClr val="5F5F5F"/>
+                </a:solidFill>
+              </a:rPr>
+              <a:t>第</a:t>
+            </a:r>
+            <a:r>
+              <a:rPr lang="en-US" altLang="ja-JP" sz="1600" kern="0" dirty="0">
+                <a:solidFill>
+                  <a:srgbClr val="5F5F5F"/>
+                </a:solidFill>
+              </a:rPr>
+              <a:t>2</a:t>
+            </a:r>
+            <a:r>
+              <a:rPr lang="ja-JP" altLang="en-US" sz="1600" kern="0" dirty="0">
+                <a:solidFill>
+                  <a:srgbClr val="5F5F5F"/>
+                </a:solidFill>
+              </a:rPr>
+              <a:t>部</a:t>
+            </a:r>
+            <a:r>
+              <a:rPr lang="en-US" altLang="ja-JP" sz="1600" kern="0" dirty="0">
+                <a:solidFill>
+                  <a:srgbClr val="5F5F5F"/>
+                </a:solidFill>
+              </a:rPr>
+              <a:t>(</a:t>
+            </a:r>
+            <a:r>
+              <a:rPr lang="en-US" altLang="zh-TW" sz="1600" kern="0" dirty="0">
+                <a:solidFill>
+                  <a:srgbClr val="5F5F5F"/>
+                </a:solidFill>
+              </a:rPr>
+              <a:t>Ubuntu)</a:t>
+            </a:r>
+          </a:p>
+          <a:p>
+            <a:pPr lvl="1" eaLnBrk="1" hangingPunct="1">
+              <a:lnSpc>
+                <a:spcPct val="80000"/>
+              </a:lnSpc>
+            </a:pPr>
+            <a:r>
+              <a:rPr lang="en-US" altLang="ja-JP" sz="2000" kern="0" dirty="0">
+                <a:solidFill>
+                  <a:srgbClr val="5F5F5F"/>
+                </a:solidFill>
+              </a:rPr>
+              <a:t>Installer(OpenRTM-aist-1.2.1</a:t>
+            </a:r>
+            <a:r>
+              <a:rPr lang="ja-JP" altLang="en-US" sz="2000" kern="0" dirty="0">
+                <a:solidFill>
+                  <a:srgbClr val="5F5F5F"/>
+                </a:solidFill>
+              </a:rPr>
+              <a:t>版 </a:t>
+            </a:r>
+            <a:r>
+              <a:rPr lang="en-US" altLang="ja-JP" sz="2000" kern="0" dirty="0">
+                <a:solidFill>
+                  <a:srgbClr val="5F5F5F"/>
+                </a:solidFill>
+              </a:rPr>
+              <a:t>Windows</a:t>
+            </a:r>
+            <a:r>
+              <a:rPr lang="ja-JP" altLang="en-US" sz="2000" kern="0" dirty="0">
+                <a:solidFill>
+                  <a:srgbClr val="5F5F5F"/>
+                </a:solidFill>
+              </a:rPr>
+              <a:t>用インストーラ</a:t>
+            </a:r>
+            <a:r>
+              <a:rPr lang="en-US" altLang="ja-JP" sz="2000" kern="0" dirty="0">
+                <a:solidFill>
+                  <a:srgbClr val="5F5F5F"/>
+                </a:solidFill>
+              </a:rPr>
+              <a:t>)</a:t>
+            </a:r>
+          </a:p>
+          <a:p>
+            <a:pPr lvl="2" eaLnBrk="1" hangingPunct="1">
+              <a:lnSpc>
+                <a:spcPct val="80000"/>
+              </a:lnSpc>
+            </a:pPr>
+            <a:r>
+              <a:rPr lang="en-US" altLang="ja-JP" sz="1600" kern="0" dirty="0">
+                <a:solidFill>
+                  <a:srgbClr val="5F5F5F"/>
+                </a:solidFill>
+              </a:rPr>
+              <a:t>OpenRTM-aist</a:t>
+            </a:r>
+            <a:r>
+              <a:rPr lang="ja-JP" altLang="en-US" sz="1600" kern="0" dirty="0">
+                <a:solidFill>
+                  <a:srgbClr val="5F5F5F"/>
+                </a:solidFill>
+              </a:rPr>
+              <a:t>のインストールに問題があった場合に使用してください</a:t>
+            </a:r>
+            <a:endParaRPr lang="en-US" altLang="ja-JP" sz="1600" kern="0" dirty="0">
+              <a:solidFill>
+                <a:srgbClr val="5F5F5F"/>
+              </a:solidFill>
+            </a:endParaRPr>
+          </a:p>
+          <a:p>
+            <a:pPr lvl="1" eaLnBrk="1" hangingPunct="1">
+              <a:lnSpc>
+                <a:spcPct val="80000"/>
+              </a:lnSpc>
+            </a:pPr>
+            <a:r>
+              <a:rPr lang="en-US" altLang="ja-JP" sz="2000" kern="0" dirty="0">
+                <a:solidFill>
+                  <a:srgbClr val="5F5F5F"/>
+                </a:solidFill>
+              </a:rPr>
+              <a:t>script</a:t>
+            </a:r>
+          </a:p>
+          <a:p>
+            <a:pPr lvl="2" eaLnBrk="1" hangingPunct="1">
+              <a:lnSpc>
+                <a:spcPct val="80000"/>
+              </a:lnSpc>
+            </a:pPr>
+            <a:r>
+              <a:rPr lang="ja-JP" altLang="en-US" sz="1600" kern="0" dirty="0">
+                <a:solidFill>
+                  <a:srgbClr val="5F5F5F"/>
+                </a:solidFill>
+              </a:rPr>
+              <a:t>この講習で使うシミュレータのインストールスクリプト</a:t>
+            </a:r>
+            <a:r>
+              <a:rPr lang="en-US" altLang="ja-JP" sz="1600" kern="0" dirty="0">
+                <a:solidFill>
+                  <a:srgbClr val="5F5F5F"/>
+                </a:solidFill>
+              </a:rPr>
+              <a:t>(Ubuntu</a:t>
+            </a:r>
+            <a:r>
+              <a:rPr lang="ja-JP" altLang="en-US" sz="1600" kern="0" dirty="0">
+                <a:solidFill>
+                  <a:srgbClr val="5F5F5F"/>
+                </a:solidFill>
+              </a:rPr>
+              <a:t>用</a:t>
+            </a:r>
+            <a:r>
+              <a:rPr lang="en-US" altLang="ja-JP" sz="1600" kern="0" dirty="0">
+                <a:solidFill>
+                  <a:srgbClr val="5F5F5F"/>
+                </a:solidFill>
+              </a:rPr>
+              <a:t>)</a:t>
+            </a:r>
+          </a:p>
+          <a:p>
+            <a:pPr lvl="1" eaLnBrk="1" hangingPunct="1">
+              <a:lnSpc>
+                <a:spcPct val="80000"/>
+              </a:lnSpc>
+            </a:pPr>
+            <a:r>
+              <a:rPr lang="en-US" altLang="ja-JP" sz="2000" kern="0" dirty="0">
+                <a:solidFill>
+                  <a:srgbClr val="5F5F5F"/>
+                </a:solidFill>
+              </a:rPr>
+              <a:t>EXE</a:t>
+            </a:r>
+          </a:p>
+          <a:p>
+            <a:pPr lvl="2" eaLnBrk="1" hangingPunct="1">
+              <a:lnSpc>
+                <a:spcPct val="80000"/>
+              </a:lnSpc>
+            </a:pPr>
+            <a:r>
+              <a:rPr lang="en-US" altLang="ja-JP" sz="1600" kern="0" dirty="0">
+                <a:solidFill>
+                  <a:srgbClr val="5F5F5F"/>
+                </a:solidFill>
+              </a:rPr>
+              <a:t>RaspberryPiMouseSimulatorComp.exe(</a:t>
+            </a:r>
+            <a:r>
+              <a:rPr lang="ja-JP" altLang="en-US" sz="1600" kern="0" dirty="0">
+                <a:solidFill>
+                  <a:srgbClr val="5F5F5F"/>
+                </a:solidFill>
+              </a:rPr>
+              <a:t>シミュレータ</a:t>
+            </a:r>
+            <a:r>
+              <a:rPr lang="en-US" altLang="ja-JP" sz="1600" kern="0" dirty="0">
+                <a:solidFill>
+                  <a:srgbClr val="5F5F5F"/>
+                </a:solidFill>
+              </a:rPr>
+              <a:t>)</a:t>
+            </a:r>
+          </a:p>
+          <a:p>
+            <a:pPr lvl="1" eaLnBrk="1" hangingPunct="1">
+              <a:lnSpc>
+                <a:spcPct val="80000"/>
+              </a:lnSpc>
+            </a:pPr>
+            <a:r>
+              <a:rPr lang="en-US" altLang="ja-JP" sz="2000" kern="0" dirty="0">
+                <a:solidFill>
+                  <a:srgbClr val="5F5F5F"/>
+                </a:solidFill>
+              </a:rPr>
+              <a:t>sample</a:t>
+            </a:r>
+          </a:p>
+          <a:p>
+            <a:pPr lvl="2" eaLnBrk="1" hangingPunct="1">
+              <a:lnSpc>
+                <a:spcPct val="80000"/>
+              </a:lnSpc>
+            </a:pPr>
+            <a:r>
+              <a:rPr lang="en-US" altLang="ja-JP" sz="1600" kern="0" dirty="0" err="1">
+                <a:solidFill>
+                  <a:srgbClr val="5F5F5F"/>
+                </a:solidFill>
+              </a:rPr>
+              <a:t>RobotController</a:t>
+            </a:r>
+            <a:r>
+              <a:rPr lang="en-US" altLang="ja-JP" sz="1600" kern="0" dirty="0">
+                <a:solidFill>
+                  <a:srgbClr val="5F5F5F"/>
+                </a:solidFill>
+              </a:rPr>
+              <a:t>(</a:t>
+            </a:r>
+            <a:r>
+              <a:rPr lang="ja-JP" altLang="en-US" sz="1600" kern="0" dirty="0">
+                <a:solidFill>
+                  <a:srgbClr val="5F5F5F"/>
+                </a:solidFill>
+              </a:rPr>
+              <a:t>本実習で作成するコンポーネントの見本</a:t>
+            </a:r>
+            <a:r>
+              <a:rPr lang="en-US" altLang="ja-JP" sz="1600" kern="0" dirty="0">
+                <a:solidFill>
+                  <a:srgbClr val="5F5F5F"/>
+                </a:solidFill>
+              </a:rPr>
+              <a:t>)</a:t>
+            </a:r>
+          </a:p>
+        </p:txBody>
+      </p:sp>
+    </p:spTree>
+  </p:cSld>
+  <p:clrMapOvr>
+    <a:masterClrMapping/>
+  </p:clrMapOvr>
+</p:sld>
+</file>
+
+<file path=ppt/slides/slide5.xml><?xml version="1.0" encoding="utf-8"?>
+<p:sld xmlns:a="http://schemas.openxmlformats.org/drawingml/2006/main" xmlns:r="http://schemas.openxmlformats.org/officeDocument/2006/relationships" xmlns:p="http://schemas.openxmlformats.org/presentationml/2006/main">
+  <p:cSld>
+    <p:spTree>
+      <p:nvGrpSpPr>
+        <p:cNvPr id="1" name=""/>
+        <p:cNvGrpSpPr/>
+        <p:nvPr/>
+      </p:nvGrpSpPr>
+      <p:grpSpPr>
+        <a:xfrm>
+          <a:off x="0" y="0"/>
+          <a:ext cx="0" cy="0"/>
+          <a:chOff x="0" y="0"/>
+          <a:chExt cx="0" cy="0"/>
+        </a:xfrm>
+      </p:grpSpPr>
+      <p:sp>
+        <p:nvSpPr>
           <p:cNvPr id="12290" name="スライド番号プレースホルダ 1">
             <a:extLst>
               <a:ext uri="{FF2B5EF4-FFF2-40B4-BE49-F238E27FC236}">
@@ -9142,7 +10869,7 @@
                 <a:buFontTx/>
                 <a:buNone/>
               </a:pPr>
-              <a:t>4</a:t>
+              <a:t>5</a:t>
             </a:fld>
             <a:endParaRPr lang="en-US" altLang="ja-JP" sz="1400"/>
           </a:p>
@@ -9344,7 +11071,7 @@
                 <a:buFontTx/>
                 <a:buNone/>
               </a:pPr>
-              <a:t>4</a:t>
+              <a:t>5</a:t>
             </a:fld>
             <a:endParaRPr lang="en-US" altLang="ja-JP" sz="1400"/>
           </a:p>
@@ -9422,6 +11149,14 @@
                 <a:spcPct val="80000"/>
               </a:lnSpc>
             </a:pPr>
+            <a:r>
+              <a:rPr lang="en-US" altLang="zh-TW" sz="2000" dirty="0">
+                <a:solidFill>
+                  <a:srgbClr val="5F5F5F"/>
+                </a:solidFill>
+              </a:rPr>
+              <a:t>https://github.com/OpenRTM/RTM_Tutorial/releases/download/online_0.1/RTM_Tutorial.zip</a:t>
+            </a:r>
             <a:endParaRPr lang="en-US" altLang="ja-JP" sz="2000" dirty="0">
               <a:solidFill>
                 <a:srgbClr val="5F5F5F"/>
@@ -9620,8 +11355,8 @@
         </p:nvSpPr>
         <p:spPr>
           <a:xfrm>
-            <a:off x="179388" y="323655"/>
-            <a:ext cx="8805862" cy="865188"/>
+            <a:off x="132255" y="323655"/>
+            <a:ext cx="8985250" cy="865188"/>
           </a:xfrm>
         </p:spPr>
         <p:txBody>
@@ -9630,14 +11365,14 @@
           <a:p>
             <a:pPr eaLnBrk="1" hangingPunct="1"/>
             <a:r>
-              <a:rPr lang="ja-JP" altLang="en-US" dirty="0">
-                <a:solidFill>
-                  <a:srgbClr val="5F5F5F"/>
-                </a:solidFill>
-              </a:rPr>
-              <a:t>インストールしていない場合</a:t>
-            </a:r>
-            <a:endParaRPr lang="en-US" altLang="ja-JP" dirty="0">
+              <a:rPr lang="ja-JP" altLang="en-US" sz="3200" dirty="0">
+                <a:solidFill>
+                  <a:srgbClr val="5F5F5F"/>
+                </a:solidFill>
+              </a:rPr>
+              <a:t>インストール、資料のダウンロードをしていない場合</a:t>
+            </a:r>
+            <a:endParaRPr lang="en-US" altLang="ja-JP" sz="3200" dirty="0">
               <a:solidFill>
                 <a:srgbClr val="5F5F5F"/>
               </a:solidFill>
@@ -9752,7 +11487,7 @@
 </p:sld>
 </file>
 
-<file path=ppt/slides/slide5.xml><?xml version="1.0" encoding="utf-8"?>
+<file path=ppt/slides/slide6.xml><?xml version="1.0" encoding="utf-8"?>
 <p:sld xmlns:a="http://schemas.openxmlformats.org/drawingml/2006/main" xmlns:r="http://schemas.openxmlformats.org/officeDocument/2006/relationships" xmlns:p="http://schemas.openxmlformats.org/presentationml/2006/main">
   <p:cSld>
     <p:spTree>
@@ -9958,7 +11693,7 @@
                 <a:buFontTx/>
                 <a:buNone/>
               </a:pPr>
-              <a:t>5</a:t>
+              <a:t>6</a:t>
             </a:fld>
             <a:endParaRPr lang="en-US" altLang="ja-JP" sz="1400"/>
           </a:p>
@@ -10160,7 +11895,7 @@
                 <a:buFontTx/>
                 <a:buNone/>
               </a:pPr>
-              <a:t>5</a:t>
+              <a:t>6</a:t>
             </a:fld>
             <a:endParaRPr lang="en-US" altLang="ja-JP" sz="1400"/>
           </a:p>

--- a/ppt/インストールの確認_online.pptx
+++ b/ppt/インストールの確認_online.pptx
@@ -424,6 +424,11 @@
         </p:txBody>
       </p:sp>
     </p:spTree>
+    <p:extLst>
+      <p:ext uri="{BB962C8B-B14F-4D97-AF65-F5344CB8AC3E}">
+        <p14:creationId xmlns:p14="http://schemas.microsoft.com/office/powerpoint/2010/main" val="1"/>
+      </p:ext>
+    </p:extLst>
   </p:cSld>
   <p:clrMap bg1="lt1" tx1="dk1" bg2="lt2" tx2="dk2" accent1="accent1" accent2="accent2" accent3="accent3" accent4="accent4" accent5="accent5" accent6="accent6" hlink="hlink" folHlink="folHlink"/>
 </p:handoutMaster>
@@ -6882,7 +6887,7 @@
           <a:graphicData uri="http://schemas.openxmlformats.org/presentationml/2006/ole">
             <mc:AlternateContent xmlns:mc="http://schemas.openxmlformats.org/markup-compatibility/2006">
               <mc:Choice xmlns:v="urn:schemas-microsoft-com:vml" Requires="v">
-                <p:oleObj spid="_x0000_s1398" name="Corel DESIGNER" r:id="rId18" imgW="2743200" imgH="1536480" progId="Corel DESIGNER.Graphic.10">
+                <p:oleObj spid="_x0000_s1401" name="Corel DESIGNER" r:id="rId18" imgW="2743200" imgH="1536480" progId="Corel DESIGNER.Graphic.10">
                   <p:embed/>
                 </p:oleObj>
               </mc:Choice>
@@ -8069,12 +8074,20 @@
               <a:defRPr/>
             </a:pPr>
             <a:r>
+              <a:rPr lang="en-US" altLang="ja-JP" sz="1600">
+                <a:solidFill>
+                  <a:srgbClr val="5F5F5F"/>
+                </a:solidFill>
+              </a:rPr>
+              <a:t>OpenRTM-aist-1.2.2-RELEASE</a:t>
+            </a:r>
+            <a:r>
               <a:rPr lang="en-US" altLang="ja-JP" sz="1600" dirty="0">
                 <a:solidFill>
                   <a:srgbClr val="5F5F5F"/>
                 </a:solidFill>
               </a:rPr>
-              <a:t>OpenRTM-aist-1.2.1-RELEASE_x86_64.msi</a:t>
+              <a:t>_x86_64.msi</a:t>
             </a:r>
           </a:p>
           <a:p>

--- a/ppt/インストールの確認_online.pptx
+++ b/ppt/インストールの確認_online.pptx
@@ -6887,7 +6887,7 @@
           <a:graphicData uri="http://schemas.openxmlformats.org/presentationml/2006/ole">
             <mc:AlternateContent xmlns:mc="http://schemas.openxmlformats.org/markup-compatibility/2006">
               <mc:Choice xmlns:v="urn:schemas-microsoft-com:vml" Requires="v">
-                <p:oleObj spid="_x0000_s1401" name="Corel DESIGNER" r:id="rId18" imgW="2743200" imgH="1536480" progId="Corel DESIGNER.Graphic.10">
+                <p:oleObj spid="_x0000_s1415" name="Corel DESIGNER" r:id="rId18" imgW="2743200" imgH="1536480" progId="Corel DESIGNER.Graphic.10">
                   <p:embed/>
                 </p:oleObj>
               </mc:Choice>
@@ -8074,20 +8074,12 @@
               <a:defRPr/>
             </a:pPr>
             <a:r>
-              <a:rPr lang="en-US" altLang="ja-JP" sz="1600">
-                <a:solidFill>
-                  <a:srgbClr val="5F5F5F"/>
-                </a:solidFill>
-              </a:rPr>
-              <a:t>OpenRTM-aist-1.2.2-RELEASE</a:t>
-            </a:r>
-            <a:r>
               <a:rPr lang="en-US" altLang="ja-JP" sz="1600" dirty="0">
                 <a:solidFill>
                   <a:srgbClr val="5F5F5F"/>
                 </a:solidFill>
               </a:rPr>
-              <a:t>_x86_64.msi</a:t>
+              <a:t>OpenRTM-aist-1.2.2-RELEASE_x86_64.msi</a:t>
             </a:r>
           </a:p>
           <a:p>
@@ -8204,7 +8196,7 @@
                   <a:srgbClr val="5F5F5F"/>
                 </a:solidFill>
               </a:rPr>
-              <a:t>python-3.7.5-amd64.msi</a:t>
+              <a:t>python-3.8.10-amd64.exe</a:t>
             </a:r>
           </a:p>
           <a:p>
@@ -8318,7 +8310,7 @@
                   <a:srgbClr val="5F5F5F"/>
                 </a:solidFill>
               </a:rPr>
-              <a:t>cmake-3.15.4-win64-x64.msi</a:t>
+              <a:t>cmake-3.20.2-windows-x86_64.msi</a:t>
             </a:r>
           </a:p>
           <a:p>
@@ -8355,7 +8347,7 @@
                   <a:srgbClr val="5F5F5F"/>
                 </a:solidFill>
               </a:rPr>
-              <a:t>doxygen-1.8.14-setup.exe</a:t>
+              <a:t>doxygen-1.9.1-setup.exe</a:t>
             </a:r>
           </a:p>
           <a:p>
@@ -10233,6 +10225,38 @@
                   <a:srgbClr val="5F5F5F"/>
                 </a:solidFill>
               </a:rPr>
+              <a:t>部、第</a:t>
+            </a:r>
+            <a:r>
+              <a:rPr lang="en-US" altLang="ja-JP" sz="1600" kern="0" dirty="0">
+                <a:solidFill>
+                  <a:srgbClr val="5F5F5F"/>
+                </a:solidFill>
+              </a:rPr>
+              <a:t>3</a:t>
+            </a:r>
+            <a:r>
+              <a:rPr lang="ja-JP" altLang="en-US" sz="1600" kern="0" dirty="0">
+                <a:solidFill>
+                  <a:srgbClr val="5F5F5F"/>
+                </a:solidFill>
+              </a:rPr>
+              <a:t>部、第</a:t>
+            </a:r>
+            <a:r>
+              <a:rPr lang="en-US" altLang="ja-JP" sz="1600" kern="0" dirty="0">
+                <a:solidFill>
+                  <a:srgbClr val="5F5F5F"/>
+                </a:solidFill>
+              </a:rPr>
+              <a:t>4</a:t>
+            </a:r>
+            <a:r>
+              <a:rPr lang="ja-JP" altLang="en-US" sz="1600" kern="0" dirty="0">
+                <a:solidFill>
+                  <a:srgbClr val="5F5F5F"/>
+                </a:solidFill>
+              </a:rPr>
               <a:t>部スライド</a:t>
             </a:r>
             <a:endParaRPr lang="en-US" altLang="ja-JP" sz="1600" kern="0" dirty="0">
@@ -10242,18 +10266,65 @@
             </a:endParaRPr>
           </a:p>
           <a:p>
+            <a:pPr lvl="1" eaLnBrk="1" hangingPunct="1">
+              <a:lnSpc>
+                <a:spcPct val="80000"/>
+              </a:lnSpc>
+            </a:pPr>
+            <a:r>
+              <a:rPr lang="en-US" altLang="zh-TW" sz="2000" kern="0" dirty="0">
+                <a:solidFill>
+                  <a:srgbClr val="5F5F5F"/>
+                </a:solidFill>
+              </a:rPr>
+              <a:t>WEB</a:t>
+            </a:r>
+            <a:r>
+              <a:rPr lang="ja-JP" altLang="en-US" sz="2000" kern="0" dirty="0">
+                <a:solidFill>
+                  <a:srgbClr val="5F5F5F"/>
+                </a:solidFill>
+              </a:rPr>
+              <a:t>ページ</a:t>
+            </a:r>
+            <a:r>
+              <a:rPr lang="en-US" altLang="ja-JP" sz="2000" kern="0" dirty="0">
+                <a:solidFill>
+                  <a:srgbClr val="5F5F5F"/>
+                </a:solidFill>
+              </a:rPr>
+              <a:t>(</a:t>
+            </a:r>
+            <a:r>
+              <a:rPr lang="ja-JP" altLang="en-US" sz="2000" kern="0" dirty="0">
+                <a:solidFill>
+                  <a:srgbClr val="5F5F5F"/>
+                </a:solidFill>
+              </a:rPr>
+              <a:t>手順を記載したページ</a:t>
+            </a:r>
+            <a:r>
+              <a:rPr lang="en-US" altLang="ja-JP" sz="2000" kern="0" dirty="0">
+                <a:solidFill>
+                  <a:srgbClr val="5F5F5F"/>
+                </a:solidFill>
+              </a:rPr>
+              <a:t>)</a:t>
+            </a:r>
+          </a:p>
+          <a:p>
             <a:pPr lvl="2" eaLnBrk="1" hangingPunct="1">
               <a:lnSpc>
                 <a:spcPct val="80000"/>
               </a:lnSpc>
             </a:pPr>
             <a:r>
-              <a:rPr lang="en-US" altLang="zh-TW" sz="1600" kern="0" dirty="0">
-                <a:solidFill>
-                  <a:srgbClr val="5F5F5F"/>
-                </a:solidFill>
-              </a:rPr>
-              <a:t>RTM</a:t>
+              <a:rPr lang="en-US" altLang="ja-JP" sz="1600" kern="0" dirty="0">
+                <a:solidFill>
+                  <a:srgbClr val="5F5F5F"/>
+                </a:solidFill>
+              </a:rPr>
+              <a:t>RT</a:t>
             </a:r>
             <a:r>
               <a:rPr lang="ja-JP" altLang="en-US" sz="1600" kern="0" dirty="0">
@@ -10261,87 +10332,57 @@
                   <a:srgbClr val="5F5F5F"/>
                 </a:solidFill>
               </a:rPr>
-              <a:t>講習会</a:t>
-            </a:r>
-            <a:r>
-              <a:rPr lang="en-US" altLang="ja-JP" sz="1600" kern="0" dirty="0">
-                <a:solidFill>
-                  <a:srgbClr val="5F5F5F"/>
-                </a:solidFill>
-              </a:rPr>
-              <a:t>_2</a:t>
-            </a:r>
-            <a:r>
-              <a:rPr lang="ja-JP" altLang="en-US" sz="1600" kern="0" dirty="0">
-                <a:solidFill>
-                  <a:srgbClr val="5F5F5F"/>
-                </a:solidFill>
-              </a:rPr>
-              <a:t>部</a:t>
-            </a:r>
-            <a:r>
-              <a:rPr lang="en-US" altLang="ja-JP" sz="1600" kern="0" dirty="0">
-                <a:solidFill>
-                  <a:srgbClr val="5F5F5F"/>
-                </a:solidFill>
-              </a:rPr>
-              <a:t>_</a:t>
-            </a:r>
-            <a:r>
-              <a:rPr lang="en-US" altLang="zh-TW" sz="1600" kern="0" dirty="0">
-                <a:solidFill>
-                  <a:srgbClr val="5F5F5F"/>
-                </a:solidFill>
-              </a:rPr>
-              <a:t>online.pdf</a:t>
-            </a:r>
-          </a:p>
-          <a:p>
-            <a:pPr lvl="1" eaLnBrk="1" hangingPunct="1">
+              <a:t>コンポーネントの作成入門</a:t>
+            </a:r>
+            <a:endParaRPr lang="en-US" altLang="ja-JP" sz="1600" kern="0" dirty="0">
+              <a:solidFill>
+                <a:srgbClr val="5F5F5F"/>
+              </a:solidFill>
+            </a:endParaRPr>
+          </a:p>
+          <a:p>
+            <a:pPr lvl="3" eaLnBrk="1" hangingPunct="1">
               <a:lnSpc>
                 <a:spcPct val="80000"/>
               </a:lnSpc>
             </a:pPr>
             <a:r>
-              <a:rPr lang="en-US" altLang="zh-TW" sz="2000" kern="0" dirty="0">
-                <a:solidFill>
-                  <a:srgbClr val="5F5F5F"/>
-                </a:solidFill>
-              </a:rPr>
-              <a:t>WEB</a:t>
-            </a:r>
-            <a:r>
-              <a:rPr lang="ja-JP" altLang="en-US" sz="2000" kern="0" dirty="0">
-                <a:solidFill>
-                  <a:srgbClr val="5F5F5F"/>
-                </a:solidFill>
-              </a:rPr>
-              <a:t>ページ</a:t>
-            </a:r>
-            <a:r>
-              <a:rPr lang="en-US" altLang="ja-JP" sz="2000" kern="0" dirty="0">
-                <a:solidFill>
-                  <a:srgbClr val="5F5F5F"/>
-                </a:solidFill>
-              </a:rPr>
-              <a:t>(</a:t>
-            </a:r>
-            <a:r>
-              <a:rPr lang="ja-JP" altLang="en-US" sz="2000" kern="0" dirty="0">
-                <a:solidFill>
-                  <a:srgbClr val="5F5F5F"/>
-                </a:solidFill>
-              </a:rPr>
-              <a:t>手順を記載したページ</a:t>
-            </a:r>
-            <a:r>
-              <a:rPr lang="en-US" altLang="ja-JP" sz="2000" kern="0" dirty="0">
-                <a:solidFill>
-                  <a:srgbClr val="5F5F5F"/>
-                </a:solidFill>
-              </a:rPr>
-              <a:t>)</a:t>
-            </a:r>
+              <a:rPr lang="en-US" altLang="ja-JP" sz="1200" kern="0" dirty="0">
+                <a:solidFill>
+                  <a:srgbClr val="5F5F5F"/>
+                </a:solidFill>
+              </a:rPr>
+              <a:t>Windows</a:t>
+            </a:r>
+            <a:r>
+              <a:rPr lang="ja-JP" altLang="en-US" sz="1200" kern="0" dirty="0">
+                <a:solidFill>
+                  <a:srgbClr val="5F5F5F"/>
+                </a:solidFill>
+              </a:rPr>
+              <a:t>版、</a:t>
+            </a:r>
+            <a:r>
+              <a:rPr lang="en-US" altLang="ja-JP" sz="1200" kern="0" dirty="0">
+                <a:solidFill>
+                  <a:srgbClr val="5F5F5F"/>
+                </a:solidFill>
+              </a:rPr>
+              <a:t>Ubuntu</a:t>
+            </a:r>
+            <a:r>
+              <a:rPr lang="ja-JP" altLang="en-US" sz="1200" kern="0" dirty="0">
+                <a:solidFill>
+                  <a:srgbClr val="5F5F5F"/>
+                </a:solidFill>
+              </a:rPr>
+              <a:t>版</a:t>
+            </a:r>
+            <a:endParaRPr lang="en-US" altLang="ja-JP" sz="1200" kern="0" dirty="0">
+              <a:solidFill>
+                <a:srgbClr val="5F5F5F"/>
+              </a:solidFill>
+            </a:endParaRPr>
           </a:p>
           <a:p>
             <a:pPr lvl="2" eaLnBrk="1" hangingPunct="1">
@@ -10350,45 +10391,26 @@
               </a:lnSpc>
             </a:pPr>
             <a:r>
+              <a:rPr lang="en-US" altLang="zh-TW" sz="1600" kern="0" dirty="0" err="1">
+                <a:solidFill>
+                  <a:srgbClr val="5F5F5F"/>
+                </a:solidFill>
+              </a:rPr>
+              <a:t>rtshell</a:t>
+            </a:r>
+            <a:r>
               <a:rPr lang="ja-JP" altLang="en-US" sz="1600" kern="0" dirty="0">
                 <a:solidFill>
                   <a:srgbClr val="5F5F5F"/>
                 </a:solidFill>
               </a:rPr>
-              <a:t>第</a:t>
-            </a:r>
-            <a:r>
-              <a:rPr lang="en-US" altLang="ja-JP" sz="1600" kern="0" dirty="0">
-                <a:solidFill>
-                  <a:srgbClr val="5F5F5F"/>
-                </a:solidFill>
-              </a:rPr>
-              <a:t>2</a:t>
-            </a:r>
-            <a:r>
-              <a:rPr lang="ja-JP" altLang="en-US" sz="1600" kern="0" dirty="0">
-                <a:solidFill>
-                  <a:srgbClr val="5F5F5F"/>
-                </a:solidFill>
-              </a:rPr>
-              <a:t>部</a:t>
-            </a:r>
-            <a:r>
-              <a:rPr lang="en-US" altLang="ja-JP" sz="1600" kern="0" dirty="0">
-                <a:solidFill>
-                  <a:srgbClr val="5F5F5F"/>
-                </a:solidFill>
-              </a:rPr>
-              <a:t>(</a:t>
-            </a:r>
-            <a:r>
-              <a:rPr lang="en-US" altLang="zh-TW" sz="1600" kern="0" dirty="0">
-                <a:solidFill>
-                  <a:srgbClr val="5F5F5F"/>
-                </a:solidFill>
-              </a:rPr>
-              <a:t>Windows)</a:t>
-            </a:r>
+              <a:t>入門</a:t>
+            </a:r>
+            <a:endParaRPr lang="en-US" altLang="zh-TW" sz="1600" kern="0" dirty="0">
+              <a:solidFill>
+                <a:srgbClr val="5F5F5F"/>
+              </a:solidFill>
+            </a:endParaRPr>
           </a:p>
           <a:p>
             <a:pPr lvl="2" eaLnBrk="1" hangingPunct="1">
@@ -10397,116 +10419,22 @@
               </a:lnSpc>
             </a:pPr>
             <a:r>
+              <a:rPr lang="en-US" altLang="ja-JP" sz="1600" kern="0" dirty="0">
+                <a:solidFill>
+                  <a:srgbClr val="5F5F5F"/>
+                </a:solidFill>
+              </a:rPr>
+              <a:t>RT</a:t>
+            </a:r>
+            <a:r>
               <a:rPr lang="ja-JP" altLang="en-US" sz="1600" kern="0" dirty="0">
                 <a:solidFill>
                   <a:srgbClr val="5F5F5F"/>
                 </a:solidFill>
               </a:rPr>
-              <a:t>第</a:t>
-            </a:r>
-            <a:r>
-              <a:rPr lang="en-US" altLang="ja-JP" sz="1600" kern="0" dirty="0">
-                <a:solidFill>
-                  <a:srgbClr val="5F5F5F"/>
-                </a:solidFill>
-              </a:rPr>
-              <a:t>2</a:t>
-            </a:r>
-            <a:r>
-              <a:rPr lang="ja-JP" altLang="en-US" sz="1600" kern="0" dirty="0">
-                <a:solidFill>
-                  <a:srgbClr val="5F5F5F"/>
-                </a:solidFill>
-              </a:rPr>
-              <a:t>部</a:t>
-            </a:r>
-            <a:r>
-              <a:rPr lang="en-US" altLang="ja-JP" sz="1600" kern="0" dirty="0">
-                <a:solidFill>
-                  <a:srgbClr val="5F5F5F"/>
-                </a:solidFill>
-              </a:rPr>
-              <a:t>(</a:t>
-            </a:r>
-            <a:r>
-              <a:rPr lang="en-US" altLang="zh-TW" sz="1600" kern="0" dirty="0">
-                <a:solidFill>
-                  <a:srgbClr val="5F5F5F"/>
-                </a:solidFill>
-              </a:rPr>
-              <a:t>Ubuntu)</a:t>
-            </a:r>
-          </a:p>
-          <a:p>
-            <a:pPr lvl="1" eaLnBrk="1" hangingPunct="1">
-              <a:lnSpc>
-                <a:spcPct val="80000"/>
-              </a:lnSpc>
-            </a:pPr>
-            <a:r>
-              <a:rPr lang="en-US" altLang="ja-JP" sz="2000" kern="0" dirty="0">
-                <a:solidFill>
-                  <a:srgbClr val="5F5F5F"/>
-                </a:solidFill>
-              </a:rPr>
-              <a:t>Installer(OpenRTM-aist-1.2.1</a:t>
-            </a:r>
-            <a:r>
-              <a:rPr lang="ja-JP" altLang="en-US" sz="2000" kern="0" dirty="0">
-                <a:solidFill>
-                  <a:srgbClr val="5F5F5F"/>
-                </a:solidFill>
-              </a:rPr>
-              <a:t>版 </a:t>
-            </a:r>
-            <a:r>
-              <a:rPr lang="en-US" altLang="ja-JP" sz="2000" kern="0" dirty="0">
-                <a:solidFill>
-                  <a:srgbClr val="5F5F5F"/>
-                </a:solidFill>
-              </a:rPr>
-              <a:t>Windows</a:t>
-            </a:r>
-            <a:r>
-              <a:rPr lang="ja-JP" altLang="en-US" sz="2000" kern="0" dirty="0">
-                <a:solidFill>
-                  <a:srgbClr val="5F5F5F"/>
-                </a:solidFill>
-              </a:rPr>
-              <a:t>用インストーラ</a:t>
-            </a:r>
-            <a:r>
-              <a:rPr lang="en-US" altLang="ja-JP" sz="2000" kern="0" dirty="0">
-                <a:solidFill>
-                  <a:srgbClr val="5F5F5F"/>
-                </a:solidFill>
-              </a:rPr>
-              <a:t>)</a:t>
-            </a:r>
-          </a:p>
-          <a:p>
-            <a:pPr lvl="2" eaLnBrk="1" hangingPunct="1">
-              <a:lnSpc>
-                <a:spcPct val="80000"/>
-              </a:lnSpc>
-            </a:pPr>
-            <a:r>
-              <a:rPr lang="en-US" altLang="ja-JP" sz="1600" kern="0" dirty="0">
-                <a:solidFill>
-                  <a:srgbClr val="5F5F5F"/>
-                </a:solidFill>
-              </a:rPr>
-              <a:t>OpenRTM-aist</a:t>
-            </a:r>
-            <a:r>
-              <a:rPr lang="ja-JP" altLang="en-US" sz="1600" kern="0" dirty="0">
-                <a:solidFill>
-                  <a:srgbClr val="5F5F5F"/>
-                </a:solidFill>
-              </a:rPr>
-              <a:t>のインストールに問題があった場合に使用してください</a:t>
-            </a:r>
-            <a:endParaRPr lang="en-US" altLang="ja-JP" sz="1600" kern="0" dirty="0">
+              <a:t>システム構築実習</a:t>
+            </a:r>
+            <a:endParaRPr lang="en-US" altLang="zh-TW" sz="1600" kern="0" dirty="0">
               <a:solidFill>
                 <a:srgbClr val="5F5F5F"/>
               </a:solidFill>
@@ -11167,8 +11095,27 @@
                 <a:solidFill>
                   <a:srgbClr val="5F5F5F"/>
                 </a:solidFill>
-              </a:rPr>
-              <a:t>https://github.com/OpenRTM/RTM_Tutorial/releases/download/online_0.1/RTM_Tutorial.zip</a:t>
+                <a:hlinkClick r:id="rId4"/>
+              </a:rPr>
+              <a:t>https://github.com/OpenRTM/RTM_Tutorial/releases/download/online</a:t>
+            </a:r>
+            <a:r>
+              <a:rPr lang="en-US" altLang="zh-TW" sz="2000">
+                <a:solidFill>
+                  <a:srgbClr val="5F5F5F"/>
+                </a:solidFill>
+                <a:hlinkClick r:id="rId4"/>
+              </a:rPr>
+              <a:t>_0.2/</a:t>
+            </a:r>
+            <a:r>
+              <a:rPr lang="en-US" altLang="zh-TW" sz="2000" dirty="0">
+                <a:solidFill>
+                  <a:srgbClr val="5F5F5F"/>
+                </a:solidFill>
+                <a:hlinkClick r:id="rId4"/>
+              </a:rPr>
+              <a:t>RTM_Tutorial.zip</a:t>
             </a:r>
             <a:endParaRPr lang="en-US" altLang="ja-JP" sz="2000" dirty="0">
               <a:solidFill>
@@ -11408,7 +11355,7 @@
           <p:nvPr/>
         </p:nvPicPr>
         <p:blipFill>
-          <a:blip r:embed="rId4">
+          <a:blip r:embed="rId5">
             <a:extLst>
               <a:ext uri="{28A0092B-C50C-407E-A947-70E740481C1C}">
                 <a14:useLocalDpi xmlns:a14="http://schemas.microsoft.com/office/drawing/2010/main" val="0"/>
@@ -11455,7 +11402,7 @@
           <p:nvPr/>
         </p:nvPicPr>
         <p:blipFill>
-          <a:blip r:embed="rId5">
+          <a:blip r:embed="rId6">
             <a:extLst>
               <a:ext uri="{28A0092B-C50C-407E-A947-70E740481C1C}">
                 <a14:useLocalDpi xmlns:a14="http://schemas.microsoft.com/office/drawing/2010/main" val="0"/>

--- a/ppt/インストールの確認_online.pptx
+++ b/ppt/インストールの確認_online.pptx
@@ -3631,57 +3631,9 @@
           <a:lstStyle/>
           <a:p>
             <a:pPr eaLnBrk="1" hangingPunct="1"/>
-            <a:r>
-              <a:rPr lang="en-US" altLang="ja-JP">
-                <a:latin typeface="Arial" panose="020B0604020202020204" pitchFamily="34" charset="0"/>
-              </a:rPr>
-              <a:t>At first, I’d like to mention about RT.</a:t>
-            </a:r>
-          </a:p>
-          <a:p>
-            <a:pPr eaLnBrk="1" hangingPunct="1"/>
-            <a:r>
-              <a:rPr lang="en-US" altLang="ja-JP">
-                <a:latin typeface="Arial" panose="020B0604020202020204" pitchFamily="34" charset="0"/>
-              </a:rPr>
-              <a:t>What is RT?</a:t>
-            </a:r>
-          </a:p>
-          <a:p>
-            <a:pPr eaLnBrk="1" hangingPunct="1"/>
-            <a:r>
-              <a:rPr lang="en-US" altLang="ja-JP">
-                <a:latin typeface="Arial" panose="020B0604020202020204" pitchFamily="34" charset="0"/>
-              </a:rPr>
-              <a:t>RT means Robot Technology.</a:t>
-            </a:r>
-          </a:p>
-          <a:p>
-            <a:pPr eaLnBrk="1" hangingPunct="1"/>
-            <a:r>
-              <a:rPr lang="en-US" altLang="ja-JP">
-                <a:latin typeface="Arial" panose="020B0604020202020204" pitchFamily="34" charset="0"/>
-              </a:rPr>
-              <a:t>This is not only standalone robots like this, but also robotic elements, sensors, actuators and so on.</a:t>
-            </a:r>
-          </a:p>
-          <a:p>
-            <a:pPr eaLnBrk="1" hangingPunct="1"/>
-            <a:r>
-              <a:rPr lang="en-US" altLang="ja-JP">
-                <a:latin typeface="Arial" panose="020B0604020202020204" pitchFamily="34" charset="0"/>
-              </a:rPr>
-              <a:t>We have studied on RT-Middleware.</a:t>
-            </a:r>
-          </a:p>
-          <a:p>
-            <a:pPr eaLnBrk="1" hangingPunct="1"/>
-            <a:r>
-              <a:rPr lang="en-US" altLang="ja-JP">
-                <a:latin typeface="Arial" panose="020B0604020202020204" pitchFamily="34" charset="0"/>
-              </a:rPr>
-              <a:t>RT-Middleware is software platform to integrate these RT-elements. </a:t>
-            </a:r>
+            <a:endParaRPr lang="en-US" altLang="ja-JP" dirty="0">
+              <a:latin typeface="Arial" panose="020B0604020202020204" pitchFamily="34" charset="0"/>
+            </a:endParaRPr>
           </a:p>
         </p:txBody>
       </p:sp>
@@ -6462,7 +6414,7 @@
           <p:nvPr/>
         </p:nvPicPr>
         <p:blipFill>
-          <a:blip r:embed="rId16">
+          <a:blip r:embed="rId15">
             <a:extLst>
               <a:ext uri="{28A0092B-C50C-407E-A947-70E740481C1C}">
                 <a14:useLocalDpi xmlns:a14="http://schemas.microsoft.com/office/drawing/2010/main" val="0"/>
@@ -6757,7 +6709,7 @@
           <p:nvPr/>
         </p:nvPicPr>
         <p:blipFill>
-          <a:blip r:embed="rId17">
+          <a:blip r:embed="rId16">
             <a:extLst>
               <a:ext uri="{28A0092B-C50C-407E-A947-70E740481C1C}">
                 <a14:useLocalDpi xmlns:a14="http://schemas.microsoft.com/office/drawing/2010/main" val="0"/>
@@ -6887,12 +6839,12 @@
           <a:graphicData uri="http://schemas.openxmlformats.org/presentationml/2006/ole">
             <mc:AlternateContent xmlns:mc="http://schemas.openxmlformats.org/markup-compatibility/2006">
               <mc:Choice xmlns:v="urn:schemas-microsoft-com:vml" Requires="v">
-                <p:oleObj spid="_x0000_s1415" name="Corel DESIGNER" r:id="rId18" imgW="2743200" imgH="1536480" progId="Corel DESIGNER.Graphic.10">
+                <p:oleObj name="Corel DESIGNER" r:id="rId17" imgW="2743200" imgH="1536480" progId="Corel DESIGNER.Graphic.10">
                   <p:embed/>
                 </p:oleObj>
               </mc:Choice>
               <mc:Fallback>
-                <p:oleObj name="Corel DESIGNER" r:id="rId18" imgW="2743200" imgH="1536480" progId="Corel DESIGNER.Graphic.10">
+                <p:oleObj name="Corel DESIGNER" r:id="rId17" imgW="2743200" imgH="1536480" progId="Corel DESIGNER.Graphic.10">
                   <p:embed/>
                   <p:pic>
                     <p:nvPicPr>
@@ -6903,7 +6855,7 @@
                       <p:nvPr/>
                     </p:nvPicPr>
                     <p:blipFill>
-                      <a:blip r:embed="rId19">
+                      <a:blip r:embed="rId18">
                         <a:extLst>
                           <a:ext uri="{28A0092B-C50C-407E-A947-70E740481C1C}">
                             <a14:useLocalDpi xmlns:a14="http://schemas.microsoft.com/office/drawing/2010/main" val="0"/>
@@ -8083,6 +8035,290 @@
             </a:r>
           </a:p>
           <a:p>
+            <a:pPr lvl="1" eaLnBrk="1" hangingPunct="1">
+              <a:lnSpc>
+                <a:spcPct val="80000"/>
+              </a:lnSpc>
+              <a:defRPr/>
+            </a:pPr>
+            <a:r>
+              <a:rPr lang="ja-JP" altLang="en-US" sz="1600" dirty="0">
+                <a:solidFill>
+                  <a:srgbClr val="5F5F5F"/>
+                </a:solidFill>
+              </a:rPr>
+              <a:t>インストール後に再起動する</a:t>
+            </a:r>
+            <a:r>
+              <a:rPr lang="en-US" altLang="ja-JP" sz="1600" dirty="0">
+                <a:solidFill>
+                  <a:srgbClr val="5F5F5F"/>
+                </a:solidFill>
+              </a:rPr>
+              <a:t>(2</a:t>
+            </a:r>
+            <a:r>
+              <a:rPr lang="ja-JP" altLang="en-US" sz="1600" dirty="0">
+                <a:solidFill>
+                  <a:srgbClr val="5F5F5F"/>
+                </a:solidFill>
+              </a:rPr>
+              <a:t>回再起動を必要とする環境もある</a:t>
+            </a:r>
+            <a:r>
+              <a:rPr lang="en-US" altLang="ja-JP" sz="1600" dirty="0">
+                <a:solidFill>
+                  <a:srgbClr val="5F5F5F"/>
+                </a:solidFill>
+              </a:rPr>
+              <a:t>)</a:t>
+            </a:r>
+          </a:p>
+          <a:p>
+            <a:pPr eaLnBrk="1" hangingPunct="1">
+              <a:lnSpc>
+                <a:spcPct val="80000"/>
+              </a:lnSpc>
+              <a:defRPr/>
+            </a:pPr>
+            <a:r>
+              <a:rPr lang="en-US" altLang="ja-JP" sz="2000" dirty="0">
+                <a:solidFill>
+                  <a:srgbClr val="5F5F5F"/>
+                </a:solidFill>
+              </a:rPr>
+              <a:t>Python</a:t>
+            </a:r>
+          </a:p>
+          <a:p>
+            <a:pPr lvl="1" eaLnBrk="1" hangingPunct="1">
+              <a:lnSpc>
+                <a:spcPct val="80000"/>
+              </a:lnSpc>
+              <a:defRPr/>
+            </a:pPr>
+            <a:r>
+              <a:rPr lang="en-US" altLang="ja-JP" sz="1600" dirty="0">
+                <a:solidFill>
+                  <a:srgbClr val="5F5F5F"/>
+                </a:solidFill>
+              </a:rPr>
+              <a:t>python-3.8.10-amd64.exe</a:t>
+            </a:r>
+          </a:p>
+          <a:p>
+            <a:pPr lvl="1" eaLnBrk="1" hangingPunct="1">
+              <a:lnSpc>
+                <a:spcPct val="80000"/>
+              </a:lnSpc>
+              <a:defRPr/>
+            </a:pPr>
+            <a:r>
+              <a:rPr lang="en-US" altLang="ja-JP" sz="1600" dirty="0">
+                <a:solidFill>
+                  <a:srgbClr val="5F5F5F"/>
+                </a:solidFill>
+              </a:rPr>
+              <a:t>OpenRTM-aist</a:t>
+            </a:r>
+            <a:r>
+              <a:rPr lang="ja-JP" altLang="en-US" sz="1600" dirty="0">
+                <a:solidFill>
+                  <a:srgbClr val="5F5F5F"/>
+                </a:solidFill>
+              </a:rPr>
+              <a:t>の</a:t>
+            </a:r>
+            <a:r>
+              <a:rPr lang="en-US" altLang="ja-JP" sz="1600" dirty="0">
+                <a:solidFill>
+                  <a:srgbClr val="5F5F5F"/>
+                </a:solidFill>
+              </a:rPr>
+              <a:t>64bit</a:t>
+            </a:r>
+            <a:r>
+              <a:rPr lang="ja-JP" altLang="en-US" sz="1600" dirty="0">
+                <a:solidFill>
+                  <a:srgbClr val="5F5F5F"/>
+                </a:solidFill>
+              </a:rPr>
+              <a:t>版をインストールする場合は</a:t>
+            </a:r>
+            <a:r>
+              <a:rPr lang="en-US" altLang="ja-JP" sz="1600" dirty="0">
+                <a:solidFill>
+                  <a:srgbClr val="5F5F5F"/>
+                </a:solidFill>
+              </a:rPr>
+              <a:t>Python</a:t>
+            </a:r>
+            <a:r>
+              <a:rPr lang="ja-JP" altLang="en-US" sz="1600" dirty="0">
+                <a:solidFill>
+                  <a:srgbClr val="5F5F5F"/>
+                </a:solidFill>
+              </a:rPr>
+              <a:t>も</a:t>
+            </a:r>
+            <a:r>
+              <a:rPr lang="en-US" altLang="ja-JP" sz="1600" dirty="0">
+                <a:solidFill>
+                  <a:srgbClr val="5F5F5F"/>
+                </a:solidFill>
+              </a:rPr>
+              <a:t>64bit</a:t>
+            </a:r>
+            <a:r>
+              <a:rPr lang="ja-JP" altLang="en-US" sz="1600" dirty="0">
+                <a:solidFill>
+                  <a:srgbClr val="5F5F5F"/>
+                </a:solidFill>
+              </a:rPr>
+              <a:t>版をインストールする。</a:t>
+            </a:r>
+            <a:endParaRPr lang="en-US" altLang="ja-JP" sz="1600" dirty="0">
+              <a:solidFill>
+                <a:srgbClr val="5F5F5F"/>
+              </a:solidFill>
+            </a:endParaRPr>
+          </a:p>
+          <a:p>
+            <a:pPr eaLnBrk="1" hangingPunct="1">
+              <a:lnSpc>
+                <a:spcPct val="80000"/>
+              </a:lnSpc>
+              <a:defRPr/>
+            </a:pPr>
+            <a:r>
+              <a:rPr lang="en-US" altLang="ja-JP" sz="2000" dirty="0" err="1">
+                <a:solidFill>
+                  <a:srgbClr val="5F5F5F"/>
+                </a:solidFill>
+              </a:rPr>
+              <a:t>CMake</a:t>
+            </a:r>
+            <a:endParaRPr lang="en-US" altLang="ja-JP" sz="2000" dirty="0">
+              <a:solidFill>
+                <a:srgbClr val="5F5F5F"/>
+              </a:solidFill>
+            </a:endParaRPr>
+          </a:p>
+          <a:p>
+            <a:pPr lvl="1" eaLnBrk="1" hangingPunct="1">
+              <a:lnSpc>
+                <a:spcPct val="80000"/>
+              </a:lnSpc>
+              <a:defRPr/>
+            </a:pPr>
+            <a:r>
+              <a:rPr lang="en-US" altLang="ja-JP" sz="1600" dirty="0">
+                <a:solidFill>
+                  <a:srgbClr val="5F5F5F"/>
+                </a:solidFill>
+              </a:rPr>
+              <a:t>cmake-3.20.2-windows-x86_64.msi</a:t>
+            </a:r>
+          </a:p>
+          <a:p>
+            <a:pPr eaLnBrk="1" hangingPunct="1">
+              <a:lnSpc>
+                <a:spcPct val="80000"/>
+              </a:lnSpc>
+              <a:defRPr/>
+            </a:pPr>
+            <a:r>
+              <a:rPr lang="en-US" altLang="ja-JP" sz="2000" dirty="0" err="1">
+                <a:solidFill>
+                  <a:srgbClr val="5F5F5F"/>
+                </a:solidFill>
+              </a:rPr>
+              <a:t>Doxygen</a:t>
+            </a:r>
+            <a:endParaRPr lang="en-US" altLang="ja-JP" sz="2000" dirty="0">
+              <a:solidFill>
+                <a:srgbClr val="5F5F5F"/>
+              </a:solidFill>
+            </a:endParaRPr>
+          </a:p>
+          <a:p>
+            <a:pPr lvl="1" eaLnBrk="1" hangingPunct="1">
+              <a:lnSpc>
+                <a:spcPct val="80000"/>
+              </a:lnSpc>
+              <a:defRPr/>
+            </a:pPr>
+            <a:r>
+              <a:rPr lang="en-US" altLang="ja-JP" sz="1600" dirty="0">
+                <a:solidFill>
+                  <a:srgbClr val="5F5F5F"/>
+                </a:solidFill>
+              </a:rPr>
+              <a:t>doxygen-1.9.1-setup.exe</a:t>
+            </a:r>
+          </a:p>
+          <a:p>
+            <a:pPr eaLnBrk="1" hangingPunct="1">
+              <a:lnSpc>
+                <a:spcPct val="80000"/>
+              </a:lnSpc>
+              <a:defRPr/>
+            </a:pPr>
+            <a:r>
+              <a:rPr lang="en-US" altLang="ja-JP" sz="2000" dirty="0">
+                <a:solidFill>
+                  <a:srgbClr val="5F5F5F"/>
+                </a:solidFill>
+              </a:rPr>
+              <a:t>Visual Studio</a:t>
+            </a:r>
+          </a:p>
+          <a:p>
+            <a:pPr lvl="1" eaLnBrk="1" hangingPunct="1">
+              <a:lnSpc>
+                <a:spcPct val="80000"/>
+              </a:lnSpc>
+              <a:defRPr/>
+            </a:pPr>
+            <a:r>
+              <a:rPr lang="en-US" altLang="ja-JP" sz="1600" dirty="0">
+                <a:solidFill>
+                  <a:srgbClr val="5F5F5F"/>
+                </a:solidFill>
+              </a:rPr>
+              <a:t>Visual Studio 2019</a:t>
+            </a:r>
+          </a:p>
+          <a:p>
+            <a:pPr lvl="1" eaLnBrk="1" hangingPunct="1">
+              <a:lnSpc>
+                <a:spcPct val="80000"/>
+              </a:lnSpc>
+              <a:defRPr/>
+            </a:pPr>
+            <a:r>
+              <a:rPr lang="en-US" altLang="ja-JP" sz="1600" dirty="0">
+                <a:solidFill>
+                  <a:srgbClr val="5F5F5F"/>
+                </a:solidFill>
+              </a:rPr>
+              <a:t>C++</a:t>
+            </a:r>
+            <a:r>
+              <a:rPr lang="ja-JP" altLang="en-US" sz="1600" dirty="0">
+                <a:solidFill>
+                  <a:srgbClr val="5F5F5F"/>
+                </a:solidFill>
+              </a:rPr>
+              <a:t>コンパイラがインストールされているかは必ず確認してください。</a:t>
+            </a:r>
+            <a:endParaRPr lang="en-US" altLang="ja-JP" sz="1600" dirty="0">
+              <a:solidFill>
+                <a:srgbClr val="5F5F5F"/>
+              </a:solidFill>
+            </a:endParaRPr>
+          </a:p>
+          <a:p>
             <a:pPr lvl="2" eaLnBrk="1" hangingPunct="1">
               <a:lnSpc>
                 <a:spcPct val="80000"/>
@@ -8090,57 +8326,20 @@
               <a:defRPr/>
             </a:pPr>
             <a:r>
-              <a:rPr lang="en-US" altLang="ja-JP" sz="1400" dirty="0">
-                <a:solidFill>
-                  <a:srgbClr val="5F5F5F"/>
-                </a:solidFill>
-              </a:rPr>
-              <a:t>Python 3.8</a:t>
-            </a:r>
-            <a:r>
-              <a:rPr lang="ja-JP" altLang="en-US" sz="1400" dirty="0">
-                <a:solidFill>
-                  <a:srgbClr val="5F5F5F"/>
-                </a:solidFill>
-              </a:rPr>
-              <a:t>を使用する場合は</a:t>
-            </a:r>
-            <a:r>
-              <a:rPr lang="en-US" altLang="ja-JP" sz="1400" dirty="0">
-                <a:solidFill>
-                  <a:srgbClr val="5F5F5F"/>
-                </a:solidFill>
-              </a:rPr>
-              <a:t>OpenRTM-aist-1.2.2-Beta200501_x86_64.1.msi</a:t>
-            </a:r>
-            <a:r>
-              <a:rPr lang="ja-JP" altLang="en-US" sz="1400" dirty="0">
-                <a:solidFill>
-                  <a:srgbClr val="5F5F5F"/>
-                </a:solidFill>
-              </a:rPr>
-              <a:t>をインストール</a:t>
-            </a:r>
-            <a:endParaRPr lang="en-US" altLang="ja-JP" sz="1400" dirty="0">
-              <a:solidFill>
-                <a:srgbClr val="5F5F5F"/>
-              </a:solidFill>
-            </a:endParaRPr>
-          </a:p>
-          <a:p>
-            <a:pPr lvl="1" eaLnBrk="1" hangingPunct="1">
-              <a:lnSpc>
-                <a:spcPct val="80000"/>
-              </a:lnSpc>
-              <a:defRPr/>
-            </a:pPr>
+              <a:rPr lang="en-US" altLang="ja-JP" sz="1600" dirty="0">
+                <a:solidFill>
+                  <a:srgbClr val="5F5F5F"/>
+                </a:solidFill>
+              </a:rPr>
+              <a:t>[</a:t>
+            </a:r>
             <a:r>
               <a:rPr lang="ja-JP" altLang="en-US" sz="1600" dirty="0">
                 <a:solidFill>
                   <a:srgbClr val="5F5F5F"/>
                 </a:solidFill>
               </a:rPr>
-              <a:t>インストール後に再起動する</a:t>
+              <a:t>「</a:t>
             </a:r>
             <a:r>
               <a:rPr lang="en-US" altLang="ja-JP" sz="1600" dirty="0">
@@ -8148,7 +8347,7 @@
                   <a:srgbClr val="5F5F5F"/>
                 </a:solidFill>
               </a:rPr>
-              <a:t>(2</a:t>
+              <a:t>C++</a:t>
             </a:r>
             <a:r>
               <a:rPr lang="ja-JP" altLang="en-US" sz="1600" dirty="0">
@@ -8156,231 +8355,13 @@
                   <a:srgbClr val="5F5F5F"/>
                 </a:solidFill>
               </a:rPr>
-              <a:t>回再起動を必要とする環境もある</a:t>
-            </a:r>
-            <a:r>
-              <a:rPr lang="en-US" altLang="ja-JP" sz="1600" dirty="0">
-                <a:solidFill>
-                  <a:srgbClr val="5F5F5F"/>
-                </a:solidFill>
-              </a:rPr>
-              <a:t>)</a:t>
-            </a:r>
-          </a:p>
-          <a:p>
-            <a:pPr eaLnBrk="1" hangingPunct="1">
-              <a:lnSpc>
-                <a:spcPct val="80000"/>
-              </a:lnSpc>
-              <a:defRPr/>
-            </a:pPr>
-            <a:r>
-              <a:rPr lang="en-US" altLang="ja-JP" sz="2000" dirty="0">
-                <a:solidFill>
-                  <a:srgbClr val="5F5F5F"/>
-                </a:solidFill>
-              </a:rPr>
-              <a:t>Python</a:t>
-            </a:r>
-          </a:p>
-          <a:p>
-            <a:pPr lvl="1" eaLnBrk="1" hangingPunct="1">
-              <a:lnSpc>
-                <a:spcPct val="80000"/>
-              </a:lnSpc>
-              <a:defRPr/>
-            </a:pPr>
-            <a:r>
-              <a:rPr lang="en-US" altLang="ja-JP" sz="1600" dirty="0">
-                <a:solidFill>
-                  <a:srgbClr val="5F5F5F"/>
-                </a:solidFill>
-              </a:rPr>
-              <a:t>python-3.8.10-amd64.exe</a:t>
-            </a:r>
-          </a:p>
-          <a:p>
-            <a:pPr lvl="1" eaLnBrk="1" hangingPunct="1">
-              <a:lnSpc>
-                <a:spcPct val="80000"/>
-              </a:lnSpc>
-              <a:defRPr/>
-            </a:pPr>
-            <a:r>
-              <a:rPr lang="en-US" altLang="ja-JP" sz="1600" dirty="0">
-                <a:solidFill>
-                  <a:srgbClr val="5F5F5F"/>
-                </a:solidFill>
-              </a:rPr>
-              <a:t>OpenRTM-aist</a:t>
-            </a:r>
-            <a:r>
-              <a:rPr lang="ja-JP" altLang="en-US" sz="1600" dirty="0">
-                <a:solidFill>
-                  <a:srgbClr val="5F5F5F"/>
-                </a:solidFill>
-              </a:rPr>
-              <a:t>の</a:t>
-            </a:r>
-            <a:r>
-              <a:rPr lang="en-US" altLang="ja-JP" sz="1600" dirty="0">
-                <a:solidFill>
-                  <a:srgbClr val="5F5F5F"/>
-                </a:solidFill>
-              </a:rPr>
-              <a:t>64bit</a:t>
-            </a:r>
-            <a:r>
-              <a:rPr lang="ja-JP" altLang="en-US" sz="1600" dirty="0">
-                <a:solidFill>
-                  <a:srgbClr val="5F5F5F"/>
-                </a:solidFill>
-              </a:rPr>
-              <a:t>版をインストールする場合は</a:t>
-            </a:r>
-            <a:r>
-              <a:rPr lang="en-US" altLang="ja-JP" sz="1600" dirty="0">
-                <a:solidFill>
-                  <a:srgbClr val="5F5F5F"/>
-                </a:solidFill>
-              </a:rPr>
-              <a:t>Python</a:t>
-            </a:r>
-            <a:r>
-              <a:rPr lang="ja-JP" altLang="en-US" sz="1600" dirty="0">
-                <a:solidFill>
-                  <a:srgbClr val="5F5F5F"/>
-                </a:solidFill>
-              </a:rPr>
-              <a:t>も</a:t>
-            </a:r>
-            <a:r>
-              <a:rPr lang="en-US" altLang="ja-JP" sz="1600" dirty="0">
-                <a:solidFill>
-                  <a:srgbClr val="5F5F5F"/>
-                </a:solidFill>
-              </a:rPr>
-              <a:t>64bit</a:t>
-            </a:r>
-            <a:r>
-              <a:rPr lang="ja-JP" altLang="en-US" sz="1600" dirty="0">
-                <a:solidFill>
-                  <a:srgbClr val="5F5F5F"/>
-                </a:solidFill>
-              </a:rPr>
-              <a:t>版をインストールする。</a:t>
+              <a:t>によるデスクトップ開発」</a:t>
             </a:r>
             <a:endParaRPr lang="en-US" altLang="ja-JP" sz="1600" dirty="0">
               <a:solidFill>
                 <a:srgbClr val="5F5F5F"/>
               </a:solidFill>
             </a:endParaRPr>
-          </a:p>
-          <a:p>
-            <a:pPr eaLnBrk="1" hangingPunct="1">
-              <a:lnSpc>
-                <a:spcPct val="80000"/>
-              </a:lnSpc>
-              <a:defRPr/>
-            </a:pPr>
-            <a:r>
-              <a:rPr lang="en-US" altLang="ja-JP" sz="2000" dirty="0" err="1">
-                <a:solidFill>
-                  <a:srgbClr val="5F5F5F"/>
-                </a:solidFill>
-              </a:rPr>
-              <a:t>CMake</a:t>
-            </a:r>
-            <a:endParaRPr lang="en-US" altLang="ja-JP" sz="2000" dirty="0">
-              <a:solidFill>
-                <a:srgbClr val="5F5F5F"/>
-              </a:solidFill>
-            </a:endParaRPr>
-          </a:p>
-          <a:p>
-            <a:pPr lvl="1" eaLnBrk="1" hangingPunct="1">
-              <a:lnSpc>
-                <a:spcPct val="80000"/>
-              </a:lnSpc>
-              <a:defRPr/>
-            </a:pPr>
-            <a:r>
-              <a:rPr lang="en-US" altLang="ja-JP" sz="1600" dirty="0">
-                <a:solidFill>
-                  <a:srgbClr val="5F5F5F"/>
-                </a:solidFill>
-              </a:rPr>
-              <a:t>cmake-3.20.2-windows-x86_64.msi</a:t>
-            </a:r>
-          </a:p>
-          <a:p>
-            <a:pPr eaLnBrk="1" hangingPunct="1">
-              <a:lnSpc>
-                <a:spcPct val="80000"/>
-              </a:lnSpc>
-              <a:defRPr/>
-            </a:pPr>
-            <a:r>
-              <a:rPr lang="en-US" altLang="ja-JP" sz="2000" dirty="0" err="1">
-                <a:solidFill>
-                  <a:srgbClr val="5F5F5F"/>
-                </a:solidFill>
-              </a:rPr>
-              <a:t>Doxygen</a:t>
-            </a:r>
-            <a:endParaRPr lang="en-US" altLang="ja-JP" sz="2000" dirty="0">
-              <a:solidFill>
-                <a:srgbClr val="5F5F5F"/>
-              </a:solidFill>
-            </a:endParaRPr>
-          </a:p>
-          <a:p>
-            <a:pPr lvl="1" eaLnBrk="1" hangingPunct="1">
-              <a:lnSpc>
-                <a:spcPct val="80000"/>
-              </a:lnSpc>
-              <a:defRPr/>
-            </a:pPr>
-            <a:r>
-              <a:rPr lang="en-US" altLang="ja-JP" sz="1600" dirty="0">
-                <a:solidFill>
-                  <a:srgbClr val="5F5F5F"/>
-                </a:solidFill>
-              </a:rPr>
-              <a:t>doxygen-1.9.1-setup.exe</a:t>
-            </a:r>
-          </a:p>
-          <a:p>
-            <a:pPr eaLnBrk="1" hangingPunct="1">
-              <a:lnSpc>
-                <a:spcPct val="80000"/>
-              </a:lnSpc>
-              <a:defRPr/>
-            </a:pPr>
-            <a:r>
-              <a:rPr lang="en-US" altLang="ja-JP" sz="2000" dirty="0">
-                <a:solidFill>
-                  <a:srgbClr val="5F5F5F"/>
-                </a:solidFill>
-              </a:rPr>
-              <a:t>Visual Studio</a:t>
-            </a:r>
-          </a:p>
-          <a:p>
-            <a:pPr lvl="1" eaLnBrk="1" hangingPunct="1">
-              <a:lnSpc>
-                <a:spcPct val="80000"/>
-              </a:lnSpc>
-              <a:defRPr/>
-            </a:pPr>
-            <a:r>
-              <a:rPr lang="en-US" altLang="ja-JP" sz="1600" dirty="0">
-                <a:solidFill>
-                  <a:srgbClr val="5F5F5F"/>
-                </a:solidFill>
-              </a:rPr>
-              <a:t>Visual Studio 2019</a:t>
-            </a:r>
           </a:p>
         </p:txBody>
       </p:sp>
@@ -8412,7 +8393,7 @@
           <a:p>
             <a:pPr eaLnBrk="1" hangingPunct="1"/>
             <a:r>
-              <a:rPr lang="ja-JP" altLang="en-US">
+              <a:rPr lang="ja-JP" altLang="en-US" dirty="0">
                 <a:solidFill>
                   <a:srgbClr val="5F5F5F"/>
                 </a:solidFill>
@@ -8420,7 +8401,7 @@
               <a:t>インストールの確認</a:t>
             </a:r>
             <a:r>
-              <a:rPr lang="en-US" altLang="ja-JP">
+              <a:rPr lang="en-US" altLang="ja-JP" dirty="0">
                 <a:solidFill>
                   <a:srgbClr val="5F5F5F"/>
                 </a:solidFill>
@@ -8430,6 +8411,53 @@
           </a:p>
         </p:txBody>
       </p:sp>
+      <p:pic>
+        <p:nvPicPr>
+          <p:cNvPr id="2054" name="Picture 6">
+            <a:extLst>
+              <a:ext uri="{FF2B5EF4-FFF2-40B4-BE49-F238E27FC236}">
+                <a16:creationId xmlns:a16="http://schemas.microsoft.com/office/drawing/2014/main" id="{5DE50BD6-1286-4D97-9E0F-02802260A5A7}"/>
+              </a:ext>
+            </a:extLst>
+          </p:cNvPr>
+          <p:cNvPicPr>
+            <a:picLocks noChangeAspect="1" noChangeArrowheads="1"/>
+          </p:cNvPicPr>
+          <p:nvPr/>
+        </p:nvPicPr>
+        <p:blipFill>
+          <a:blip r:embed="rId3">
+            <a:extLst>
+              <a:ext uri="{28A0092B-C50C-407E-A947-70E740481C1C}">
+                <a14:useLocalDpi xmlns:a14="http://schemas.microsoft.com/office/drawing/2010/main" val="0"/>
+              </a:ext>
+            </a:extLst>
+          </a:blip>
+          <a:srcRect/>
+          <a:stretch>
+            <a:fillRect/>
+          </a:stretch>
+        </p:blipFill>
+        <p:spPr bwMode="auto">
+          <a:xfrm>
+            <a:off x="5067056" y="4742085"/>
+            <a:ext cx="3735414" cy="2084959"/>
+          </a:xfrm>
+          <a:prstGeom prst="rect">
+            <a:avLst/>
+          </a:prstGeom>
+          <a:noFill/>
+          <a:extLst>
+            <a:ext uri="{909E8E84-426E-40DD-AFC4-6F175D3DCCD1}">
+              <a14:hiddenFill xmlns:a14="http://schemas.microsoft.com/office/drawing/2010/main">
+                <a:solidFill>
+                  <a:srgbClr val="FFFFFF"/>
+                </a:solidFill>
+              </a14:hiddenFill>
+            </a:ext>
+          </a:extLst>
+        </p:spPr>
+      </p:pic>
     </p:spTree>
     <p:extLst>
       <p:ext uri="{BB962C8B-B14F-4D97-AF65-F5344CB8AC3E}">
@@ -9898,9 +9926,15 @@
                 <a:solidFill>
                   <a:srgbClr val="5F5F5F"/>
                 </a:solidFill>
-              </a:rPr>
-              <a:t>https://github.com/OpenRTM/RTM_Tutorial/releases/download/online_0.1/RTM_Tutorial.zip</a:t>
-            </a:r>
+                <a:hlinkClick r:id="rId3"/>
+              </a:rPr>
+              <a:t>https://github.com/OpenRTM/RTM_Tutorial/releases/download/online_0.3/RTM_Tutorial.zip</a:t>
+            </a:r>
+            <a:endParaRPr lang="en-US" altLang="ja-JP" sz="2000" dirty="0">
+              <a:solidFill>
+                <a:srgbClr val="5F5F5F"/>
+              </a:solidFill>
+            </a:endParaRPr>
           </a:p>
         </p:txBody>
       </p:sp>
@@ -9963,7 +9997,7 @@
         </p:nvSpPr>
         <p:spPr bwMode="auto">
           <a:xfrm>
-            <a:off x="431540" y="2438891"/>
+            <a:off x="431540" y="2303875"/>
             <a:ext cx="7915275" cy="3735414"/>
           </a:xfrm>
           <a:prstGeom prst="rect">
@@ -10433,6 +10467,49 @@
                 </a:solidFill>
               </a:rPr>
               <a:t>システム構築実習</a:t>
+            </a:r>
+            <a:endParaRPr lang="en-US" altLang="ja-JP" sz="1600" kern="0" dirty="0">
+              <a:solidFill>
+                <a:srgbClr val="5F5F5F"/>
+              </a:solidFill>
+            </a:endParaRPr>
+          </a:p>
+          <a:p>
+            <a:pPr lvl="1" eaLnBrk="1" hangingPunct="1">
+              <a:lnSpc>
+                <a:spcPct val="80000"/>
+              </a:lnSpc>
+            </a:pPr>
+            <a:r>
+              <a:rPr lang="en-US" altLang="zh-TW" sz="2000" kern="0" dirty="0">
+                <a:solidFill>
+                  <a:srgbClr val="5F5F5F"/>
+                </a:solidFill>
+              </a:rPr>
+              <a:t>Navigation</a:t>
+            </a:r>
+          </a:p>
+          <a:p>
+            <a:pPr lvl="2" eaLnBrk="1" hangingPunct="1">
+              <a:lnSpc>
+                <a:spcPct val="80000"/>
+              </a:lnSpc>
+            </a:pPr>
+            <a:r>
+              <a:rPr lang="en-US" altLang="zh-TW" sz="1600" kern="0" dirty="0">
+                <a:solidFill>
+                  <a:srgbClr val="5F5F5F"/>
+                </a:solidFill>
+              </a:rPr>
+              <a:t>SLAM</a:t>
+            </a:r>
+            <a:r>
+              <a:rPr lang="ja-JP" altLang="en-US" sz="1600" kern="0" dirty="0">
+                <a:solidFill>
+                  <a:srgbClr val="5F5F5F"/>
+                </a:solidFill>
+              </a:rPr>
+              <a:t>実習用</a:t>
             </a:r>
             <a:endParaRPr lang="en-US" altLang="zh-TW" sz="1600" kern="0" dirty="0">
               <a:solidFill>
@@ -11076,7 +11153,7 @@
                 </a:solidFill>
                 <a:hlinkClick r:id="rId3"/>
               </a:rPr>
-              <a:t>https://openrtm.org/openrtm/ja/tutorial/robomech2020#toc7</a:t>
+              <a:t>https://openrtm.org/openrtm/ja/tutorial/robomech2021#install</a:t>
             </a:r>
             <a:endParaRPr lang="en-US" altLang="ja-JP" sz="2000" dirty="0">
               <a:solidFill>
@@ -11097,25 +11174,7 @@
                 </a:solidFill>
                 <a:hlinkClick r:id="rId4"/>
               </a:rPr>
-              <a:t>https://github.com/OpenRTM/RTM_Tutorial/releases/download/online</a:t>
-            </a:r>
-            <a:r>
-              <a:rPr lang="en-US" altLang="zh-TW" sz="2000">
-                <a:solidFill>
-                  <a:srgbClr val="5F5F5F"/>
-                </a:solidFill>
-                <a:hlinkClick r:id="rId4"/>
-              </a:rPr>
-              <a:t>_0.2/</a:t>
-            </a:r>
-            <a:r>
-              <a:rPr lang="en-US" altLang="zh-TW" sz="2000" dirty="0">
-                <a:solidFill>
-                  <a:srgbClr val="5F5F5F"/>
-                </a:solidFill>
-                <a:hlinkClick r:id="rId4"/>
-              </a:rPr>
-              <a:t>RTM_Tutorial.zip</a:t>
+              <a:t>https://github.com/OpenRTM/RTM_Tutorial/releases/download/online_0.3/RTM_Tutorial.zip</a:t>
             </a:r>
             <a:endParaRPr lang="en-US" altLang="ja-JP" sz="2000" dirty="0">
               <a:solidFill>
@@ -12473,6 +12532,329 @@
                 <a:srgbClr val="5F5F5F"/>
               </a:solidFill>
             </a:endParaRPr>
+          </a:p>
+        </p:txBody>
+      </p:sp>
+      <p:sp>
+        <p:nvSpPr>
+          <p:cNvPr id="10" name="Rectangle 2">
+            <a:extLst>
+              <a:ext uri="{FF2B5EF4-FFF2-40B4-BE49-F238E27FC236}">
+                <a16:creationId xmlns:a16="http://schemas.microsoft.com/office/drawing/2014/main" id="{4E6B7899-F824-4351-B377-62276F5676D3}"/>
+              </a:ext>
+            </a:extLst>
+          </p:cNvPr>
+          <p:cNvSpPr txBox="1">
+            <a:spLocks noChangeArrowheads="1"/>
+          </p:cNvSpPr>
+          <p:nvPr/>
+        </p:nvSpPr>
+        <p:spPr bwMode="auto">
+          <a:xfrm>
+            <a:off x="459305" y="4099282"/>
+            <a:ext cx="7915275" cy="539852"/>
+          </a:xfrm>
+          <a:prstGeom prst="rect">
+            <a:avLst/>
+          </a:prstGeom>
+          <a:noFill/>
+          <a:ln>
+            <a:noFill/>
+          </a:ln>
+          <a:extLst>
+            <a:ext uri="{909E8E84-426E-40DD-AFC4-6F175D3DCCD1}">
+              <a14:hiddenFill xmlns:a14="http://schemas.microsoft.com/office/drawing/2010/main">
+                <a:solidFill>
+                  <a:srgbClr val="FFFFFF"/>
+                </a:solidFill>
+              </a14:hiddenFill>
+            </a:ext>
+            <a:ext uri="{91240B29-F687-4F45-9708-019B960494DF}">
+              <a14:hiddenLine xmlns:a14="http://schemas.microsoft.com/office/drawing/2010/main" w="9525">
+                <a:solidFill>
+                  <a:srgbClr val="000000"/>
+                </a:solidFill>
+                <a:miter lim="800000"/>
+                <a:headEnd/>
+                <a:tailEnd/>
+              </a14:hiddenLine>
+            </a:ext>
+          </a:extLst>
+        </p:spPr>
+        <p:txBody>
+          <a:bodyPr vert="horz" wrap="square" lIns="91440" tIns="45720" rIns="91440" bIns="45720" numCol="1" anchor="t" anchorCtr="0" compatLnSpc="1">
+            <a:prstTxWarp prst="textNoShape">
+              <a:avLst/>
+            </a:prstTxWarp>
+          </a:bodyPr>
+          <a:lstStyle>
+            <a:lvl1pPr marL="342900" indent="-342900" algn="l" rtl="0" eaLnBrk="0" fontAlgn="base" hangingPunct="0">
+              <a:spcBef>
+                <a:spcPct val="20000"/>
+              </a:spcBef>
+              <a:spcAft>
+                <a:spcPct val="0"/>
+              </a:spcAft>
+              <a:buChar char="•"/>
+              <a:defRPr kumimoji="1" sz="3200">
+                <a:solidFill>
+                  <a:srgbClr val="4D4D4D"/>
+                </a:solidFill>
+                <a:latin typeface="+mn-lt"/>
+                <a:ea typeface="+mn-ea"/>
+                <a:cs typeface="+mn-cs"/>
+              </a:defRPr>
+            </a:lvl1pPr>
+            <a:lvl2pPr marL="742950" indent="-285750" algn="l" rtl="0" eaLnBrk="0" fontAlgn="base" hangingPunct="0">
+              <a:spcBef>
+                <a:spcPct val="20000"/>
+              </a:spcBef>
+              <a:spcAft>
+                <a:spcPct val="0"/>
+              </a:spcAft>
+              <a:buChar char="–"/>
+              <a:defRPr kumimoji="1" sz="2800">
+                <a:solidFill>
+                  <a:srgbClr val="4D4D4D"/>
+                </a:solidFill>
+                <a:latin typeface="+mn-lt"/>
+                <a:ea typeface="+mn-ea"/>
+              </a:defRPr>
+            </a:lvl2pPr>
+            <a:lvl3pPr marL="1143000" indent="-228600" algn="l" rtl="0" eaLnBrk="0" fontAlgn="base" hangingPunct="0">
+              <a:spcBef>
+                <a:spcPct val="20000"/>
+              </a:spcBef>
+              <a:spcAft>
+                <a:spcPct val="0"/>
+              </a:spcAft>
+              <a:buChar char="•"/>
+              <a:defRPr kumimoji="1" sz="2400">
+                <a:solidFill>
+                  <a:srgbClr val="4D4D4D"/>
+                </a:solidFill>
+                <a:latin typeface="+mn-lt"/>
+                <a:ea typeface="+mn-ea"/>
+              </a:defRPr>
+            </a:lvl3pPr>
+            <a:lvl4pPr marL="1600200" indent="-228600" algn="l" rtl="0" eaLnBrk="0" fontAlgn="base" hangingPunct="0">
+              <a:spcBef>
+                <a:spcPct val="20000"/>
+              </a:spcBef>
+              <a:spcAft>
+                <a:spcPct val="0"/>
+              </a:spcAft>
+              <a:buChar char="–"/>
+              <a:defRPr kumimoji="1" sz="2000">
+                <a:solidFill>
+                  <a:srgbClr val="4D4D4D"/>
+                </a:solidFill>
+                <a:latin typeface="+mn-lt"/>
+                <a:ea typeface="+mn-ea"/>
+              </a:defRPr>
+            </a:lvl4pPr>
+            <a:lvl5pPr marL="2057400" indent="-228600" algn="l" rtl="0" eaLnBrk="0" fontAlgn="base" hangingPunct="0">
+              <a:spcBef>
+                <a:spcPct val="20000"/>
+              </a:spcBef>
+              <a:spcAft>
+                <a:spcPct val="0"/>
+              </a:spcAft>
+              <a:buChar char="»"/>
+              <a:defRPr kumimoji="1" sz="2000">
+                <a:solidFill>
+                  <a:srgbClr val="4D4D4D"/>
+                </a:solidFill>
+                <a:latin typeface="+mn-lt"/>
+                <a:ea typeface="+mn-ea"/>
+              </a:defRPr>
+            </a:lvl5pPr>
+            <a:lvl6pPr marL="2514600" indent="-228600" algn="l" rtl="0" fontAlgn="base">
+              <a:spcBef>
+                <a:spcPct val="20000"/>
+              </a:spcBef>
+              <a:spcAft>
+                <a:spcPct val="0"/>
+              </a:spcAft>
+              <a:buChar char="»"/>
+              <a:defRPr kumimoji="1" sz="2000">
+                <a:solidFill>
+                  <a:srgbClr val="4D4D4D"/>
+                </a:solidFill>
+                <a:latin typeface="+mn-lt"/>
+                <a:ea typeface="+mn-ea"/>
+              </a:defRPr>
+            </a:lvl6pPr>
+            <a:lvl7pPr marL="2971800" indent="-228600" algn="l" rtl="0" fontAlgn="base">
+              <a:spcBef>
+                <a:spcPct val="20000"/>
+              </a:spcBef>
+              <a:spcAft>
+                <a:spcPct val="0"/>
+              </a:spcAft>
+              <a:buChar char="»"/>
+              <a:defRPr kumimoji="1" sz="2000">
+                <a:solidFill>
+                  <a:srgbClr val="4D4D4D"/>
+                </a:solidFill>
+                <a:latin typeface="+mn-lt"/>
+                <a:ea typeface="+mn-ea"/>
+              </a:defRPr>
+            </a:lvl7pPr>
+            <a:lvl8pPr marL="3429000" indent="-228600" algn="l" rtl="0" fontAlgn="base">
+              <a:spcBef>
+                <a:spcPct val="20000"/>
+              </a:spcBef>
+              <a:spcAft>
+                <a:spcPct val="0"/>
+              </a:spcAft>
+              <a:buChar char="»"/>
+              <a:defRPr kumimoji="1" sz="2000">
+                <a:solidFill>
+                  <a:srgbClr val="4D4D4D"/>
+                </a:solidFill>
+                <a:latin typeface="+mn-lt"/>
+                <a:ea typeface="+mn-ea"/>
+              </a:defRPr>
+            </a:lvl8pPr>
+            <a:lvl9pPr marL="3886200" indent="-228600" algn="l" rtl="0" fontAlgn="base">
+              <a:spcBef>
+                <a:spcPct val="20000"/>
+              </a:spcBef>
+              <a:spcAft>
+                <a:spcPct val="0"/>
+              </a:spcAft>
+              <a:buChar char="»"/>
+              <a:defRPr kumimoji="1" sz="2000">
+                <a:solidFill>
+                  <a:srgbClr val="4D4D4D"/>
+                </a:solidFill>
+                <a:latin typeface="+mn-lt"/>
+                <a:ea typeface="+mn-ea"/>
+              </a:defRPr>
+            </a:lvl9pPr>
+          </a:lstStyle>
+          <a:p>
+            <a:pPr eaLnBrk="1" hangingPunct="1">
+              <a:lnSpc>
+                <a:spcPct val="80000"/>
+              </a:lnSpc>
+            </a:pPr>
+            <a:r>
+              <a:rPr lang="ja-JP" altLang="en-US" sz="2400" kern="0" dirty="0">
+                <a:solidFill>
+                  <a:srgbClr val="5F5F5F"/>
+                </a:solidFill>
+              </a:rPr>
+              <a:t>もしくはミュートをオフにして質問する。</a:t>
+            </a:r>
+            <a:endParaRPr lang="en-US" altLang="ja-JP" sz="2400" kern="0" dirty="0">
+              <a:solidFill>
+                <a:srgbClr val="5F5F5F"/>
+              </a:solidFill>
+            </a:endParaRPr>
+          </a:p>
+          <a:p>
+            <a:pPr lvl="1" eaLnBrk="1" hangingPunct="1">
+              <a:lnSpc>
+                <a:spcPct val="80000"/>
+              </a:lnSpc>
+            </a:pPr>
+            <a:r>
+              <a:rPr lang="ja-JP" altLang="en-US" sz="2000" kern="0" dirty="0">
+                <a:solidFill>
+                  <a:srgbClr val="5F5F5F"/>
+                </a:solidFill>
+              </a:rPr>
+              <a:t>質問が終了したらミュートをオンにする。</a:t>
+            </a:r>
+            <a:endParaRPr lang="en-US" altLang="ja-JP" sz="2000" kern="0" dirty="0">
+              <a:solidFill>
+                <a:srgbClr val="5F5F5F"/>
+              </a:solidFill>
+            </a:endParaRPr>
+          </a:p>
+        </p:txBody>
+      </p:sp>
+      <p:pic>
+        <p:nvPicPr>
+          <p:cNvPr id="2" name="図 1">
+            <a:extLst>
+              <a:ext uri="{FF2B5EF4-FFF2-40B4-BE49-F238E27FC236}">
+                <a16:creationId xmlns:a16="http://schemas.microsoft.com/office/drawing/2014/main" id="{F59F73C5-035E-45FC-9344-E632E5BF3A2D}"/>
+              </a:ext>
+            </a:extLst>
+          </p:cNvPr>
+          <p:cNvPicPr>
+            <a:picLocks noChangeAspect="1"/>
+          </p:cNvPicPr>
+          <p:nvPr/>
+        </p:nvPicPr>
+        <p:blipFill>
+          <a:blip r:embed="rId4"/>
+          <a:stretch>
+            <a:fillRect/>
+          </a:stretch>
+        </p:blipFill>
+        <p:spPr>
+          <a:xfrm>
+            <a:off x="62706" y="4895012"/>
+            <a:ext cx="9039225" cy="542925"/>
+          </a:xfrm>
+          <a:prstGeom prst="rect">
+            <a:avLst/>
+          </a:prstGeom>
+        </p:spPr>
+      </p:pic>
+      <p:sp>
+        <p:nvSpPr>
+          <p:cNvPr id="3" name="正方形/長方形 2">
+            <a:extLst>
+              <a:ext uri="{FF2B5EF4-FFF2-40B4-BE49-F238E27FC236}">
+                <a16:creationId xmlns:a16="http://schemas.microsoft.com/office/drawing/2014/main" id="{0A340C11-0EE5-4F49-AD1F-3018AA91DCA2}"/>
+              </a:ext>
+            </a:extLst>
+          </p:cNvPr>
+          <p:cNvSpPr/>
+          <p:nvPr/>
+        </p:nvSpPr>
+        <p:spPr>
+          <a:xfrm>
+            <a:off x="94980" y="4927287"/>
+            <a:ext cx="728874" cy="495402"/>
+          </a:xfrm>
+          <a:prstGeom prst="rect">
+            <a:avLst/>
+          </a:prstGeom>
+          <a:noFill/>
+          <a:ln>
+            <a:solidFill>
+              <a:srgbClr val="FF0000"/>
+            </a:solidFill>
+          </a:ln>
+        </p:spPr>
+        <p:style>
+          <a:lnRef idx="2">
+            <a:schemeClr val="accent1">
+              <a:shade val="50000"/>
+            </a:schemeClr>
+          </a:lnRef>
+          <a:fillRef idx="1">
+            <a:schemeClr val="accent1"/>
+          </a:fillRef>
+          <a:effectRef idx="0">
+            <a:schemeClr val="accent1"/>
+          </a:effectRef>
+          <a:fontRef idx="minor">
+            <a:schemeClr val="lt1"/>
+          </a:fontRef>
+        </p:style>
+        <p:txBody>
+          <a:bodyPr rtlCol="0" anchor="ctr"/>
+          <a:lstStyle/>
+          <a:p>
+            <a:pPr algn="ctr"/>
+            <a:endParaRPr kumimoji="1" lang="ja-JP" altLang="en-US"/>
           </a:p>
         </p:txBody>
       </p:sp>
